--- a/Slide-Nhom8.pptx
+++ b/Slide-Nhom8.pptx
@@ -144,7 +144,7 @@
   </p:defaultTextStyle>
   <p:extLst>
     <p:ext uri="{EFAFB233-063F-42B5-8137-9DF3F51BA10A}">
-      <p15:sldGuideLst xmlns="" xmlns:p15="http://schemas.microsoft.com/office/powerpoint/2012/main">
+      <p15:sldGuideLst xmlns:p15="http://schemas.microsoft.com/office/powerpoint/2012/main">
         <p15:guide id="1" orient="horz" pos="1393">
           <p15:clr>
             <a:srgbClr val="A4A3A4"/>
@@ -159,6 +159,35 @@
     </p:ext>
   </p:extLst>
 </p:presentation>
+</file>
+
+<file path=ppt/changesInfos/changesInfo1.xml><?xml version="1.0" encoding="utf-8"?>
+<pc:chgInfo xmlns:a="http://schemas.openxmlformats.org/drawingml/2006/main" xmlns:r="http://schemas.openxmlformats.org/officeDocument/2006/relationships" xmlns:ac="http://schemas.microsoft.com/office/drawing/2013/main/command" xmlns:pc="http://schemas.microsoft.com/office/powerpoint/2013/main/command">
+  <pc:docChgLst>
+    <pc:chgData name="Vo Vien" userId="90f2c54e3fb38020" providerId="LiveId" clId="{8F48C2DB-B435-4695-BCE8-773FD52F8068}"/>
+    <pc:docChg chg="modSld">
+      <pc:chgData name="Vo Vien" userId="90f2c54e3fb38020" providerId="LiveId" clId="{8F48C2DB-B435-4695-BCE8-773FD52F8068}" dt="2020-12-10T17:54:37.239" v="1" actId="113"/>
+      <pc:docMkLst>
+        <pc:docMk/>
+      </pc:docMkLst>
+      <pc:sldChg chg="modSp mod">
+        <pc:chgData name="Vo Vien" userId="90f2c54e3fb38020" providerId="LiveId" clId="{8F48C2DB-B435-4695-BCE8-773FD52F8068}" dt="2020-12-10T17:54:37.239" v="1" actId="113"/>
+        <pc:sldMkLst>
+          <pc:docMk/>
+          <pc:sldMk cId="3239406661" sldId="265"/>
+        </pc:sldMkLst>
+        <pc:spChg chg="mod">
+          <ac:chgData name="Vo Vien" userId="90f2c54e3fb38020" providerId="LiveId" clId="{8F48C2DB-B435-4695-BCE8-773FD52F8068}" dt="2020-12-10T17:54:37.239" v="1" actId="113"/>
+          <ac:spMkLst>
+            <pc:docMk/>
+            <pc:sldMk cId="3239406661" sldId="265"/>
+            <ac:spMk id="2" creationId="{00000000-0000-0000-0000-000000000000}"/>
+          </ac:spMkLst>
+        </pc:spChg>
+      </pc:sldChg>
+    </pc:docChg>
+  </pc:docChgLst>
+</pc:chgInfo>
 </file>
 
 <file path=ppt/slideLayouts/slideLayout1.xml><?xml version="1.0" encoding="utf-8"?>
@@ -6313,147 +6342,147 @@
           <a:lstStyle/>
           <a:p>
             <a:r>
-              <a:rPr lang="en-US" altLang="ko-KR" dirty="0" err="1" smtClean="0">
+              <a:rPr lang="en-US" altLang="ko-KR" dirty="0" err="1">
                 <a:latin typeface="Bahnschrift SemiBold" panose="020B0502040204020203" pitchFamily="34" charset="0"/>
                 <a:ea typeface="맑은 고딕" pitchFamily="50" charset="-127"/>
               </a:rPr>
               <a:t>Xây</a:t>
             </a:r>
             <a:r>
-              <a:rPr lang="en-US" altLang="ko-KR" dirty="0" smtClean="0">
+              <a:rPr lang="en-US" altLang="ko-KR" dirty="0">
                 <a:latin typeface="Bahnschrift SemiBold" panose="020B0502040204020203" pitchFamily="34" charset="0"/>
                 <a:ea typeface="맑은 고딕" pitchFamily="50" charset="-127"/>
               </a:rPr>
               <a:t> </a:t>
             </a:r>
             <a:r>
-              <a:rPr lang="en-US" altLang="ko-KR" dirty="0" err="1" smtClean="0">
+              <a:rPr lang="en-US" altLang="ko-KR" dirty="0" err="1">
                 <a:latin typeface="Bahnschrift SemiBold" panose="020B0502040204020203" pitchFamily="34" charset="0"/>
                 <a:ea typeface="맑은 고딕" pitchFamily="50" charset="-127"/>
               </a:rPr>
               <a:t>dựng</a:t>
             </a:r>
             <a:r>
-              <a:rPr lang="en-US" altLang="ko-KR" dirty="0" smtClean="0">
+              <a:rPr lang="en-US" altLang="ko-KR" dirty="0">
                 <a:latin typeface="Bahnschrift SemiBold" panose="020B0502040204020203" pitchFamily="34" charset="0"/>
                 <a:ea typeface="맑은 고딕" pitchFamily="50" charset="-127"/>
               </a:rPr>
               <a:t> </a:t>
             </a:r>
             <a:r>
-              <a:rPr lang="en-US" altLang="ko-KR" dirty="0" err="1" smtClean="0">
+              <a:rPr lang="en-US" altLang="ko-KR" dirty="0" err="1">
                 <a:latin typeface="Bahnschrift SemiBold" panose="020B0502040204020203" pitchFamily="34" charset="0"/>
                 <a:ea typeface="맑은 고딕" pitchFamily="50" charset="-127"/>
               </a:rPr>
               <a:t>hệ</a:t>
             </a:r>
             <a:r>
-              <a:rPr lang="en-US" altLang="ko-KR" dirty="0" smtClean="0">
+              <a:rPr lang="en-US" altLang="ko-KR" dirty="0">
                 <a:latin typeface="Bahnschrift SemiBold" panose="020B0502040204020203" pitchFamily="34" charset="0"/>
                 <a:ea typeface="맑은 고딕" pitchFamily="50" charset="-127"/>
               </a:rPr>
               <a:t> </a:t>
             </a:r>
             <a:r>
-              <a:rPr lang="en-US" altLang="ko-KR" dirty="0" err="1" smtClean="0">
+              <a:rPr lang="en-US" altLang="ko-KR" dirty="0" err="1">
                 <a:latin typeface="Bahnschrift SemiBold" panose="020B0502040204020203" pitchFamily="34" charset="0"/>
                 <a:ea typeface="맑은 고딕" pitchFamily="50" charset="-127"/>
               </a:rPr>
               <a:t>thống</a:t>
             </a:r>
             <a:r>
-              <a:rPr lang="en-US" altLang="ko-KR" dirty="0" smtClean="0">
+              <a:rPr lang="en-US" altLang="ko-KR" dirty="0">
                 <a:latin typeface="Bahnschrift SemiBold" panose="020B0502040204020203" pitchFamily="34" charset="0"/>
                 <a:ea typeface="맑은 고딕" pitchFamily="50" charset="-127"/>
               </a:rPr>
               <a:t> </a:t>
             </a:r>
             <a:r>
-              <a:rPr lang="en-US" altLang="ko-KR" dirty="0" err="1" smtClean="0">
+              <a:rPr lang="en-US" altLang="ko-KR" dirty="0" err="1">
                 <a:latin typeface="Bahnschrift SemiBold" panose="020B0502040204020203" pitchFamily="34" charset="0"/>
                 <a:ea typeface="맑은 고딕" pitchFamily="50" charset="-127"/>
               </a:rPr>
               <a:t>quản</a:t>
             </a:r>
             <a:r>
-              <a:rPr lang="en-US" altLang="ko-KR" dirty="0" smtClean="0">
+              <a:rPr lang="en-US" altLang="ko-KR" dirty="0">
                 <a:latin typeface="Bahnschrift SemiBold" panose="020B0502040204020203" pitchFamily="34" charset="0"/>
                 <a:ea typeface="맑은 고딕" pitchFamily="50" charset="-127"/>
               </a:rPr>
               <a:t> </a:t>
             </a:r>
             <a:r>
-              <a:rPr lang="en-US" altLang="ko-KR" dirty="0" err="1" smtClean="0">
+              <a:rPr lang="en-US" altLang="ko-KR" dirty="0" err="1">
                 <a:latin typeface="Bahnschrift SemiBold" panose="020B0502040204020203" pitchFamily="34" charset="0"/>
                 <a:ea typeface="맑은 고딕" pitchFamily="50" charset="-127"/>
               </a:rPr>
               <a:t>lý</a:t>
             </a:r>
             <a:r>
-              <a:rPr lang="en-US" altLang="ko-KR" dirty="0" smtClean="0">
+              <a:rPr lang="en-US" altLang="ko-KR" dirty="0">
                 <a:latin typeface="Bahnschrift SemiBold" panose="020B0502040204020203" pitchFamily="34" charset="0"/>
                 <a:ea typeface="맑은 고딕" pitchFamily="50" charset="-127"/>
               </a:rPr>
               <a:t> </a:t>
             </a:r>
             <a:r>
-              <a:rPr lang="en-US" altLang="ko-KR" dirty="0" err="1" smtClean="0">
+              <a:rPr lang="en-US" altLang="ko-KR" dirty="0" err="1">
                 <a:latin typeface="Bahnschrift SemiBold" panose="020B0502040204020203" pitchFamily="34" charset="0"/>
                 <a:ea typeface="맑은 고딕" pitchFamily="50" charset="-127"/>
               </a:rPr>
               <a:t>cửa</a:t>
             </a:r>
             <a:r>
-              <a:rPr lang="en-US" altLang="ko-KR" dirty="0" smtClean="0">
+              <a:rPr lang="en-US" altLang="ko-KR" dirty="0">
                 <a:latin typeface="Bahnschrift SemiBold" panose="020B0502040204020203" pitchFamily="34" charset="0"/>
                 <a:ea typeface="맑은 고딕" pitchFamily="50" charset="-127"/>
               </a:rPr>
               <a:t> </a:t>
             </a:r>
             <a:r>
-              <a:rPr lang="en-US" altLang="ko-KR" dirty="0" err="1" smtClean="0">
+              <a:rPr lang="en-US" altLang="ko-KR" dirty="0" err="1">
                 <a:latin typeface="Bahnschrift SemiBold" panose="020B0502040204020203" pitchFamily="34" charset="0"/>
                 <a:ea typeface="맑은 고딕" pitchFamily="50" charset="-127"/>
               </a:rPr>
               <a:t>hàng</a:t>
             </a:r>
             <a:r>
-              <a:rPr lang="en-US" altLang="ko-KR" dirty="0" smtClean="0">
+              <a:rPr lang="en-US" altLang="ko-KR" dirty="0">
                 <a:latin typeface="Bahnschrift SemiBold" panose="020B0502040204020203" pitchFamily="34" charset="0"/>
                 <a:ea typeface="맑은 고딕" pitchFamily="50" charset="-127"/>
               </a:rPr>
               <a:t> </a:t>
             </a:r>
             <a:r>
-              <a:rPr lang="en-US" altLang="ko-KR" dirty="0" err="1" smtClean="0">
+              <a:rPr lang="en-US" altLang="ko-KR" dirty="0" err="1">
                 <a:latin typeface="Bahnschrift SemiBold" panose="020B0502040204020203" pitchFamily="34" charset="0"/>
                 <a:ea typeface="맑은 고딕" pitchFamily="50" charset="-127"/>
               </a:rPr>
               <a:t>điện</a:t>
             </a:r>
             <a:r>
-              <a:rPr lang="en-US" altLang="ko-KR" dirty="0" smtClean="0">
+              <a:rPr lang="en-US" altLang="ko-KR" dirty="0">
                 <a:latin typeface="Bahnschrift SemiBold" panose="020B0502040204020203" pitchFamily="34" charset="0"/>
                 <a:ea typeface="맑은 고딕" pitchFamily="50" charset="-127"/>
               </a:rPr>
               <a:t> </a:t>
             </a:r>
             <a:r>
-              <a:rPr lang="en-US" altLang="ko-KR" dirty="0" err="1" smtClean="0">
+              <a:rPr lang="en-US" altLang="ko-KR" dirty="0" err="1">
                 <a:latin typeface="Bahnschrift SemiBold" panose="020B0502040204020203" pitchFamily="34" charset="0"/>
                 <a:ea typeface="맑은 고딕" pitchFamily="50" charset="-127"/>
               </a:rPr>
               <a:t>thoại</a:t>
             </a:r>
             <a:r>
-              <a:rPr lang="en-US" altLang="ko-KR" dirty="0" smtClean="0">
+              <a:rPr lang="en-US" altLang="ko-KR" dirty="0">
                 <a:latin typeface="Bahnschrift SemiBold" panose="020B0502040204020203" pitchFamily="34" charset="0"/>
                 <a:ea typeface="맑은 고딕" pitchFamily="50" charset="-127"/>
               </a:rPr>
               <a:t> di </a:t>
             </a:r>
             <a:r>
-              <a:rPr lang="en-US" altLang="ko-KR" dirty="0" err="1" smtClean="0">
+              <a:rPr lang="en-US" altLang="ko-KR" dirty="0" err="1">
                 <a:latin typeface="Bahnschrift SemiBold" panose="020B0502040204020203" pitchFamily="34" charset="0"/>
                 <a:ea typeface="맑은 고딕" pitchFamily="50" charset="-127"/>
               </a:rPr>
@@ -6492,39 +6521,39 @@
               <a:defRPr/>
             </a:pPr>
             <a:r>
-              <a:rPr lang="en-US" altLang="ko-KR" b="1" dirty="0" err="1" smtClean="0"/>
+              <a:rPr lang="en-US" altLang="ko-KR" b="1" dirty="0" err="1"/>
               <a:t>Môn</a:t>
             </a:r>
             <a:r>
-              <a:rPr lang="en-US" altLang="ko-KR" b="1" dirty="0" smtClean="0"/>
+              <a:rPr lang="en-US" altLang="ko-KR" b="1" dirty="0"/>
               <a:t>: </a:t>
             </a:r>
             <a:r>
-              <a:rPr lang="en-US" altLang="ko-KR" b="1" dirty="0" err="1" smtClean="0"/>
+              <a:rPr lang="en-US" altLang="ko-KR" b="1" dirty="0" err="1"/>
               <a:t>Công</a:t>
             </a:r>
             <a:r>
-              <a:rPr lang="en-US" altLang="ko-KR" b="1" dirty="0" smtClean="0"/>
-              <a:t> </a:t>
-            </a:r>
-            <a:r>
-              <a:rPr lang="en-US" altLang="ko-KR" b="1" dirty="0" err="1" smtClean="0"/>
+              <a:rPr lang="en-US" altLang="ko-KR" b="1" dirty="0"/>
+              <a:t> </a:t>
+            </a:r>
+            <a:r>
+              <a:rPr lang="en-US" altLang="ko-KR" b="1" dirty="0" err="1"/>
               <a:t>nghệ</a:t>
             </a:r>
             <a:r>
-              <a:rPr lang="en-US" altLang="ko-KR" b="1" dirty="0" smtClean="0"/>
-              <a:t> </a:t>
-            </a:r>
-            <a:r>
-              <a:rPr lang="en-US" altLang="ko-KR" b="1" dirty="0" err="1" smtClean="0"/>
+              <a:rPr lang="en-US" altLang="ko-KR" b="1" dirty="0"/>
+              <a:t> </a:t>
+            </a:r>
+            <a:r>
+              <a:rPr lang="en-US" altLang="ko-KR" b="1" dirty="0" err="1"/>
               <a:t>phần</a:t>
             </a:r>
             <a:r>
-              <a:rPr lang="en-US" altLang="ko-KR" b="1" dirty="0" smtClean="0"/>
-              <a:t> </a:t>
-            </a:r>
-            <a:r>
-              <a:rPr lang="en-US" altLang="ko-KR" b="1" dirty="0" err="1" smtClean="0"/>
+              <a:rPr lang="en-US" altLang="ko-KR" b="1" dirty="0"/>
+              <a:t> </a:t>
+            </a:r>
+            <a:r>
+              <a:rPr lang="en-US" altLang="ko-KR" b="1" dirty="0" err="1"/>
               <a:t>mềm</a:t>
             </a:r>
             <a:endParaRPr lang="en-US" altLang="ko-KR" dirty="0"/>
@@ -6555,7 +6584,7 @@
           <a:p>
             <a:pPr algn="r"/>
             <a:r>
-              <a:rPr lang="en-US" altLang="ko-KR" sz="1600" dirty="0" err="1" smtClean="0">
+              <a:rPr lang="en-US" altLang="ko-KR" sz="1600" dirty="0" err="1">
                 <a:solidFill>
                   <a:schemeClr val="bg1"/>
                 </a:solidFill>
@@ -6564,7 +6593,7 @@
               <a:t>Nhóm</a:t>
             </a:r>
             <a:r>
-              <a:rPr lang="en-US" altLang="ko-KR" sz="1600" dirty="0" smtClean="0">
+              <a:rPr lang="en-US" altLang="ko-KR" sz="1600" dirty="0">
                 <a:solidFill>
                   <a:schemeClr val="bg1"/>
                 </a:solidFill>
@@ -6745,58 +6774,58 @@
               <a:defRPr/>
             </a:pPr>
             <a:r>
-              <a:rPr lang="en-US" altLang="ko-KR" b="1" dirty="0" err="1" smtClean="0"/>
+              <a:rPr lang="en-US" altLang="ko-KR" b="1" dirty="0" err="1"/>
               <a:t>Giảng</a:t>
             </a:r>
             <a:r>
-              <a:rPr lang="en-US" altLang="ko-KR" b="1" dirty="0" smtClean="0"/>
-              <a:t> </a:t>
-            </a:r>
-            <a:r>
-              <a:rPr lang="en-US" altLang="ko-KR" b="1" dirty="0" err="1" smtClean="0"/>
+              <a:rPr lang="en-US" altLang="ko-KR" b="1" dirty="0"/>
+              <a:t> </a:t>
+            </a:r>
+            <a:r>
+              <a:rPr lang="en-US" altLang="ko-KR" b="1" dirty="0" err="1"/>
               <a:t>viên</a:t>
             </a:r>
             <a:r>
-              <a:rPr lang="en-US" altLang="ko-KR" b="1" dirty="0" smtClean="0"/>
-              <a:t> </a:t>
-            </a:r>
-            <a:r>
-              <a:rPr lang="en-US" altLang="ko-KR" b="1" dirty="0" err="1" smtClean="0"/>
+              <a:rPr lang="en-US" altLang="ko-KR" b="1" dirty="0"/>
+              <a:t> </a:t>
+            </a:r>
+            <a:r>
+              <a:rPr lang="en-US" altLang="ko-KR" b="1" dirty="0" err="1"/>
               <a:t>hướng</a:t>
             </a:r>
             <a:r>
-              <a:rPr lang="en-US" altLang="ko-KR" b="1" dirty="0" smtClean="0"/>
-              <a:t> </a:t>
-            </a:r>
-            <a:r>
-              <a:rPr lang="en-US" altLang="ko-KR" b="1" dirty="0" err="1" smtClean="0"/>
+              <a:rPr lang="en-US" altLang="ko-KR" b="1" dirty="0"/>
+              <a:t> </a:t>
+            </a:r>
+            <a:r>
+              <a:rPr lang="en-US" altLang="ko-KR" b="1" dirty="0" err="1"/>
               <a:t>dẫn</a:t>
             </a:r>
             <a:r>
-              <a:rPr lang="en-US" altLang="ko-KR" dirty="0" smtClean="0"/>
+              <a:rPr lang="en-US" altLang="ko-KR" dirty="0"/>
               <a:t>: TS </a:t>
             </a:r>
             <a:r>
-              <a:rPr lang="en-US" altLang="ko-KR" dirty="0" err="1" smtClean="0"/>
+              <a:rPr lang="en-US" altLang="ko-KR" dirty="0" err="1"/>
               <a:t>Nguyễn</a:t>
             </a:r>
             <a:r>
-              <a:rPr lang="en-US" altLang="ko-KR" dirty="0" smtClean="0"/>
-              <a:t> </a:t>
-            </a:r>
-            <a:r>
-              <a:rPr lang="en-US" altLang="ko-KR" dirty="0" err="1" smtClean="0"/>
+              <a:rPr lang="en-US" altLang="ko-KR" dirty="0"/>
+              <a:t> </a:t>
+            </a:r>
+            <a:r>
+              <a:rPr lang="en-US" altLang="ko-KR" dirty="0" err="1"/>
               <a:t>Thành</a:t>
             </a:r>
             <a:r>
-              <a:rPr lang="en-US" altLang="ko-KR" dirty="0" smtClean="0"/>
-              <a:t> </a:t>
-            </a:r>
-            <a:r>
-              <a:rPr lang="en-US" altLang="ko-KR" dirty="0" err="1" smtClean="0"/>
+              <a:rPr lang="en-US" altLang="ko-KR" dirty="0"/>
+              <a:t> </a:t>
+            </a:r>
+            <a:r>
+              <a:rPr lang="en-US" altLang="ko-KR" dirty="0" err="1"/>
               <a:t>Huy</a:t>
             </a:r>
-            <a:endParaRPr lang="en-US" altLang="ko-KR" b="1" dirty="0" smtClean="0"/>
+            <a:endParaRPr lang="en-US" altLang="ko-KR" b="1" dirty="0"/>
           </a:p>
         </p:txBody>
       </p:sp>
@@ -6810,13 +6839,6 @@
   <p:clrMapOvr>
     <a:masterClrMapping/>
   </p:clrMapOvr>
-  <p:timing>
-    <p:tnLst>
-      <p:par>
-        <p:cTn id="1" dur="indefinite" restart="never" nodeType="tmRoot"/>
-      </p:par>
-    </p:tnLst>
-  </p:timing>
 </p:sld>
 </file>
 
@@ -6933,7 +6955,7 @@
               <a:t> </a:t>
             </a:r>
             <a:r>
-              <a:rPr lang="en-US" sz="2000" b="1" dirty="0" err="1" smtClean="0"/>
+              <a:rPr lang="en-US" sz="2000" b="1" dirty="0" err="1"/>
               <a:t>viên</a:t>
             </a:r>
             <a:endParaRPr lang="en-US" sz="2000" dirty="0"/>
@@ -7086,15 +7108,15 @@
               <a:t> </a:t>
             </a:r>
             <a:r>
-              <a:rPr lang="en-US" sz="2000" b="1" dirty="0" err="1" smtClean="0"/>
+              <a:rPr lang="en-US" sz="2000" b="1" dirty="0" err="1"/>
               <a:t>tài</a:t>
             </a:r>
             <a:r>
-              <a:rPr lang="en-US" sz="2000" b="1" dirty="0" smtClean="0"/>
-              <a:t> </a:t>
-            </a:r>
-            <a:r>
-              <a:rPr lang="en-US" sz="2000" b="1" dirty="0" err="1" smtClean="0"/>
+              <a:rPr lang="en-US" sz="2000" b="1" dirty="0"/>
+              <a:t> </a:t>
+            </a:r>
+            <a:r>
+              <a:rPr lang="en-US" sz="2000" b="1" dirty="0" err="1"/>
               <a:t>khoản</a:t>
             </a:r>
             <a:endParaRPr lang="en-US" sz="2000" dirty="0"/>
@@ -7253,7 +7275,7 @@
               <a:t> </a:t>
             </a:r>
             <a:r>
-              <a:rPr lang="en-GB" sz="2000" b="1" dirty="0" err="1" smtClean="0"/>
+              <a:rPr lang="en-GB" sz="2000" b="1" dirty="0" err="1"/>
               <a:t>hàng</a:t>
             </a:r>
             <a:endParaRPr lang="en-US" sz="2000" dirty="0"/>
@@ -7414,7 +7436,7 @@
               <a:t> </a:t>
             </a:r>
             <a:r>
-              <a:rPr lang="en-GB" sz="2000" b="1" dirty="0" err="1" smtClean="0"/>
+              <a:rPr lang="en-GB" sz="2000" b="1" dirty="0" err="1"/>
               <a:t>hàng</a:t>
             </a:r>
             <a:endParaRPr lang="en-US" sz="2000" dirty="0"/>
@@ -7592,7 +7614,7 @@
               <a:t> </a:t>
             </a:r>
             <a:r>
-              <a:rPr lang="en-GB" sz="2000" b="1" dirty="0" err="1" smtClean="0"/>
+              <a:rPr lang="en-GB" sz="2000" b="1" dirty="0" err="1"/>
               <a:t>mãi</a:t>
             </a:r>
             <a:endParaRPr lang="en-US" sz="2000" dirty="0"/>
@@ -7753,7 +7775,7 @@
               <a:t> </a:t>
             </a:r>
             <a:r>
-              <a:rPr lang="en-GB" sz="2000" b="1" dirty="0" err="1" smtClean="0"/>
+              <a:rPr lang="en-GB" sz="2000" b="1" dirty="0" err="1"/>
               <a:t>phẩm</a:t>
             </a:r>
             <a:endParaRPr lang="en-US" sz="2000" dirty="0"/>
@@ -7914,7 +7936,7 @@
               <a:t> </a:t>
             </a:r>
             <a:r>
-              <a:rPr lang="en-GB" sz="2000" b="1" dirty="0" err="1" smtClean="0"/>
+              <a:rPr lang="en-GB" sz="2000" b="1" dirty="0" err="1"/>
               <a:t>hàng</a:t>
             </a:r>
             <a:endParaRPr lang="en-US" sz="2000" dirty="0"/>
@@ -8084,7 +8106,7 @@
               <a:t> </a:t>
             </a:r>
             <a:r>
-              <a:rPr lang="en-GB" sz="2000" b="1" dirty="0" err="1" smtClean="0"/>
+              <a:rPr lang="en-GB" sz="2000" b="1" dirty="0" err="1"/>
               <a:t>cấp</a:t>
             </a:r>
             <a:endParaRPr lang="en-US" sz="2000" dirty="0"/>
@@ -8245,7 +8267,7 @@
               <a:t> </a:t>
             </a:r>
             <a:r>
-              <a:rPr lang="en-GB" sz="2000" b="1" dirty="0" err="1" smtClean="0"/>
+              <a:rPr lang="en-GB" sz="2000" b="1" dirty="0" err="1"/>
               <a:t>nhập</a:t>
             </a:r>
             <a:endParaRPr lang="en-US" sz="2000" dirty="0"/>
@@ -8406,7 +8428,7 @@
               <a:t> </a:t>
             </a:r>
             <a:r>
-              <a:rPr lang="en-GB" sz="2000" b="1" dirty="0" err="1" smtClean="0"/>
+              <a:rPr lang="en-GB" sz="2000" b="1" dirty="0" err="1"/>
               <a:t>đơn</a:t>
             </a:r>
             <a:endParaRPr lang="en-US" sz="2000" dirty="0"/>
@@ -8498,31 +8520,31 @@
               <a:buNone/>
             </a:pPr>
             <a:r>
-              <a:rPr lang="en-US" altLang="ko-KR" dirty="0" err="1" smtClean="0">
+              <a:rPr lang="en-US" altLang="ko-KR" dirty="0" err="1">
                 <a:latin typeface="Bahnschrift SemiBold" panose="020B0502040204020203" pitchFamily="34" charset="0"/>
               </a:rPr>
               <a:t>Lời</a:t>
             </a:r>
             <a:r>
-              <a:rPr lang="en-US" altLang="ko-KR" dirty="0" smtClean="0">
+              <a:rPr lang="en-US" altLang="ko-KR" dirty="0">
                 <a:latin typeface="Bahnschrift SemiBold" panose="020B0502040204020203" pitchFamily="34" charset="0"/>
               </a:rPr>
               <a:t> </a:t>
             </a:r>
             <a:r>
-              <a:rPr lang="en-US" altLang="ko-KR" dirty="0" err="1" smtClean="0">
+              <a:rPr lang="en-US" altLang="ko-KR" dirty="0" err="1">
                 <a:latin typeface="Bahnschrift SemiBold" panose="020B0502040204020203" pitchFamily="34" charset="0"/>
               </a:rPr>
               <a:t>mở</a:t>
             </a:r>
             <a:r>
-              <a:rPr lang="en-US" altLang="ko-KR" dirty="0" smtClean="0">
+              <a:rPr lang="en-US" altLang="ko-KR" dirty="0">
                 <a:latin typeface="Bahnschrift SemiBold" panose="020B0502040204020203" pitchFamily="34" charset="0"/>
               </a:rPr>
               <a:t> </a:t>
             </a:r>
             <a:r>
-              <a:rPr lang="en-US" altLang="ko-KR" dirty="0" err="1" smtClean="0">
+              <a:rPr lang="en-US" altLang="ko-KR" dirty="0" err="1">
                 <a:latin typeface="Bahnschrift SemiBold" panose="020B0502040204020203" pitchFamily="34" charset="0"/>
               </a:rPr>
               <a:t>đầu</a:t>
@@ -8664,7 +8686,6 @@
               <a:rPr lang="en-US" sz="1300" dirty="0"/>
               <a:t> </a:t>
             </a:r>
-            <a:endParaRPr lang="en-US" sz="1300" dirty="0" smtClean="0"/>
           </a:p>
           <a:p>
             <a:pPr>
@@ -8673,19 +8694,15 @@
               </a:lnSpc>
             </a:pPr>
             <a:r>
-              <a:rPr lang="en-US" sz="1300" dirty="0" err="1" smtClean="0"/>
+              <a:rPr lang="en-US" sz="1300" dirty="0" err="1"/>
               <a:t>thông</a:t>
             </a:r>
             <a:r>
-              <a:rPr lang="en-US" sz="1300" dirty="0" smtClean="0"/>
-              <a:t> </a:t>
-            </a:r>
-            <a:r>
               <a:rPr lang="en-US" sz="1300" dirty="0"/>
-              <a:t>tin </a:t>
-            </a:r>
-            <a:r>
-              <a:rPr lang="en-US" sz="1300" dirty="0" err="1" smtClean="0"/>
+              <a:t> tin </a:t>
+            </a:r>
+            <a:r>
+              <a:rPr lang="en-US" sz="1300" dirty="0" err="1"/>
               <a:t>đãgiúp</a:t>
             </a:r>
             <a:r>
@@ -8693,11 +8710,11 @@
               <a:t> </a:t>
             </a:r>
             <a:r>
-              <a:rPr lang="en-US" sz="1300" dirty="0" err="1" smtClean="0"/>
+              <a:rPr lang="en-US" sz="1300" dirty="0" err="1"/>
               <a:t>đỡ</a:t>
             </a:r>
             <a:r>
-              <a:rPr lang="en-US" sz="1300" dirty="0" smtClean="0"/>
+              <a:rPr lang="en-US" sz="1300" dirty="0"/>
               <a:t> </a:t>
             </a:r>
             <a:r>
@@ -8733,11 +8750,11 @@
               <a:t> </a:t>
             </a:r>
             <a:r>
-              <a:rPr lang="en-US" sz="1300" dirty="0" err="1" smtClean="0"/>
+              <a:rPr lang="en-US" sz="1300" dirty="0" err="1"/>
               <a:t>sống</a:t>
             </a:r>
             <a:r>
-              <a:rPr lang="en-US" sz="1300" dirty="0" smtClean="0"/>
+              <a:rPr lang="en-US" sz="1300" dirty="0"/>
               <a:t>. </a:t>
             </a:r>
             <a:r>
@@ -8780,7 +8797,6 @@
               <a:rPr lang="en-US" sz="1300" dirty="0"/>
               <a:t> </a:t>
             </a:r>
-            <a:endParaRPr lang="en-US" sz="1300" dirty="0" smtClean="0"/>
           </a:p>
           <a:p>
             <a:pPr>
@@ -8789,11 +8805,11 @@
               </a:lnSpc>
             </a:pPr>
             <a:r>
-              <a:rPr lang="en-US" sz="1300" dirty="0" err="1" smtClean="0"/>
+              <a:rPr lang="en-US" sz="1300" dirty="0" err="1"/>
               <a:t>rất</a:t>
             </a:r>
             <a:r>
-              <a:rPr lang="en-US" sz="1300" dirty="0" smtClean="0"/>
+              <a:rPr lang="en-US" sz="1300" dirty="0"/>
               <a:t> </a:t>
             </a:r>
             <a:r>
@@ -8821,11 +8837,11 @@
               <a:t> </a:t>
             </a:r>
             <a:r>
-              <a:rPr lang="en-US" sz="1300" dirty="0" err="1" smtClean="0"/>
+              <a:rPr lang="en-US" sz="1300" dirty="0" err="1"/>
               <a:t>việc</a:t>
             </a:r>
             <a:r>
-              <a:rPr lang="en-US" sz="1300" dirty="0" smtClean="0"/>
+              <a:rPr lang="en-US" sz="1300" dirty="0"/>
               <a:t> </a:t>
             </a:r>
             <a:r>
@@ -8845,11 +8861,11 @@
               <a:t> </a:t>
             </a:r>
             <a:r>
-              <a:rPr lang="en-US" sz="1300" dirty="0" err="1" smtClean="0"/>
+              <a:rPr lang="en-US" sz="1300" dirty="0" err="1"/>
               <a:t>được</a:t>
             </a:r>
             <a:r>
-              <a:rPr lang="en-US" sz="1300" dirty="0" smtClean="0"/>
+              <a:rPr lang="en-US" sz="1300" dirty="0"/>
               <a:t> </a:t>
             </a:r>
             <a:r>
@@ -8905,7 +8921,7 @@
               <a:t>chóng</a:t>
             </a:r>
             <a:r>
-              <a:rPr lang="en-US" sz="1300" dirty="0" smtClean="0"/>
+              <a:rPr lang="en-US" sz="1300" dirty="0"/>
               <a:t>. </a:t>
             </a:r>
             <a:r>
@@ -8938,11 +8954,7 @@
             </a:r>
             <a:r>
               <a:rPr lang="en-US" sz="1300" dirty="0"/>
-              <a:t> </a:t>
-            </a:r>
-            <a:r>
-              <a:rPr lang="en-US" sz="1300" dirty="0" smtClean="0"/>
-              <a:t>Internet </a:t>
+              <a:t> Internet </a:t>
             </a:r>
             <a:r>
               <a:rPr lang="en-US" sz="1300" dirty="0" err="1"/>
@@ -9053,12 +9065,8 @@
               <a:t>doanh</a:t>
             </a:r>
             <a:r>
-              <a:rPr lang="en-US" sz="1300" dirty="0" smtClean="0"/>
-              <a:t>.</a:t>
-            </a:r>
-            <a:r>
               <a:rPr lang="en-US" sz="1300" dirty="0"/>
-              <a:t> </a:t>
+              <a:t>. </a:t>
             </a:r>
             <a:r>
               <a:rPr lang="en-US" sz="1300" dirty="0" err="1"/>
@@ -9101,7 +9109,7 @@
               <a:t> </a:t>
             </a:r>
             <a:r>
-              <a:rPr lang="en-US" sz="1300" dirty="0" err="1" smtClean="0"/>
+              <a:rPr lang="en-US" sz="1300" dirty="0" err="1"/>
               <a:t>trọng</a:t>
             </a:r>
             <a:r>
@@ -9109,7 +9117,7 @@
               <a:t> </a:t>
             </a:r>
             <a:r>
-              <a:rPr lang="en-US" sz="1300" dirty="0" err="1" smtClean="0"/>
+              <a:rPr lang="en-US" sz="1300" dirty="0" err="1"/>
               <a:t>đó</a:t>
             </a:r>
             <a:r>
@@ -9228,7 +9236,6 @@
               <a:rPr lang="en-US" sz="1300" dirty="0"/>
               <a:t> </a:t>
             </a:r>
-            <a:endParaRPr lang="en-US" sz="1300" dirty="0" smtClean="0"/>
           </a:p>
           <a:p>
             <a:pPr>
@@ -9237,11 +9244,11 @@
               </a:lnSpc>
             </a:pPr>
             <a:r>
-              <a:rPr lang="en-US" sz="1300" dirty="0" err="1" smtClean="0"/>
+              <a:rPr lang="en-US" sz="1300" dirty="0" err="1"/>
               <a:t>doanh</a:t>
             </a:r>
             <a:r>
-              <a:rPr lang="en-US" sz="1300" dirty="0" smtClean="0"/>
+              <a:rPr lang="en-US" sz="1300" dirty="0"/>
               <a:t> </a:t>
             </a:r>
             <a:r>
@@ -9333,11 +9340,11 @@
               <a:t> </a:t>
             </a:r>
             <a:r>
-              <a:rPr lang="en-US" sz="1300" b="1" dirty="0" err="1" smtClean="0"/>
+              <a:rPr lang="en-US" sz="1300" b="1" dirty="0" err="1"/>
               <a:t>điện</a:t>
             </a:r>
             <a:r>
-              <a:rPr lang="en-US" sz="1300" b="1" dirty="0" smtClean="0"/>
+              <a:rPr lang="en-US" sz="1300" b="1" dirty="0"/>
               <a:t> </a:t>
             </a:r>
             <a:r>
@@ -9464,13 +9471,6 @@
   <p:clrMapOvr>
     <a:masterClrMapping/>
   </p:clrMapOvr>
-  <p:timing>
-    <p:tnLst>
-      <p:par>
-        <p:cTn id="1" dur="indefinite" restart="never" nodeType="tmRoot"/>
-      </p:par>
-    </p:tnLst>
-  </p:timing>
 </p:sld>
 </file>
 
@@ -9587,7 +9587,7 @@
               <a:t> </a:t>
             </a:r>
             <a:r>
-              <a:rPr lang="en-GB" sz="2000" b="1" dirty="0" err="1" smtClean="0"/>
+              <a:rPr lang="en-GB" sz="2000" b="1" dirty="0" err="1"/>
               <a:t>kê</a:t>
             </a:r>
             <a:endParaRPr lang="en-US" sz="2000" dirty="0"/>
@@ -9674,74 +9674,50 @@
           <a:lstStyle/>
           <a:p>
             <a:r>
-              <a:rPr lang="en-US" altLang="ko-KR" dirty="0" err="1" smtClean="0">
-                <a:latin typeface="Bahnschrift SemiBold" panose="020B0502040204020203" pitchFamily="34" charset="0"/>
-              </a:rPr>
+              <a:rPr lang="en-US" altLang="ko-KR" b="1" dirty="0" err="1"/>
               <a:t>Các</a:t>
             </a:r>
             <a:r>
-              <a:rPr lang="en-US" altLang="ko-KR" dirty="0" smtClean="0">
-                <a:latin typeface="Bahnschrift SemiBold" panose="020B0502040204020203" pitchFamily="34" charset="0"/>
-              </a:rPr>
-              <a:t> </a:t>
-            </a:r>
-            <a:r>
-              <a:rPr lang="en-US" altLang="ko-KR" dirty="0" err="1" smtClean="0">
-                <a:latin typeface="Bahnschrift SemiBold" panose="020B0502040204020203" pitchFamily="34" charset="0"/>
-              </a:rPr>
+              <a:rPr lang="en-US" altLang="ko-KR" b="1" dirty="0"/>
+              <a:t> </a:t>
+            </a:r>
+            <a:r>
+              <a:rPr lang="en-US" altLang="ko-KR" b="1" dirty="0" err="1"/>
               <a:t>chức</a:t>
             </a:r>
             <a:r>
-              <a:rPr lang="en-US" altLang="ko-KR" dirty="0" smtClean="0">
-                <a:latin typeface="Bahnschrift SemiBold" panose="020B0502040204020203" pitchFamily="34" charset="0"/>
-              </a:rPr>
-              <a:t> </a:t>
-            </a:r>
-            <a:r>
-              <a:rPr lang="en-US" altLang="ko-KR" dirty="0" err="1" smtClean="0">
-                <a:latin typeface="Bahnschrift SemiBold" panose="020B0502040204020203" pitchFamily="34" charset="0"/>
-              </a:rPr>
+              <a:rPr lang="en-US" altLang="ko-KR" b="1" dirty="0"/>
+              <a:t> </a:t>
+            </a:r>
+            <a:r>
+              <a:rPr lang="en-US" altLang="ko-KR" b="1" dirty="0" err="1"/>
               <a:t>năng</a:t>
             </a:r>
             <a:r>
-              <a:rPr lang="en-US" altLang="ko-KR" dirty="0" smtClean="0">
-                <a:latin typeface="Bahnschrift SemiBold" panose="020B0502040204020203" pitchFamily="34" charset="0"/>
-              </a:rPr>
-              <a:t> </a:t>
-            </a:r>
-            <a:r>
-              <a:rPr lang="en-US" altLang="ko-KR" dirty="0" err="1" smtClean="0">
-                <a:latin typeface="Bahnschrift SemiBold" panose="020B0502040204020203" pitchFamily="34" charset="0"/>
-              </a:rPr>
+              <a:rPr lang="en-US" altLang="ko-KR" b="1" dirty="0"/>
+              <a:t> </a:t>
+            </a:r>
+            <a:r>
+              <a:rPr lang="en-US" altLang="ko-KR" b="1" dirty="0" err="1"/>
               <a:t>của</a:t>
             </a:r>
             <a:r>
-              <a:rPr lang="en-US" altLang="ko-KR" dirty="0" smtClean="0">
-                <a:latin typeface="Bahnschrift SemiBold" panose="020B0502040204020203" pitchFamily="34" charset="0"/>
-              </a:rPr>
-              <a:t> </a:t>
-            </a:r>
-            <a:r>
-              <a:rPr lang="en-US" altLang="ko-KR" dirty="0" err="1" smtClean="0">
-                <a:latin typeface="Bahnschrift SemiBold" panose="020B0502040204020203" pitchFamily="34" charset="0"/>
-              </a:rPr>
+              <a:rPr lang="en-US" altLang="ko-KR" b="1" dirty="0"/>
+              <a:t> </a:t>
+            </a:r>
+            <a:r>
+              <a:rPr lang="en-US" altLang="ko-KR" b="1" dirty="0" err="1"/>
               <a:t>phần</a:t>
             </a:r>
             <a:r>
-              <a:rPr lang="en-US" altLang="ko-KR" dirty="0" smtClean="0">
-                <a:latin typeface="Bahnschrift SemiBold" panose="020B0502040204020203" pitchFamily="34" charset="0"/>
-              </a:rPr>
-              <a:t> </a:t>
-            </a:r>
-            <a:r>
-              <a:rPr lang="en-US" altLang="ko-KR" dirty="0" err="1" smtClean="0">
-                <a:latin typeface="Bahnschrift SemiBold" panose="020B0502040204020203" pitchFamily="34" charset="0"/>
-              </a:rPr>
+              <a:rPr lang="en-US" altLang="ko-KR" b="1" dirty="0"/>
+              <a:t> </a:t>
+            </a:r>
+            <a:r>
+              <a:rPr lang="en-US" altLang="ko-KR" b="1" dirty="0" err="1"/>
               <a:t>mềm</a:t>
             </a:r>
-            <a:endParaRPr lang="ko-KR" altLang="en-US" dirty="0">
-              <a:latin typeface="Bahnschrift SemiBold" panose="020B0502040204020203" pitchFamily="34" charset="0"/>
-            </a:endParaRPr>
+            <a:endParaRPr lang="ko-KR" altLang="en-US" b="1" dirty="0"/>
           </a:p>
         </p:txBody>
       </p:sp>
@@ -9819,7 +9795,7 @@
           <a:lstStyle/>
           <a:p>
             <a:r>
-              <a:rPr lang="en-US" altLang="ko-KR" sz="1300" b="1" dirty="0" err="1" smtClean="0">
+              <a:rPr lang="en-US" altLang="ko-KR" sz="1300" b="1" dirty="0" err="1">
                 <a:solidFill>
                   <a:schemeClr val="bg1"/>
                 </a:solidFill>
@@ -9828,7 +9804,7 @@
               <a:t>Xuất</a:t>
             </a:r>
             <a:r>
-              <a:rPr lang="en-US" altLang="ko-KR" sz="1300" b="1" dirty="0" smtClean="0">
+              <a:rPr lang="en-US" altLang="ko-KR" sz="1300" b="1" dirty="0">
                 <a:solidFill>
                   <a:schemeClr val="bg1"/>
                 </a:solidFill>
@@ -9837,7 +9813,7 @@
               <a:t> </a:t>
             </a:r>
             <a:r>
-              <a:rPr lang="en-US" altLang="ko-KR" sz="1300" b="1" dirty="0" err="1" smtClean="0">
+              <a:rPr lang="en-US" altLang="ko-KR" sz="1300" b="1" dirty="0" err="1">
                 <a:solidFill>
                   <a:schemeClr val="bg1"/>
                 </a:solidFill>
@@ -9846,7 +9822,7 @@
               <a:t>danh</a:t>
             </a:r>
             <a:r>
-              <a:rPr lang="en-US" altLang="ko-KR" sz="1300" b="1" dirty="0" smtClean="0">
+              <a:rPr lang="en-US" altLang="ko-KR" sz="1300" b="1" dirty="0">
                 <a:solidFill>
                   <a:schemeClr val="bg1"/>
                 </a:solidFill>
@@ -9855,7 +9831,7 @@
               <a:t> </a:t>
             </a:r>
             <a:r>
-              <a:rPr lang="en-US" altLang="ko-KR" sz="1300" b="1" dirty="0" err="1" smtClean="0">
+              <a:rPr lang="en-US" altLang="ko-KR" sz="1300" b="1" dirty="0" err="1">
                 <a:solidFill>
                   <a:schemeClr val="bg1"/>
                 </a:solidFill>
@@ -10053,7 +10029,7 @@
           <a:lstStyle/>
           <a:p>
             <a:r>
-              <a:rPr lang="en-US" altLang="ko-KR" sz="1300" b="1" dirty="0" err="1" smtClean="0">
+              <a:rPr lang="en-US" altLang="ko-KR" sz="1300" b="1" dirty="0" err="1">
                 <a:solidFill>
                   <a:schemeClr val="bg1"/>
                 </a:solidFill>
@@ -10062,7 +10038,7 @@
               <a:t>Quản</a:t>
             </a:r>
             <a:r>
-              <a:rPr lang="en-US" altLang="ko-KR" sz="1300" b="1" dirty="0" smtClean="0">
+              <a:rPr lang="en-US" altLang="ko-KR" sz="1300" b="1" dirty="0">
                 <a:solidFill>
                   <a:schemeClr val="bg1"/>
                 </a:solidFill>
@@ -10071,7 +10047,7 @@
               <a:t> </a:t>
             </a:r>
             <a:r>
-              <a:rPr lang="en-US" altLang="ko-KR" sz="1300" b="1" dirty="0" err="1" smtClean="0">
+              <a:rPr lang="en-US" altLang="ko-KR" sz="1300" b="1" dirty="0" err="1">
                 <a:solidFill>
                   <a:schemeClr val="bg1"/>
                 </a:solidFill>
@@ -10080,7 +10056,7 @@
               <a:t>lý</a:t>
             </a:r>
             <a:r>
-              <a:rPr lang="en-US" altLang="ko-KR" sz="1300" b="1" dirty="0" smtClean="0">
+              <a:rPr lang="en-US" altLang="ko-KR" sz="1300" b="1" dirty="0">
                 <a:solidFill>
                   <a:schemeClr val="bg1"/>
                 </a:solidFill>
@@ -10089,7 +10065,7 @@
               <a:t> </a:t>
             </a:r>
             <a:r>
-              <a:rPr lang="en-US" altLang="ko-KR" sz="1300" b="1" dirty="0" err="1" smtClean="0">
+              <a:rPr lang="en-US" altLang="ko-KR" sz="1300" b="1" dirty="0" err="1">
                 <a:solidFill>
                   <a:schemeClr val="bg1"/>
                 </a:solidFill>
@@ -10098,7 +10074,7 @@
               <a:t>sản</a:t>
             </a:r>
             <a:r>
-              <a:rPr lang="en-US" altLang="ko-KR" sz="1300" b="1" dirty="0" smtClean="0">
+              <a:rPr lang="en-US" altLang="ko-KR" sz="1300" b="1" dirty="0">
                 <a:solidFill>
                   <a:schemeClr val="bg1"/>
                 </a:solidFill>
@@ -10107,7 +10083,7 @@
               <a:t> </a:t>
             </a:r>
             <a:r>
-              <a:rPr lang="en-US" altLang="ko-KR" sz="1300" b="1" dirty="0" err="1" smtClean="0">
+              <a:rPr lang="en-US" altLang="ko-KR" sz="1300" b="1" dirty="0" err="1">
                 <a:solidFill>
                   <a:schemeClr val="bg1"/>
                 </a:solidFill>
@@ -10213,7 +10189,7 @@
             <a:p>
               <a:pPr algn="ctr"/>
               <a:r>
-                <a:rPr lang="en-US" altLang="ko-KR" sz="2400" b="1" dirty="0" smtClean="0">
+                <a:rPr lang="en-US" altLang="ko-KR" sz="2400" b="1" dirty="0">
                   <a:solidFill>
                     <a:schemeClr val="accent1"/>
                   </a:solidFill>
@@ -10254,7 +10230,7 @@
           <a:lstStyle/>
           <a:p>
             <a:r>
-              <a:rPr lang="en-US" altLang="ko-KR" sz="1300" b="1" dirty="0" err="1" smtClean="0">
+              <a:rPr lang="en-US" altLang="ko-KR" sz="1300" b="1" dirty="0" err="1">
                 <a:solidFill>
                   <a:schemeClr val="bg1"/>
                 </a:solidFill>
@@ -10263,7 +10239,7 @@
               <a:t>Phân</a:t>
             </a:r>
             <a:r>
-              <a:rPr lang="en-US" altLang="ko-KR" sz="1300" b="1" dirty="0" smtClean="0">
+              <a:rPr lang="en-US" altLang="ko-KR" sz="1300" b="1" dirty="0">
                 <a:solidFill>
                   <a:schemeClr val="bg1"/>
                 </a:solidFill>
@@ -10272,7 +10248,7 @@
               <a:t> </a:t>
             </a:r>
             <a:r>
-              <a:rPr lang="en-US" altLang="ko-KR" sz="1300" b="1" dirty="0" err="1" smtClean="0">
+              <a:rPr lang="en-US" altLang="ko-KR" sz="1300" b="1" dirty="0" err="1">
                 <a:solidFill>
                   <a:schemeClr val="bg1"/>
                 </a:solidFill>
@@ -10378,7 +10354,7 @@
             <a:p>
               <a:pPr algn="ctr"/>
               <a:r>
-                <a:rPr lang="en-US" altLang="ko-KR" sz="2400" b="1" dirty="0" smtClean="0">
+                <a:rPr lang="en-US" altLang="ko-KR" sz="2400" b="1" dirty="0">
                   <a:solidFill>
                     <a:schemeClr val="accent1"/>
                   </a:solidFill>
@@ -10419,7 +10395,7 @@
           <a:lstStyle/>
           <a:p>
             <a:r>
-              <a:rPr lang="en-US" altLang="ko-KR" sz="1300" b="1" dirty="0" err="1" smtClean="0">
+              <a:rPr lang="en-US" altLang="ko-KR" sz="1300" b="1" dirty="0" err="1">
                 <a:solidFill>
                   <a:schemeClr val="bg1"/>
                 </a:solidFill>
@@ -10428,7 +10404,7 @@
               <a:t>Quản</a:t>
             </a:r>
             <a:r>
-              <a:rPr lang="en-US" altLang="ko-KR" sz="1300" b="1" dirty="0" smtClean="0">
+              <a:rPr lang="en-US" altLang="ko-KR" sz="1300" b="1" dirty="0">
                 <a:solidFill>
                   <a:schemeClr val="bg1"/>
                 </a:solidFill>
@@ -10437,7 +10413,7 @@
               <a:t> </a:t>
             </a:r>
             <a:r>
-              <a:rPr lang="en-US" altLang="ko-KR" sz="1300" b="1" dirty="0" err="1" smtClean="0">
+              <a:rPr lang="en-US" altLang="ko-KR" sz="1300" b="1" dirty="0" err="1">
                 <a:solidFill>
                   <a:schemeClr val="bg1"/>
                 </a:solidFill>
@@ -10446,7 +10422,7 @@
               <a:t>lý</a:t>
             </a:r>
             <a:r>
-              <a:rPr lang="en-US" altLang="ko-KR" sz="1300" b="1" dirty="0" smtClean="0">
+              <a:rPr lang="en-US" altLang="ko-KR" sz="1300" b="1" dirty="0">
                 <a:solidFill>
                   <a:schemeClr val="bg1"/>
                 </a:solidFill>
@@ -10455,7 +10431,7 @@
               <a:t> </a:t>
             </a:r>
             <a:r>
-              <a:rPr lang="en-US" altLang="ko-KR" sz="1300" b="1" dirty="0" err="1" smtClean="0">
+              <a:rPr lang="en-US" altLang="ko-KR" sz="1300" b="1" dirty="0" err="1">
                 <a:solidFill>
                   <a:schemeClr val="bg1"/>
                 </a:solidFill>
@@ -10464,7 +10440,7 @@
               <a:t>chương</a:t>
             </a:r>
             <a:r>
-              <a:rPr lang="en-US" altLang="ko-KR" sz="1300" b="1" dirty="0" smtClean="0">
+              <a:rPr lang="en-US" altLang="ko-KR" sz="1300" b="1" dirty="0">
                 <a:solidFill>
                   <a:schemeClr val="bg1"/>
                 </a:solidFill>
@@ -10473,7 +10449,7 @@
               <a:t> </a:t>
             </a:r>
             <a:r>
-              <a:rPr lang="en-US" altLang="ko-KR" sz="1300" b="1" dirty="0" err="1" smtClean="0">
+              <a:rPr lang="en-US" altLang="ko-KR" sz="1300" b="1" dirty="0" err="1">
                 <a:solidFill>
                   <a:schemeClr val="bg1"/>
                 </a:solidFill>
@@ -10482,7 +10458,7 @@
               <a:t>trình</a:t>
             </a:r>
             <a:r>
-              <a:rPr lang="en-US" altLang="ko-KR" sz="1300" b="1" dirty="0" smtClean="0">
+              <a:rPr lang="en-US" altLang="ko-KR" sz="1300" b="1" dirty="0">
                 <a:solidFill>
                   <a:schemeClr val="bg1"/>
                 </a:solidFill>
@@ -10491,7 +10467,7 @@
               <a:t> </a:t>
             </a:r>
             <a:r>
-              <a:rPr lang="en-US" altLang="ko-KR" sz="1300" b="1" dirty="0" err="1" smtClean="0">
+              <a:rPr lang="en-US" altLang="ko-KR" sz="1300" b="1" dirty="0" err="1">
                 <a:solidFill>
                   <a:schemeClr val="bg1"/>
                 </a:solidFill>
@@ -10500,7 +10476,7 @@
               <a:t>khuyến</a:t>
             </a:r>
             <a:r>
-              <a:rPr lang="en-US" altLang="ko-KR" sz="1300" b="1" dirty="0" smtClean="0">
+              <a:rPr lang="en-US" altLang="ko-KR" sz="1300" b="1" dirty="0">
                 <a:solidFill>
                   <a:schemeClr val="bg1"/>
                 </a:solidFill>
@@ -10509,7 +10485,7 @@
               <a:t> </a:t>
             </a:r>
             <a:r>
-              <a:rPr lang="en-US" altLang="ko-KR" sz="1300" b="1" dirty="0" err="1" smtClean="0">
+              <a:rPr lang="en-US" altLang="ko-KR" sz="1300" b="1" dirty="0" err="1">
                 <a:solidFill>
                   <a:schemeClr val="bg1"/>
                 </a:solidFill>
@@ -10615,7 +10591,7 @@
             <a:p>
               <a:pPr algn="ctr"/>
               <a:r>
-                <a:rPr lang="en-US" altLang="ko-KR" sz="2400" b="1" dirty="0" smtClean="0">
+                <a:rPr lang="en-US" altLang="ko-KR" sz="2400" b="1" dirty="0">
                   <a:solidFill>
                     <a:schemeClr val="accent1"/>
                   </a:solidFill>
@@ -10656,7 +10632,7 @@
           <a:lstStyle/>
           <a:p>
             <a:r>
-              <a:rPr lang="en-US" altLang="ko-KR" sz="1300" b="1" dirty="0" err="1" smtClean="0">
+              <a:rPr lang="en-US" altLang="ko-KR" sz="1300" b="1" dirty="0" err="1">
                 <a:solidFill>
                   <a:schemeClr val="bg1"/>
                 </a:solidFill>
@@ -10665,7 +10641,7 @@
               <a:t>Quản</a:t>
             </a:r>
             <a:r>
-              <a:rPr lang="en-US" altLang="ko-KR" sz="1300" b="1" dirty="0" smtClean="0">
+              <a:rPr lang="en-US" altLang="ko-KR" sz="1300" b="1" dirty="0">
                 <a:solidFill>
                   <a:schemeClr val="bg1"/>
                 </a:solidFill>
@@ -10674,7 +10650,7 @@
               <a:t> </a:t>
             </a:r>
             <a:r>
-              <a:rPr lang="en-US" altLang="ko-KR" sz="1300" b="1" dirty="0" err="1" smtClean="0">
+              <a:rPr lang="en-US" altLang="ko-KR" sz="1300" b="1" dirty="0" err="1">
                 <a:solidFill>
                   <a:schemeClr val="bg1"/>
                 </a:solidFill>
@@ -10683,7 +10659,7 @@
               <a:t>lý</a:t>
             </a:r>
             <a:r>
-              <a:rPr lang="en-US" altLang="ko-KR" sz="1300" b="1" dirty="0" smtClean="0">
+              <a:rPr lang="en-US" altLang="ko-KR" sz="1300" b="1" dirty="0">
                 <a:solidFill>
                   <a:schemeClr val="bg1"/>
                 </a:solidFill>
@@ -10692,7 +10668,7 @@
               <a:t> </a:t>
             </a:r>
             <a:r>
-              <a:rPr lang="en-US" altLang="ko-KR" sz="1300" b="1" dirty="0" err="1" smtClean="0">
+              <a:rPr lang="en-US" altLang="ko-KR" sz="1300" b="1" dirty="0" err="1">
                 <a:solidFill>
                   <a:schemeClr val="bg1"/>
                 </a:solidFill>
@@ -10701,7 +10677,7 @@
               <a:t>khách</a:t>
             </a:r>
             <a:r>
-              <a:rPr lang="en-US" altLang="ko-KR" sz="1300" b="1" dirty="0" smtClean="0">
+              <a:rPr lang="en-US" altLang="ko-KR" sz="1300" b="1" dirty="0">
                 <a:solidFill>
                   <a:schemeClr val="bg1"/>
                 </a:solidFill>
@@ -10710,7 +10686,7 @@
               <a:t> </a:t>
             </a:r>
             <a:r>
-              <a:rPr lang="en-US" altLang="ko-KR" sz="1300" b="1" dirty="0" err="1" smtClean="0">
+              <a:rPr lang="en-US" altLang="ko-KR" sz="1300" b="1" dirty="0" err="1">
                 <a:solidFill>
                   <a:schemeClr val="bg1"/>
                 </a:solidFill>
@@ -10816,7 +10792,7 @@
             <a:p>
               <a:pPr algn="ctr"/>
               <a:r>
-                <a:rPr lang="en-US" altLang="ko-KR" sz="2400" b="1" dirty="0" smtClean="0">
+                <a:rPr lang="en-US" altLang="ko-KR" sz="2400" b="1" dirty="0">
                   <a:solidFill>
                     <a:schemeClr val="accent1"/>
                   </a:solidFill>
@@ -10857,7 +10833,7 @@
           <a:lstStyle/>
           <a:p>
             <a:r>
-              <a:rPr lang="en-US" altLang="ko-KR" sz="1300" b="1" dirty="0" err="1" smtClean="0">
+              <a:rPr lang="en-US" altLang="ko-KR" sz="1300" b="1" dirty="0" err="1">
                 <a:solidFill>
                   <a:schemeClr val="bg1"/>
                 </a:solidFill>
@@ -10866,7 +10842,7 @@
               <a:t>Quản</a:t>
             </a:r>
             <a:r>
-              <a:rPr lang="en-US" altLang="ko-KR" sz="1300" b="1" dirty="0" smtClean="0">
+              <a:rPr lang="en-US" altLang="ko-KR" sz="1300" b="1" dirty="0">
                 <a:solidFill>
                   <a:schemeClr val="bg1"/>
                 </a:solidFill>
@@ -10875,7 +10851,7 @@
               <a:t> </a:t>
             </a:r>
             <a:r>
-              <a:rPr lang="en-US" altLang="ko-KR" sz="1300" b="1" dirty="0" err="1" smtClean="0">
+              <a:rPr lang="en-US" altLang="ko-KR" sz="1300" b="1" dirty="0" err="1">
                 <a:solidFill>
                   <a:schemeClr val="bg1"/>
                 </a:solidFill>
@@ -10884,7 +10860,7 @@
               <a:t>lý</a:t>
             </a:r>
             <a:r>
-              <a:rPr lang="en-US" altLang="ko-KR" sz="1300" b="1" dirty="0" smtClean="0">
+              <a:rPr lang="en-US" altLang="ko-KR" sz="1300" b="1" dirty="0">
                 <a:solidFill>
                   <a:schemeClr val="bg1"/>
                 </a:solidFill>
@@ -10893,7 +10869,7 @@
               <a:t> </a:t>
             </a:r>
             <a:r>
-              <a:rPr lang="en-US" altLang="ko-KR" sz="1300" b="1" dirty="0" err="1" smtClean="0">
+              <a:rPr lang="en-US" altLang="ko-KR" sz="1300" b="1" dirty="0" err="1">
                 <a:solidFill>
                   <a:schemeClr val="bg1"/>
                 </a:solidFill>
@@ -10902,7 +10878,7 @@
               <a:t>bán</a:t>
             </a:r>
             <a:r>
-              <a:rPr lang="en-US" altLang="ko-KR" sz="1300" b="1" dirty="0" smtClean="0">
+              <a:rPr lang="en-US" altLang="ko-KR" sz="1300" b="1" dirty="0">
                 <a:solidFill>
                   <a:schemeClr val="bg1"/>
                 </a:solidFill>
@@ -10911,7 +10887,7 @@
               <a:t> </a:t>
             </a:r>
             <a:r>
-              <a:rPr lang="en-US" altLang="ko-KR" sz="1300" b="1" dirty="0" err="1" smtClean="0">
+              <a:rPr lang="en-US" altLang="ko-KR" sz="1300" b="1" dirty="0" err="1">
                 <a:solidFill>
                   <a:schemeClr val="bg1"/>
                 </a:solidFill>
@@ -11017,7 +10993,7 @@
             <a:p>
               <a:pPr algn="ctr"/>
               <a:r>
-                <a:rPr lang="en-US" altLang="ko-KR" sz="2400" b="1" dirty="0" smtClean="0">
+                <a:rPr lang="en-US" altLang="ko-KR" sz="2400" b="1" dirty="0">
                   <a:solidFill>
                     <a:schemeClr val="accent1"/>
                   </a:solidFill>
@@ -11058,7 +11034,7 @@
           <a:lstStyle/>
           <a:p>
             <a:r>
-              <a:rPr lang="en-US" altLang="ko-KR" sz="1300" b="1" dirty="0" err="1" smtClean="0">
+              <a:rPr lang="en-US" altLang="ko-KR" sz="1300" b="1" dirty="0" err="1">
                 <a:solidFill>
                   <a:schemeClr val="bg1"/>
                 </a:solidFill>
@@ -11067,7 +11043,7 @@
               <a:t>Quản</a:t>
             </a:r>
             <a:r>
-              <a:rPr lang="en-US" altLang="ko-KR" sz="1300" b="1" dirty="0" smtClean="0">
+              <a:rPr lang="en-US" altLang="ko-KR" sz="1300" b="1" dirty="0">
                 <a:solidFill>
                   <a:schemeClr val="bg1"/>
                 </a:solidFill>
@@ -11076,7 +11052,7 @@
               <a:t> </a:t>
             </a:r>
             <a:r>
-              <a:rPr lang="en-US" altLang="ko-KR" sz="1300" b="1" dirty="0" err="1" smtClean="0">
+              <a:rPr lang="en-US" altLang="ko-KR" sz="1300" b="1" dirty="0" err="1">
                 <a:solidFill>
                   <a:schemeClr val="bg1"/>
                 </a:solidFill>
@@ -11085,7 +11061,7 @@
               <a:t>lý</a:t>
             </a:r>
             <a:r>
-              <a:rPr lang="en-US" altLang="ko-KR" sz="1300" b="1" dirty="0" smtClean="0">
+              <a:rPr lang="en-US" altLang="ko-KR" sz="1300" b="1" dirty="0">
                 <a:solidFill>
                   <a:schemeClr val="bg1"/>
                 </a:solidFill>
@@ -11094,7 +11070,7 @@
               <a:t> </a:t>
             </a:r>
             <a:r>
-              <a:rPr lang="en-US" altLang="ko-KR" sz="1300" b="1" dirty="0" err="1" smtClean="0">
+              <a:rPr lang="en-US" altLang="ko-KR" sz="1300" b="1" dirty="0" err="1">
                 <a:solidFill>
                   <a:schemeClr val="bg1"/>
                 </a:solidFill>
@@ -11103,7 +11079,7 @@
               <a:t>nhân</a:t>
             </a:r>
             <a:r>
-              <a:rPr lang="en-US" altLang="ko-KR" sz="1300" b="1" dirty="0" smtClean="0">
+              <a:rPr lang="en-US" altLang="ko-KR" sz="1300" b="1" dirty="0">
                 <a:solidFill>
                   <a:schemeClr val="bg1"/>
                 </a:solidFill>
@@ -11112,7 +11088,7 @@
               <a:t> </a:t>
             </a:r>
             <a:r>
-              <a:rPr lang="en-US" altLang="ko-KR" sz="1300" b="1" dirty="0" err="1" smtClean="0">
+              <a:rPr lang="en-US" altLang="ko-KR" sz="1300" b="1" dirty="0" err="1">
                 <a:solidFill>
                   <a:schemeClr val="bg1"/>
                 </a:solidFill>
@@ -11218,7 +11194,7 @@
             <a:p>
               <a:pPr algn="ctr"/>
               <a:r>
-                <a:rPr lang="en-US" altLang="ko-KR" sz="2400" b="1" dirty="0" smtClean="0">
+                <a:rPr lang="en-US" altLang="ko-KR" sz="2400" b="1" dirty="0">
                   <a:solidFill>
                     <a:schemeClr val="accent1"/>
                   </a:solidFill>
@@ -11259,7 +11235,7 @@
           <a:lstStyle/>
           <a:p>
             <a:r>
-              <a:rPr lang="en-US" altLang="ko-KR" sz="1300" b="1" dirty="0" err="1" smtClean="0">
+              <a:rPr lang="en-US" altLang="ko-KR" sz="1300" b="1" dirty="0" err="1">
                 <a:solidFill>
                   <a:schemeClr val="bg1"/>
                 </a:solidFill>
@@ -11268,7 +11244,7 @@
               <a:t>Quản</a:t>
             </a:r>
             <a:r>
-              <a:rPr lang="en-US" altLang="ko-KR" sz="1300" b="1" dirty="0" smtClean="0">
+              <a:rPr lang="en-US" altLang="ko-KR" sz="1300" b="1" dirty="0">
                 <a:solidFill>
                   <a:schemeClr val="bg1"/>
                 </a:solidFill>
@@ -11277,7 +11253,7 @@
               <a:t> </a:t>
             </a:r>
             <a:r>
-              <a:rPr lang="en-US" altLang="ko-KR" sz="1300" b="1" dirty="0" err="1" smtClean="0">
+              <a:rPr lang="en-US" altLang="ko-KR" sz="1300" b="1" dirty="0" err="1">
                 <a:solidFill>
                   <a:schemeClr val="bg1"/>
                 </a:solidFill>
@@ -11286,7 +11262,7 @@
               <a:t>lý</a:t>
             </a:r>
             <a:r>
-              <a:rPr lang="en-US" altLang="ko-KR" sz="1300" b="1" dirty="0" smtClean="0">
+              <a:rPr lang="en-US" altLang="ko-KR" sz="1300" b="1" dirty="0">
                 <a:solidFill>
                   <a:schemeClr val="bg1"/>
                 </a:solidFill>
@@ -11295,7 +11271,7 @@
               <a:t> </a:t>
             </a:r>
             <a:r>
-              <a:rPr lang="en-US" altLang="ko-KR" sz="1300" b="1" dirty="0" err="1" smtClean="0">
+              <a:rPr lang="en-US" altLang="ko-KR" sz="1300" b="1" dirty="0" err="1">
                 <a:solidFill>
                   <a:schemeClr val="bg1"/>
                 </a:solidFill>
@@ -11304,7 +11280,7 @@
               <a:t>nhà</a:t>
             </a:r>
             <a:r>
-              <a:rPr lang="en-US" altLang="ko-KR" sz="1300" b="1" dirty="0" smtClean="0">
+              <a:rPr lang="en-US" altLang="ko-KR" sz="1300" b="1" dirty="0">
                 <a:solidFill>
                   <a:schemeClr val="bg1"/>
                 </a:solidFill>
@@ -11313,7 +11289,7 @@
               <a:t> </a:t>
             </a:r>
             <a:r>
-              <a:rPr lang="en-US" altLang="ko-KR" sz="1300" b="1" dirty="0" err="1" smtClean="0">
+              <a:rPr lang="en-US" altLang="ko-KR" sz="1300" b="1" dirty="0" err="1">
                 <a:solidFill>
                   <a:schemeClr val="bg1"/>
                 </a:solidFill>
@@ -11322,7 +11298,7 @@
               <a:t>cung</a:t>
             </a:r>
             <a:r>
-              <a:rPr lang="en-US" altLang="ko-KR" sz="1300" b="1" dirty="0" smtClean="0">
+              <a:rPr lang="en-US" altLang="ko-KR" sz="1300" b="1" dirty="0">
                 <a:solidFill>
                   <a:schemeClr val="bg1"/>
                 </a:solidFill>
@@ -11331,7 +11307,7 @@
               <a:t> </a:t>
             </a:r>
             <a:r>
-              <a:rPr lang="en-US" altLang="ko-KR" sz="1300" b="1" dirty="0" err="1" smtClean="0">
+              <a:rPr lang="en-US" altLang="ko-KR" sz="1300" b="1" dirty="0" err="1">
                 <a:solidFill>
                   <a:schemeClr val="bg1"/>
                 </a:solidFill>
@@ -11437,7 +11413,7 @@
             <a:p>
               <a:pPr algn="ctr"/>
               <a:r>
-                <a:rPr lang="en-US" altLang="ko-KR" sz="2400" b="1" dirty="0" smtClean="0">
+                <a:rPr lang="en-US" altLang="ko-KR" sz="2400" b="1" dirty="0">
                   <a:solidFill>
                     <a:schemeClr val="accent1"/>
                   </a:solidFill>
@@ -11529,7 +11505,7 @@
           <a:lstStyle/>
           <a:p>
             <a:r>
-              <a:rPr lang="en-US" altLang="ko-KR" sz="1300" b="1" dirty="0" err="1" smtClean="0">
+              <a:rPr lang="en-US" altLang="ko-KR" sz="1300" b="1" dirty="0" err="1">
                 <a:solidFill>
                   <a:schemeClr val="bg1"/>
                 </a:solidFill>
@@ -11538,7 +11514,7 @@
               <a:t>Quản</a:t>
             </a:r>
             <a:r>
-              <a:rPr lang="en-US" altLang="ko-KR" sz="1300" b="1" dirty="0" smtClean="0">
+              <a:rPr lang="en-US" altLang="ko-KR" sz="1300" b="1" dirty="0">
                 <a:solidFill>
                   <a:schemeClr val="bg1"/>
                 </a:solidFill>
@@ -11547,7 +11523,7 @@
               <a:t> </a:t>
             </a:r>
             <a:r>
-              <a:rPr lang="en-US" altLang="ko-KR" sz="1300" b="1" dirty="0" err="1" smtClean="0">
+              <a:rPr lang="en-US" altLang="ko-KR" sz="1300" b="1" dirty="0" err="1">
                 <a:solidFill>
                   <a:schemeClr val="bg1"/>
                 </a:solidFill>
@@ -11556,7 +11532,7 @@
               <a:t>lý</a:t>
             </a:r>
             <a:r>
-              <a:rPr lang="en-US" altLang="ko-KR" sz="1300" b="1" dirty="0" smtClean="0">
+              <a:rPr lang="en-US" altLang="ko-KR" sz="1300" b="1" dirty="0">
                 <a:solidFill>
                   <a:schemeClr val="bg1"/>
                 </a:solidFill>
@@ -11565,7 +11541,7 @@
               <a:t> </a:t>
             </a:r>
             <a:r>
-              <a:rPr lang="en-US" altLang="ko-KR" sz="1300" b="1" dirty="0" err="1" smtClean="0">
+              <a:rPr lang="en-US" altLang="ko-KR" sz="1300" b="1" dirty="0" err="1">
                 <a:solidFill>
                   <a:schemeClr val="bg1"/>
                 </a:solidFill>
@@ -11574,7 +11550,7 @@
               <a:t>tài</a:t>
             </a:r>
             <a:r>
-              <a:rPr lang="en-US" altLang="ko-KR" sz="1300" b="1" dirty="0" smtClean="0">
+              <a:rPr lang="en-US" altLang="ko-KR" sz="1300" b="1" dirty="0">
                 <a:solidFill>
                   <a:schemeClr val="bg1"/>
                 </a:solidFill>
@@ -11583,7 +11559,7 @@
               <a:t> </a:t>
             </a:r>
             <a:r>
-              <a:rPr lang="en-US" altLang="ko-KR" sz="1300" b="1" dirty="0" err="1" smtClean="0">
+              <a:rPr lang="en-US" altLang="ko-KR" sz="1300" b="1" dirty="0" err="1">
                 <a:solidFill>
                   <a:schemeClr val="bg1"/>
                 </a:solidFill>
@@ -11689,7 +11665,7 @@
             <a:p>
               <a:pPr algn="ctr"/>
               <a:r>
-                <a:rPr lang="en-US" altLang="ko-KR" sz="2400" b="1" dirty="0" smtClean="0">
+                <a:rPr lang="en-US" altLang="ko-KR" sz="2400" b="1" dirty="0">
                   <a:solidFill>
                     <a:schemeClr val="accent1"/>
                   </a:solidFill>
@@ -11730,7 +11706,7 @@
           <a:lstStyle/>
           <a:p>
             <a:r>
-              <a:rPr lang="en-US" altLang="ko-KR" sz="1300" b="1" dirty="0" err="1" smtClean="0">
+              <a:rPr lang="en-US" altLang="ko-KR" sz="1300" b="1" dirty="0" err="1">
                 <a:solidFill>
                   <a:schemeClr val="bg1"/>
                 </a:solidFill>
@@ -11739,7 +11715,7 @@
               <a:t>Quản</a:t>
             </a:r>
             <a:r>
-              <a:rPr lang="en-US" altLang="ko-KR" sz="1300" b="1" dirty="0" smtClean="0">
+              <a:rPr lang="en-US" altLang="ko-KR" sz="1300" b="1" dirty="0">
                 <a:solidFill>
                   <a:schemeClr val="bg1"/>
                 </a:solidFill>
@@ -11748,7 +11724,7 @@
               <a:t> </a:t>
             </a:r>
             <a:r>
-              <a:rPr lang="en-US" altLang="ko-KR" sz="1300" b="1" dirty="0" err="1" smtClean="0">
+              <a:rPr lang="en-US" altLang="ko-KR" sz="1300" b="1" dirty="0" err="1">
                 <a:solidFill>
                   <a:schemeClr val="bg1"/>
                 </a:solidFill>
@@ -11757,7 +11733,7 @@
               <a:t>lý</a:t>
             </a:r>
             <a:r>
-              <a:rPr lang="en-US" altLang="ko-KR" sz="1300" b="1" dirty="0" smtClean="0">
+              <a:rPr lang="en-US" altLang="ko-KR" sz="1300" b="1" dirty="0">
                 <a:solidFill>
                   <a:schemeClr val="bg1"/>
                 </a:solidFill>
@@ -11766,7 +11742,7 @@
               <a:t> </a:t>
             </a:r>
             <a:r>
-              <a:rPr lang="en-US" altLang="ko-KR" sz="1300" b="1" dirty="0" err="1" smtClean="0">
+              <a:rPr lang="en-US" altLang="ko-KR" sz="1300" b="1" dirty="0" err="1">
                 <a:solidFill>
                   <a:schemeClr val="bg1"/>
                 </a:solidFill>
@@ -11775,7 +11751,7 @@
               <a:t>loại</a:t>
             </a:r>
             <a:r>
-              <a:rPr lang="en-US" altLang="ko-KR" sz="1300" b="1" dirty="0" smtClean="0">
+              <a:rPr lang="en-US" altLang="ko-KR" sz="1300" b="1" dirty="0">
                 <a:solidFill>
                   <a:schemeClr val="bg1"/>
                 </a:solidFill>
@@ -11784,7 +11760,7 @@
               <a:t> </a:t>
             </a:r>
             <a:r>
-              <a:rPr lang="en-US" altLang="ko-KR" sz="1300" b="1" dirty="0" err="1" smtClean="0">
+              <a:rPr lang="en-US" altLang="ko-KR" sz="1300" b="1" dirty="0" err="1">
                 <a:solidFill>
                   <a:schemeClr val="bg1"/>
                 </a:solidFill>
@@ -11793,7 +11769,7 @@
               <a:t>sản</a:t>
             </a:r>
             <a:r>
-              <a:rPr lang="en-US" altLang="ko-KR" sz="1300" b="1" dirty="0" smtClean="0">
+              <a:rPr lang="en-US" altLang="ko-KR" sz="1300" b="1" dirty="0">
                 <a:solidFill>
                   <a:schemeClr val="bg1"/>
                 </a:solidFill>
@@ -11802,7 +11778,7 @@
               <a:t> </a:t>
             </a:r>
             <a:r>
-              <a:rPr lang="en-US" altLang="ko-KR" sz="1300" b="1" dirty="0" err="1" smtClean="0">
+              <a:rPr lang="en-US" altLang="ko-KR" sz="1300" b="1" dirty="0" err="1">
                 <a:solidFill>
                   <a:schemeClr val="bg1"/>
                 </a:solidFill>
@@ -11908,7 +11884,7 @@
             <a:p>
               <a:pPr algn="ctr"/>
               <a:r>
-                <a:rPr lang="en-US" altLang="ko-KR" sz="2400" b="1" dirty="0" smtClean="0">
+                <a:rPr lang="en-US" altLang="ko-KR" sz="2400" b="1" dirty="0">
                   <a:solidFill>
                     <a:schemeClr val="accent1"/>
                   </a:solidFill>
@@ -11949,7 +11925,7 @@
           <a:lstStyle/>
           <a:p>
             <a:r>
-              <a:rPr lang="en-US" altLang="ko-KR" sz="1300" b="1" dirty="0" err="1" smtClean="0">
+              <a:rPr lang="en-US" altLang="ko-KR" sz="1300" b="1" dirty="0" err="1">
                 <a:solidFill>
                   <a:schemeClr val="bg1"/>
                 </a:solidFill>
@@ -11958,7 +11934,7 @@
               <a:t>Quản</a:t>
             </a:r>
             <a:r>
-              <a:rPr lang="en-US" altLang="ko-KR" sz="1300" b="1" dirty="0" smtClean="0">
+              <a:rPr lang="en-US" altLang="ko-KR" sz="1300" b="1" dirty="0">
                 <a:solidFill>
                   <a:schemeClr val="bg1"/>
                 </a:solidFill>
@@ -11967,7 +11943,7 @@
               <a:t> </a:t>
             </a:r>
             <a:r>
-              <a:rPr lang="en-US" altLang="ko-KR" sz="1300" b="1" dirty="0" err="1" smtClean="0">
+              <a:rPr lang="en-US" altLang="ko-KR" sz="1300" b="1" dirty="0" err="1">
                 <a:solidFill>
                   <a:schemeClr val="bg1"/>
                 </a:solidFill>
@@ -11976,7 +11952,7 @@
               <a:t>lý</a:t>
             </a:r>
             <a:r>
-              <a:rPr lang="en-US" altLang="ko-KR" sz="1300" b="1" dirty="0" smtClean="0">
+              <a:rPr lang="en-US" altLang="ko-KR" sz="1300" b="1" dirty="0">
                 <a:solidFill>
                   <a:schemeClr val="bg1"/>
                 </a:solidFill>
@@ -11985,7 +11961,7 @@
               <a:t> </a:t>
             </a:r>
             <a:r>
-              <a:rPr lang="en-US" altLang="ko-KR" sz="1300" b="1" dirty="0" err="1" smtClean="0">
+              <a:rPr lang="en-US" altLang="ko-KR" sz="1300" b="1" dirty="0" err="1">
                 <a:solidFill>
                   <a:schemeClr val="bg1"/>
                 </a:solidFill>
@@ -11994,7 +11970,7 @@
               <a:t>nhập</a:t>
             </a:r>
             <a:r>
-              <a:rPr lang="en-US" altLang="ko-KR" sz="1300" b="1" dirty="0" smtClean="0">
+              <a:rPr lang="en-US" altLang="ko-KR" sz="1300" b="1" dirty="0">
                 <a:solidFill>
                   <a:schemeClr val="bg1"/>
                 </a:solidFill>
@@ -12003,7 +11979,7 @@
               <a:t> </a:t>
             </a:r>
             <a:r>
-              <a:rPr lang="en-US" altLang="ko-KR" sz="1300" b="1" dirty="0" err="1" smtClean="0">
+              <a:rPr lang="en-US" altLang="ko-KR" sz="1300" b="1" dirty="0" err="1">
                 <a:solidFill>
                   <a:schemeClr val="bg1"/>
                 </a:solidFill>
@@ -12109,7 +12085,7 @@
             <a:p>
               <a:pPr algn="ctr"/>
               <a:r>
-                <a:rPr lang="en-US" altLang="ko-KR" sz="2400" b="1" dirty="0" smtClean="0">
+                <a:rPr lang="en-US" altLang="ko-KR" sz="2400" b="1" dirty="0">
                   <a:solidFill>
                     <a:schemeClr val="accent1"/>
                   </a:solidFill>
@@ -12150,7 +12126,7 @@
           <a:lstStyle/>
           <a:p>
             <a:r>
-              <a:rPr lang="en-US" altLang="ko-KR" sz="1300" b="1" dirty="0" err="1" smtClean="0">
+              <a:rPr lang="en-US" altLang="ko-KR" sz="1300" b="1" dirty="0" err="1">
                 <a:solidFill>
                   <a:schemeClr val="bg1"/>
                 </a:solidFill>
@@ -12159,7 +12135,7 @@
               <a:t>Thống</a:t>
             </a:r>
             <a:r>
-              <a:rPr lang="en-US" altLang="ko-KR" sz="1300" b="1" dirty="0" smtClean="0">
+              <a:rPr lang="en-US" altLang="ko-KR" sz="1300" b="1" dirty="0">
                 <a:solidFill>
                   <a:schemeClr val="bg1"/>
                 </a:solidFill>
@@ -12168,7 +12144,7 @@
               <a:t> </a:t>
             </a:r>
             <a:r>
-              <a:rPr lang="en-US" altLang="ko-KR" sz="1300" b="1" dirty="0" err="1" smtClean="0">
+              <a:rPr lang="en-US" altLang="ko-KR" sz="1300" b="1" dirty="0" err="1">
                 <a:solidFill>
                   <a:schemeClr val="bg1"/>
                 </a:solidFill>
@@ -12274,7 +12250,7 @@
             <a:p>
               <a:pPr algn="ctr"/>
               <a:r>
-                <a:rPr lang="en-US" altLang="ko-KR" sz="2400" b="1" dirty="0" smtClean="0">
+                <a:rPr lang="en-US" altLang="ko-KR" sz="2400" b="1" dirty="0">
                   <a:solidFill>
                     <a:schemeClr val="accent1"/>
                   </a:solidFill>
@@ -12315,7 +12291,7 @@
           <a:lstStyle/>
           <a:p>
             <a:r>
-              <a:rPr lang="en-US" altLang="ko-KR" sz="1300" b="1" dirty="0" err="1" smtClean="0">
+              <a:rPr lang="en-US" altLang="ko-KR" sz="1300" b="1" dirty="0" err="1">
                 <a:solidFill>
                   <a:schemeClr val="bg1"/>
                 </a:solidFill>
@@ -12324,7 +12300,7 @@
               <a:t>Quản</a:t>
             </a:r>
             <a:r>
-              <a:rPr lang="en-US" altLang="ko-KR" sz="1300" b="1" dirty="0" smtClean="0">
+              <a:rPr lang="en-US" altLang="ko-KR" sz="1300" b="1" dirty="0">
                 <a:solidFill>
                   <a:schemeClr val="bg1"/>
                 </a:solidFill>
@@ -12333,7 +12309,7 @@
               <a:t> </a:t>
             </a:r>
             <a:r>
-              <a:rPr lang="en-US" altLang="ko-KR" sz="1300" b="1" dirty="0" err="1" smtClean="0">
+              <a:rPr lang="en-US" altLang="ko-KR" sz="1300" b="1" dirty="0" err="1">
                 <a:solidFill>
                   <a:schemeClr val="bg1"/>
                 </a:solidFill>
@@ -12342,7 +12318,7 @@
               <a:t>lý</a:t>
             </a:r>
             <a:r>
-              <a:rPr lang="en-US" altLang="ko-KR" sz="1300" b="1" dirty="0" smtClean="0">
+              <a:rPr lang="en-US" altLang="ko-KR" sz="1300" b="1" dirty="0">
                 <a:solidFill>
                   <a:schemeClr val="bg1"/>
                 </a:solidFill>
@@ -12351,7 +12327,7 @@
               <a:t> </a:t>
             </a:r>
             <a:r>
-              <a:rPr lang="en-US" altLang="ko-KR" sz="1300" b="1" dirty="0" err="1" smtClean="0">
+              <a:rPr lang="en-US" altLang="ko-KR" sz="1300" b="1" dirty="0" err="1">
                 <a:solidFill>
                   <a:schemeClr val="bg1"/>
                 </a:solidFill>
@@ -12360,7 +12336,7 @@
               <a:t>hóa</a:t>
             </a:r>
             <a:r>
-              <a:rPr lang="en-US" altLang="ko-KR" sz="1300" b="1" dirty="0" smtClean="0">
+              <a:rPr lang="en-US" altLang="ko-KR" sz="1300" b="1" dirty="0">
                 <a:solidFill>
                   <a:schemeClr val="bg1"/>
                 </a:solidFill>
@@ -12369,7 +12345,7 @@
               <a:t> </a:t>
             </a:r>
             <a:r>
-              <a:rPr lang="en-US" altLang="ko-KR" sz="1300" b="1" dirty="0" err="1" smtClean="0">
+              <a:rPr lang="en-US" altLang="ko-KR" sz="1300" b="1" dirty="0" err="1">
                 <a:solidFill>
                   <a:schemeClr val="bg1"/>
                 </a:solidFill>
@@ -12475,7 +12451,7 @@
             <a:p>
               <a:pPr algn="ctr"/>
               <a:r>
-                <a:rPr lang="en-US" altLang="ko-KR" sz="2400" b="1" dirty="0" smtClean="0">
+                <a:rPr lang="en-US" altLang="ko-KR" sz="2400" b="1" dirty="0">
                   <a:solidFill>
                     <a:schemeClr val="accent1"/>
                   </a:solidFill>
@@ -12516,7 +12492,7 @@
           <a:lstStyle/>
           <a:p>
             <a:r>
-              <a:rPr lang="en-US" altLang="ko-KR" sz="1300" b="1" dirty="0" err="1" smtClean="0">
+              <a:rPr lang="en-US" altLang="ko-KR" sz="1300" b="1" dirty="0" err="1">
                 <a:solidFill>
                   <a:schemeClr val="bg1"/>
                 </a:solidFill>
@@ -12525,7 +12501,7 @@
               <a:t>Xuất</a:t>
             </a:r>
             <a:r>
-              <a:rPr lang="en-US" altLang="ko-KR" sz="1300" b="1" dirty="0" smtClean="0">
+              <a:rPr lang="en-US" altLang="ko-KR" sz="1300" b="1" dirty="0">
                 <a:solidFill>
                   <a:schemeClr val="bg1"/>
                 </a:solidFill>
@@ -12534,7 +12510,7 @@
               <a:t> </a:t>
             </a:r>
             <a:r>
-              <a:rPr lang="en-US" altLang="ko-KR" sz="1300" b="1" dirty="0" err="1" smtClean="0">
+              <a:rPr lang="en-US" altLang="ko-KR" sz="1300" b="1" dirty="0" err="1">
                 <a:solidFill>
                   <a:schemeClr val="bg1"/>
                 </a:solidFill>
@@ -12543,7 +12519,7 @@
               <a:t>phiếu</a:t>
             </a:r>
             <a:r>
-              <a:rPr lang="en-US" altLang="ko-KR" sz="1300" b="1" dirty="0" smtClean="0">
+              <a:rPr lang="en-US" altLang="ko-KR" sz="1300" b="1" dirty="0">
                 <a:solidFill>
                   <a:schemeClr val="bg1"/>
                 </a:solidFill>
@@ -12552,7 +12528,7 @@
               <a:t> </a:t>
             </a:r>
             <a:r>
-              <a:rPr lang="en-US" altLang="ko-KR" sz="1300" b="1" dirty="0" err="1" smtClean="0">
+              <a:rPr lang="en-US" altLang="ko-KR" sz="1300" b="1" dirty="0" err="1">
                 <a:solidFill>
                   <a:schemeClr val="bg1"/>
                 </a:solidFill>
@@ -12561,7 +12537,7 @@
               <a:t>nhập</a:t>
             </a:r>
             <a:r>
-              <a:rPr lang="en-US" altLang="ko-KR" sz="1300" b="1" dirty="0" smtClean="0">
+              <a:rPr lang="en-US" altLang="ko-KR" sz="1300" b="1" dirty="0">
                 <a:solidFill>
                   <a:schemeClr val="bg1"/>
                 </a:solidFill>
@@ -12570,7 +12546,7 @@
               <a:t> </a:t>
             </a:r>
             <a:r>
-              <a:rPr lang="en-US" altLang="ko-KR" sz="1300" b="1" dirty="0" err="1" smtClean="0">
+              <a:rPr lang="en-US" altLang="ko-KR" sz="1300" b="1" dirty="0" err="1">
                 <a:solidFill>
                   <a:schemeClr val="bg1"/>
                 </a:solidFill>
@@ -12676,7 +12652,7 @@
             <a:p>
               <a:pPr algn="ctr"/>
               <a:r>
-                <a:rPr lang="en-US" altLang="ko-KR" sz="2400" b="1" dirty="0" smtClean="0">
+                <a:rPr lang="en-US" altLang="ko-KR" sz="2400" b="1" dirty="0">
                   <a:solidFill>
                     <a:schemeClr val="accent1"/>
                   </a:solidFill>
@@ -12717,7 +12693,7 @@
           <a:lstStyle/>
           <a:p>
             <a:r>
-              <a:rPr lang="en-US" altLang="ko-KR" sz="1300" b="1" dirty="0" err="1" smtClean="0">
+              <a:rPr lang="en-US" altLang="ko-KR" sz="1300" b="1" dirty="0" err="1">
                 <a:solidFill>
                   <a:schemeClr val="bg1"/>
                 </a:solidFill>
@@ -12726,7 +12702,7 @@
               <a:t>Đăng</a:t>
             </a:r>
             <a:r>
-              <a:rPr lang="en-US" altLang="ko-KR" sz="1300" b="1" dirty="0" smtClean="0">
+              <a:rPr lang="en-US" altLang="ko-KR" sz="1300" b="1" dirty="0">
                 <a:solidFill>
                   <a:schemeClr val="bg1"/>
                 </a:solidFill>
@@ -12735,7 +12711,7 @@
               <a:t> </a:t>
             </a:r>
             <a:r>
-              <a:rPr lang="en-US" altLang="ko-KR" sz="1300" b="1" dirty="0" err="1" smtClean="0">
+              <a:rPr lang="en-US" altLang="ko-KR" sz="1300" b="1" dirty="0" err="1">
                 <a:solidFill>
                   <a:schemeClr val="bg1"/>
                 </a:solidFill>
@@ -12841,7 +12817,7 @@
             <a:p>
               <a:pPr algn="ctr"/>
               <a:r>
-                <a:rPr lang="en-US" altLang="ko-KR" sz="2400" b="1" dirty="0" smtClean="0">
+                <a:rPr lang="en-US" altLang="ko-KR" sz="2400" b="1" dirty="0">
                   <a:solidFill>
                     <a:schemeClr val="accent1"/>
                   </a:solidFill>
@@ -12920,13 +12896,6 @@
   <p:clrMapOvr>
     <a:masterClrMapping/>
   </p:clrMapOvr>
-  <p:timing>
-    <p:tnLst>
-      <p:par>
-        <p:cTn id="1" dur="indefinite" restart="never" nodeType="tmRoot"/>
-      </p:par>
-    </p:tnLst>
-  </p:timing>
 </p:sld>
 </file>
 
@@ -12963,47 +12932,47 @@
           <a:lstStyle/>
           <a:p>
             <a:r>
-              <a:rPr lang="en-US" sz="2400" b="1" dirty="0" err="1" smtClean="0"/>
+              <a:rPr lang="en-US" sz="2400" b="1" dirty="0" err="1"/>
               <a:t>Chức</a:t>
             </a:r>
             <a:r>
-              <a:rPr lang="en-US" sz="2400" b="1" dirty="0" smtClean="0"/>
-              <a:t> </a:t>
-            </a:r>
-            <a:r>
-              <a:rPr lang="en-US" sz="2400" b="1" dirty="0" err="1" smtClean="0"/>
+              <a:rPr lang="en-US" sz="2400" b="1" dirty="0"/>
+              <a:t> </a:t>
+            </a:r>
+            <a:r>
+              <a:rPr lang="en-US" sz="2400" b="1" dirty="0" err="1"/>
               <a:t>năng</a:t>
             </a:r>
             <a:r>
-              <a:rPr lang="en-US" sz="2400" b="1" dirty="0" smtClean="0"/>
-              <a:t> </a:t>
-            </a:r>
-            <a:r>
-              <a:rPr lang="en-US" sz="2400" b="1" dirty="0" err="1" smtClean="0"/>
+              <a:rPr lang="en-US" sz="2400" b="1" dirty="0"/>
+              <a:t> </a:t>
+            </a:r>
+            <a:r>
+              <a:rPr lang="en-US" sz="2400" b="1" dirty="0" err="1"/>
               <a:t>quản</a:t>
             </a:r>
             <a:r>
-              <a:rPr lang="en-US" sz="2400" b="1" dirty="0" smtClean="0"/>
-              <a:t> </a:t>
-            </a:r>
-            <a:r>
-              <a:rPr lang="en-US" sz="2400" b="1" dirty="0" err="1" smtClean="0"/>
+              <a:rPr lang="en-US" sz="2400" b="1" dirty="0"/>
+              <a:t> </a:t>
+            </a:r>
+            <a:r>
+              <a:rPr lang="en-US" sz="2400" b="1" dirty="0" err="1"/>
               <a:t>lý</a:t>
             </a:r>
             <a:r>
-              <a:rPr lang="en-US" sz="2400" b="1" dirty="0" smtClean="0"/>
-              <a:t> </a:t>
-            </a:r>
-            <a:r>
-              <a:rPr lang="en-US" sz="2400" b="1" dirty="0" err="1" smtClean="0"/>
+              <a:rPr lang="en-US" sz="2400" b="1" dirty="0"/>
+              <a:t> </a:t>
+            </a:r>
+            <a:r>
+              <a:rPr lang="en-US" sz="2400" b="1" dirty="0" err="1"/>
               <a:t>sản</a:t>
             </a:r>
             <a:r>
-              <a:rPr lang="en-US" sz="2400" b="1" dirty="0" smtClean="0"/>
-              <a:t> </a:t>
-            </a:r>
-            <a:r>
-              <a:rPr lang="en-US" sz="2400" b="1" dirty="0" err="1" smtClean="0"/>
+              <a:rPr lang="en-US" sz="2400" b="1" dirty="0"/>
+              <a:t> </a:t>
+            </a:r>
+            <a:r>
+              <a:rPr lang="en-US" sz="2400" b="1" dirty="0" err="1"/>
               <a:t>phẩm</a:t>
             </a:r>
             <a:endParaRPr lang="en-US" sz="2400" b="1" dirty="0"/>
@@ -13084,39 +13053,39 @@
           <a:lstStyle/>
           <a:p>
             <a:r>
-              <a:rPr lang="en-US" sz="2400" b="1" dirty="0" err="1" smtClean="0"/>
+              <a:rPr lang="en-US" sz="2400" b="1" dirty="0" err="1"/>
               <a:t>Chức</a:t>
             </a:r>
             <a:r>
-              <a:rPr lang="en-US" sz="2400" b="1" dirty="0" smtClean="0"/>
-              <a:t> </a:t>
-            </a:r>
-            <a:r>
-              <a:rPr lang="en-US" sz="2400" b="1" dirty="0" err="1" smtClean="0"/>
+              <a:rPr lang="en-US" sz="2400" b="1" dirty="0"/>
+              <a:t> </a:t>
+            </a:r>
+            <a:r>
+              <a:rPr lang="en-US" sz="2400" b="1" dirty="0" err="1"/>
               <a:t>năng</a:t>
             </a:r>
             <a:r>
-              <a:rPr lang="en-US" sz="2400" b="1" dirty="0" smtClean="0"/>
-              <a:t> </a:t>
-            </a:r>
-            <a:r>
-              <a:rPr lang="en-US" sz="2400" b="1" dirty="0" err="1" smtClean="0"/>
+              <a:rPr lang="en-US" sz="2400" b="1" dirty="0"/>
+              <a:t> </a:t>
+            </a:r>
+            <a:r>
+              <a:rPr lang="en-US" sz="2400" b="1" dirty="0" err="1"/>
               <a:t>xuất</a:t>
             </a:r>
             <a:r>
-              <a:rPr lang="en-US" sz="2400" b="1" dirty="0" smtClean="0"/>
-              <a:t> </a:t>
-            </a:r>
-            <a:r>
-              <a:rPr lang="en-US" sz="2400" b="1" dirty="0" err="1" smtClean="0"/>
+              <a:rPr lang="en-US" sz="2400" b="1" dirty="0"/>
+              <a:t> </a:t>
+            </a:r>
+            <a:r>
+              <a:rPr lang="en-US" sz="2400" b="1" dirty="0" err="1"/>
               <a:t>danh</a:t>
             </a:r>
             <a:r>
-              <a:rPr lang="en-US" sz="2400" b="1" dirty="0" smtClean="0"/>
-              <a:t> </a:t>
-            </a:r>
-            <a:r>
-              <a:rPr lang="en-US" sz="2400" b="1" dirty="0" err="1" smtClean="0"/>
+              <a:rPr lang="en-US" sz="2400" b="1" dirty="0"/>
+              <a:t> </a:t>
+            </a:r>
+            <a:r>
+              <a:rPr lang="en-US" sz="2400" b="1" dirty="0" err="1"/>
               <a:t>sách</a:t>
             </a:r>
             <a:endParaRPr lang="en-US" sz="2400" b="1" dirty="0"/>
@@ -13197,15 +13166,15 @@
           <a:lstStyle/>
           <a:p>
             <a:r>
-              <a:rPr lang="en-US" sz="2400" b="1" dirty="0" err="1" smtClean="0"/>
+              <a:rPr lang="en-US" sz="2400" b="1" dirty="0" err="1"/>
               <a:t>Phân</a:t>
             </a:r>
             <a:r>
-              <a:rPr lang="en-US" sz="2400" b="1" dirty="0" smtClean="0"/>
-              <a:t> </a:t>
-            </a:r>
-            <a:r>
-              <a:rPr lang="en-US" sz="2400" b="1" dirty="0" err="1" smtClean="0"/>
+              <a:rPr lang="en-US" sz="2400" b="1" dirty="0"/>
+              <a:t> </a:t>
+            </a:r>
+            <a:r>
+              <a:rPr lang="en-US" sz="2400" b="1" dirty="0" err="1"/>
               <a:t>quyền</a:t>
             </a:r>
             <a:endParaRPr lang="en-US" sz="2400" b="1" dirty="0"/>
@@ -13286,47 +13255,47 @@
           <a:lstStyle/>
           <a:p>
             <a:r>
-              <a:rPr lang="en-US" sz="2400" b="1" dirty="0" err="1" smtClean="0"/>
+              <a:rPr lang="en-US" sz="2400" b="1" dirty="0" err="1"/>
               <a:t>Quản</a:t>
             </a:r>
             <a:r>
-              <a:rPr lang="en-US" sz="2400" b="1" dirty="0" smtClean="0"/>
-              <a:t> </a:t>
-            </a:r>
-            <a:r>
-              <a:rPr lang="en-US" sz="2400" b="1" dirty="0" err="1" smtClean="0"/>
+              <a:rPr lang="en-US" sz="2400" b="1" dirty="0"/>
+              <a:t> </a:t>
+            </a:r>
+            <a:r>
+              <a:rPr lang="en-US" sz="2400" b="1" dirty="0" err="1"/>
               <a:t>lý</a:t>
             </a:r>
             <a:r>
-              <a:rPr lang="en-US" sz="2400" b="1" dirty="0" smtClean="0"/>
-              <a:t> </a:t>
-            </a:r>
-            <a:r>
-              <a:rPr lang="en-US" sz="2400" b="1" dirty="0" err="1" smtClean="0"/>
+              <a:rPr lang="en-US" sz="2400" b="1" dirty="0"/>
+              <a:t> </a:t>
+            </a:r>
+            <a:r>
+              <a:rPr lang="en-US" sz="2400" b="1" dirty="0" err="1"/>
               <a:t>chương</a:t>
             </a:r>
             <a:r>
-              <a:rPr lang="en-US" sz="2400" b="1" dirty="0" smtClean="0"/>
-              <a:t> </a:t>
-            </a:r>
-            <a:r>
-              <a:rPr lang="en-US" sz="2400" b="1" dirty="0" err="1" smtClean="0"/>
+              <a:rPr lang="en-US" sz="2400" b="1" dirty="0"/>
+              <a:t> </a:t>
+            </a:r>
+            <a:r>
+              <a:rPr lang="en-US" sz="2400" b="1" dirty="0" err="1"/>
               <a:t>trình</a:t>
             </a:r>
             <a:r>
-              <a:rPr lang="en-US" sz="2400" b="1" dirty="0" smtClean="0"/>
-              <a:t> </a:t>
-            </a:r>
-            <a:r>
-              <a:rPr lang="en-US" sz="2400" b="1" dirty="0" err="1" smtClean="0"/>
+              <a:rPr lang="en-US" sz="2400" b="1" dirty="0"/>
+              <a:t> </a:t>
+            </a:r>
+            <a:r>
+              <a:rPr lang="en-US" sz="2400" b="1" dirty="0" err="1"/>
               <a:t>khuyến</a:t>
             </a:r>
             <a:r>
-              <a:rPr lang="en-US" sz="2400" b="1" dirty="0" smtClean="0"/>
-              <a:t> </a:t>
-            </a:r>
-            <a:r>
-              <a:rPr lang="en-US" sz="2400" b="1" dirty="0" err="1" smtClean="0"/>
+              <a:rPr lang="en-US" sz="2400" b="1" dirty="0"/>
+              <a:t> </a:t>
+            </a:r>
+            <a:r>
+              <a:rPr lang="en-US" sz="2400" b="1" dirty="0" err="1"/>
               <a:t>mãi</a:t>
             </a:r>
             <a:endParaRPr lang="en-US" sz="2400" b="1" dirty="0"/>
@@ -13407,47 +13376,47 @@
           <a:lstStyle/>
           <a:p>
             <a:r>
-              <a:rPr lang="en-US" sz="2400" b="1" dirty="0" err="1" smtClean="0"/>
+              <a:rPr lang="en-US" sz="2400" b="1" dirty="0" err="1"/>
               <a:t>Chức</a:t>
             </a:r>
             <a:r>
-              <a:rPr lang="en-US" sz="2400" b="1" dirty="0" smtClean="0"/>
-              <a:t> </a:t>
-            </a:r>
-            <a:r>
-              <a:rPr lang="en-US" sz="2400" b="1" dirty="0" err="1" smtClean="0"/>
+              <a:rPr lang="en-US" sz="2400" b="1" dirty="0"/>
+              <a:t> </a:t>
+            </a:r>
+            <a:r>
+              <a:rPr lang="en-US" sz="2400" b="1" dirty="0" err="1"/>
               <a:t>năng</a:t>
             </a:r>
             <a:r>
-              <a:rPr lang="en-US" sz="2400" b="1" dirty="0" smtClean="0"/>
-              <a:t> </a:t>
-            </a:r>
-            <a:r>
-              <a:rPr lang="en-US" sz="2400" b="1" dirty="0" err="1" smtClean="0"/>
+              <a:rPr lang="en-US" sz="2400" b="1" dirty="0"/>
+              <a:t> </a:t>
+            </a:r>
+            <a:r>
+              <a:rPr lang="en-US" sz="2400" b="1" dirty="0" err="1"/>
               <a:t>quản</a:t>
             </a:r>
             <a:r>
-              <a:rPr lang="en-US" sz="2400" b="1" dirty="0" smtClean="0"/>
-              <a:t> </a:t>
-            </a:r>
-            <a:r>
-              <a:rPr lang="en-US" sz="2400" b="1" dirty="0" err="1" smtClean="0"/>
+              <a:rPr lang="en-US" sz="2400" b="1" dirty="0"/>
+              <a:t> </a:t>
+            </a:r>
+            <a:r>
+              <a:rPr lang="en-US" sz="2400" b="1" dirty="0" err="1"/>
               <a:t>lý</a:t>
             </a:r>
             <a:r>
-              <a:rPr lang="en-US" sz="2400" b="1" dirty="0" smtClean="0"/>
-              <a:t> </a:t>
-            </a:r>
-            <a:r>
-              <a:rPr lang="en-US" sz="2400" b="1" dirty="0" err="1" smtClean="0"/>
+              <a:rPr lang="en-US" sz="2400" b="1" dirty="0"/>
+              <a:t> </a:t>
+            </a:r>
+            <a:r>
+              <a:rPr lang="en-US" sz="2400" b="1" dirty="0" err="1"/>
               <a:t>khách</a:t>
             </a:r>
             <a:r>
-              <a:rPr lang="en-US" sz="2400" b="1" dirty="0" smtClean="0"/>
-              <a:t> </a:t>
-            </a:r>
-            <a:r>
-              <a:rPr lang="en-US" sz="2400" b="1" dirty="0" err="1" smtClean="0"/>
+              <a:rPr lang="en-US" sz="2400" b="1" dirty="0"/>
+              <a:t> </a:t>
+            </a:r>
+            <a:r>
+              <a:rPr lang="en-US" sz="2400" b="1" dirty="0" err="1"/>
               <a:t>hàng</a:t>
             </a:r>
             <a:endParaRPr lang="en-US" sz="2400" b="1" dirty="0"/>
@@ -13528,47 +13497,47 @@
           <a:lstStyle/>
           <a:p>
             <a:r>
-              <a:rPr lang="en-US" sz="2400" b="1" dirty="0" err="1" smtClean="0"/>
+              <a:rPr lang="en-US" sz="2400" b="1" dirty="0" err="1"/>
               <a:t>Chức</a:t>
             </a:r>
             <a:r>
-              <a:rPr lang="en-US" sz="2400" b="1" dirty="0" smtClean="0"/>
-              <a:t> </a:t>
-            </a:r>
-            <a:r>
-              <a:rPr lang="en-US" sz="2400" b="1" dirty="0" err="1" smtClean="0"/>
+              <a:rPr lang="en-US" sz="2400" b="1" dirty="0"/>
+              <a:t> </a:t>
+            </a:r>
+            <a:r>
+              <a:rPr lang="en-US" sz="2400" b="1" dirty="0" err="1"/>
               <a:t>năng</a:t>
             </a:r>
             <a:r>
-              <a:rPr lang="en-US" sz="2400" b="1" dirty="0" smtClean="0"/>
-              <a:t> </a:t>
-            </a:r>
-            <a:r>
-              <a:rPr lang="en-US" sz="2400" b="1" dirty="0" err="1" smtClean="0"/>
+              <a:rPr lang="en-US" sz="2400" b="1" dirty="0"/>
+              <a:t> </a:t>
+            </a:r>
+            <a:r>
+              <a:rPr lang="en-US" sz="2400" b="1" dirty="0" err="1"/>
               <a:t>quản</a:t>
             </a:r>
             <a:r>
-              <a:rPr lang="en-US" sz="2400" b="1" dirty="0" smtClean="0"/>
-              <a:t> </a:t>
-            </a:r>
-            <a:r>
-              <a:rPr lang="en-US" sz="2400" b="1" dirty="0" err="1" smtClean="0"/>
+              <a:rPr lang="en-US" sz="2400" b="1" dirty="0"/>
+              <a:t> </a:t>
+            </a:r>
+            <a:r>
+              <a:rPr lang="en-US" sz="2400" b="1" dirty="0" err="1"/>
               <a:t>lý</a:t>
             </a:r>
             <a:r>
-              <a:rPr lang="en-US" sz="2400" b="1" dirty="0" smtClean="0"/>
-              <a:t> </a:t>
-            </a:r>
-            <a:r>
-              <a:rPr lang="en-US" sz="2400" b="1" dirty="0" err="1" smtClean="0"/>
+              <a:rPr lang="en-US" sz="2400" b="1" dirty="0"/>
+              <a:t> </a:t>
+            </a:r>
+            <a:r>
+              <a:rPr lang="en-US" sz="2400" b="1" dirty="0" err="1"/>
               <a:t>bán</a:t>
             </a:r>
             <a:r>
-              <a:rPr lang="en-US" sz="2400" b="1" dirty="0" smtClean="0"/>
-              <a:t> </a:t>
-            </a:r>
-            <a:r>
-              <a:rPr lang="en-US" sz="2400" b="1" dirty="0" err="1" smtClean="0"/>
+              <a:rPr lang="en-US" sz="2400" b="1" dirty="0"/>
+              <a:t> </a:t>
+            </a:r>
+            <a:r>
+              <a:rPr lang="en-US" sz="2400" b="1" dirty="0" err="1"/>
               <a:t>hàng</a:t>
             </a:r>
             <a:endParaRPr lang="en-US" sz="2400" b="1" dirty="0"/>
@@ -13649,47 +13618,47 @@
           <a:lstStyle/>
           <a:p>
             <a:r>
-              <a:rPr lang="en-US" sz="2400" b="1" dirty="0" err="1" smtClean="0"/>
+              <a:rPr lang="en-US" sz="2400" b="1" dirty="0" err="1"/>
               <a:t>Chức</a:t>
             </a:r>
             <a:r>
-              <a:rPr lang="en-US" sz="2400" b="1" dirty="0" smtClean="0"/>
-              <a:t> </a:t>
-            </a:r>
-            <a:r>
-              <a:rPr lang="en-US" sz="2400" b="1" dirty="0" err="1" smtClean="0"/>
+              <a:rPr lang="en-US" sz="2400" b="1" dirty="0"/>
+              <a:t> </a:t>
+            </a:r>
+            <a:r>
+              <a:rPr lang="en-US" sz="2400" b="1" dirty="0" err="1"/>
               <a:t>năng</a:t>
             </a:r>
             <a:r>
-              <a:rPr lang="en-US" sz="2400" b="1" dirty="0" smtClean="0"/>
-              <a:t> </a:t>
-            </a:r>
-            <a:r>
-              <a:rPr lang="en-US" sz="2400" b="1" dirty="0" err="1" smtClean="0"/>
+              <a:rPr lang="en-US" sz="2400" b="1" dirty="0"/>
+              <a:t> </a:t>
+            </a:r>
+            <a:r>
+              <a:rPr lang="en-US" sz="2400" b="1" dirty="0" err="1"/>
               <a:t>quản</a:t>
             </a:r>
             <a:r>
-              <a:rPr lang="en-US" sz="2400" b="1" dirty="0" smtClean="0"/>
-              <a:t> </a:t>
-            </a:r>
-            <a:r>
-              <a:rPr lang="en-US" sz="2400" b="1" dirty="0" err="1" smtClean="0"/>
+              <a:rPr lang="en-US" sz="2400" b="1" dirty="0"/>
+              <a:t> </a:t>
+            </a:r>
+            <a:r>
+              <a:rPr lang="en-US" sz="2400" b="1" dirty="0" err="1"/>
               <a:t>lý</a:t>
             </a:r>
             <a:r>
-              <a:rPr lang="en-US" sz="2400" b="1" dirty="0" smtClean="0"/>
-              <a:t> </a:t>
-            </a:r>
-            <a:r>
-              <a:rPr lang="en-US" sz="2400" b="1" dirty="0" err="1" smtClean="0"/>
+              <a:rPr lang="en-US" sz="2400" b="1" dirty="0"/>
+              <a:t> </a:t>
+            </a:r>
+            <a:r>
+              <a:rPr lang="en-US" sz="2400" b="1" dirty="0" err="1"/>
               <a:t>nhân</a:t>
             </a:r>
             <a:r>
-              <a:rPr lang="en-US" sz="2400" b="1" dirty="0" smtClean="0"/>
-              <a:t> </a:t>
-            </a:r>
-            <a:r>
-              <a:rPr lang="en-US" sz="2400" b="1" dirty="0" err="1" smtClean="0"/>
+              <a:rPr lang="en-US" sz="2400" b="1" dirty="0"/>
+              <a:t> </a:t>
+            </a:r>
+            <a:r>
+              <a:rPr lang="en-US" sz="2400" b="1" dirty="0" err="1"/>
               <a:t>viên</a:t>
             </a:r>
             <a:endParaRPr lang="en-US" sz="2400" b="1" dirty="0"/>
@@ -13775,55 +13744,55 @@
           <a:lstStyle/>
           <a:p>
             <a:r>
-              <a:rPr lang="en-US" sz="2400" b="1" dirty="0" err="1" smtClean="0"/>
+              <a:rPr lang="en-US" sz="2400" b="1" dirty="0" err="1"/>
               <a:t>Chức</a:t>
             </a:r>
             <a:r>
-              <a:rPr lang="en-US" sz="2400" b="1" dirty="0" smtClean="0"/>
-              <a:t> </a:t>
-            </a:r>
-            <a:r>
-              <a:rPr lang="en-US" sz="2400" b="1" dirty="0" err="1" smtClean="0"/>
+              <a:rPr lang="en-US" sz="2400" b="1" dirty="0"/>
+              <a:t> </a:t>
+            </a:r>
+            <a:r>
+              <a:rPr lang="en-US" sz="2400" b="1" dirty="0" err="1"/>
               <a:t>năng</a:t>
             </a:r>
             <a:r>
-              <a:rPr lang="en-US" sz="2400" b="1" dirty="0" smtClean="0"/>
-              <a:t> </a:t>
-            </a:r>
-            <a:r>
-              <a:rPr lang="en-US" sz="2400" b="1" dirty="0" err="1" smtClean="0"/>
+              <a:rPr lang="en-US" sz="2400" b="1" dirty="0"/>
+              <a:t> </a:t>
+            </a:r>
+            <a:r>
+              <a:rPr lang="en-US" sz="2400" b="1" dirty="0" err="1"/>
               <a:t>quản</a:t>
             </a:r>
             <a:r>
-              <a:rPr lang="en-US" sz="2400" b="1" dirty="0" smtClean="0"/>
-              <a:t> </a:t>
-            </a:r>
-            <a:r>
-              <a:rPr lang="en-US" sz="2400" b="1" dirty="0" err="1" smtClean="0"/>
+              <a:rPr lang="en-US" sz="2400" b="1" dirty="0"/>
+              <a:t> </a:t>
+            </a:r>
+            <a:r>
+              <a:rPr lang="en-US" sz="2400" b="1" dirty="0" err="1"/>
               <a:t>lý</a:t>
             </a:r>
             <a:r>
-              <a:rPr lang="en-US" sz="2400" b="1" dirty="0" smtClean="0"/>
-              <a:t> </a:t>
-            </a:r>
-            <a:r>
-              <a:rPr lang="en-US" sz="2400" b="1" dirty="0" err="1" smtClean="0"/>
+              <a:rPr lang="en-US" sz="2400" b="1" dirty="0"/>
+              <a:t> </a:t>
+            </a:r>
+            <a:r>
+              <a:rPr lang="en-US" sz="2400" b="1" dirty="0" err="1"/>
               <a:t>nhà</a:t>
             </a:r>
             <a:r>
-              <a:rPr lang="en-US" sz="2400" b="1" dirty="0" smtClean="0"/>
-              <a:t> </a:t>
-            </a:r>
-            <a:r>
-              <a:rPr lang="en-US" sz="2400" b="1" dirty="0" err="1" smtClean="0"/>
+              <a:rPr lang="en-US" sz="2400" b="1" dirty="0"/>
+              <a:t> </a:t>
+            </a:r>
+            <a:r>
+              <a:rPr lang="en-US" sz="2400" b="1" dirty="0" err="1"/>
               <a:t>cung</a:t>
             </a:r>
             <a:r>
-              <a:rPr lang="en-US" sz="2400" b="1" dirty="0" smtClean="0"/>
-              <a:t> </a:t>
-            </a:r>
-            <a:r>
-              <a:rPr lang="en-US" sz="2400" b="1" dirty="0" err="1" smtClean="0"/>
+              <a:rPr lang="en-US" sz="2400" b="1" dirty="0"/>
+              <a:t> </a:t>
+            </a:r>
+            <a:r>
+              <a:rPr lang="en-US" sz="2400" b="1" dirty="0" err="1"/>
               <a:t>cấp</a:t>
             </a:r>
             <a:endParaRPr lang="en-US" sz="2400" b="1" dirty="0"/>
@@ -13922,14 +13891,10 @@
             </a:pPr>
             <a:r>
               <a:rPr lang="en-US" sz="1500" dirty="0" err="1"/>
-              <a:t>T</a:t>
-            </a:r>
-            <a:r>
-              <a:rPr lang="en-US" sz="1500" dirty="0" err="1" smtClean="0"/>
-              <a:t>ìm</a:t>
-            </a:r>
-            <a:r>
-              <a:rPr lang="en-US" sz="1500" dirty="0" smtClean="0"/>
+              <a:t>Tìm</a:t>
+            </a:r>
+            <a:r>
+              <a:rPr lang="en-US" sz="1500" dirty="0"/>
               <a:t> </a:t>
             </a:r>
             <a:r>
@@ -13972,7 +13937,6 @@
               <a:rPr lang="en-US" sz="1500" dirty="0"/>
               <a:t> </a:t>
             </a:r>
-            <a:endParaRPr lang="en-US" sz="1500" dirty="0" smtClean="0"/>
           </a:p>
           <a:p>
             <a:pPr>
@@ -13981,11 +13945,11 @@
               </a:lnSpc>
             </a:pPr>
             <a:r>
-              <a:rPr lang="en-US" sz="1500" dirty="0" err="1" smtClean="0"/>
+              <a:rPr lang="en-US" sz="1500" dirty="0" err="1"/>
               <a:t>việc</a:t>
             </a:r>
             <a:r>
-              <a:rPr lang="en-US" sz="1500" dirty="0" smtClean="0"/>
+              <a:rPr lang="en-US" sz="1500" dirty="0"/>
               <a:t> </a:t>
             </a:r>
             <a:r>
@@ -14021,11 +13985,11 @@
               <a:t> </a:t>
             </a:r>
             <a:r>
-              <a:rPr lang="en-US" sz="1500" dirty="0" err="1" smtClean="0"/>
+              <a:rPr lang="en-US" sz="1500" dirty="0" err="1"/>
               <a:t>hàng</a:t>
             </a:r>
             <a:r>
-              <a:rPr lang="en-US" sz="1500" dirty="0" smtClean="0"/>
+              <a:rPr lang="en-US" sz="1500" dirty="0"/>
               <a:t> </a:t>
             </a:r>
           </a:p>
@@ -14036,11 +14000,11 @@
               </a:lnSpc>
             </a:pPr>
             <a:r>
-              <a:rPr lang="en-US" sz="1500" dirty="0" err="1" smtClean="0"/>
+              <a:rPr lang="en-US" sz="1500" dirty="0" err="1"/>
               <a:t>điện</a:t>
             </a:r>
             <a:r>
-              <a:rPr lang="en-US" sz="1500" dirty="0" smtClean="0"/>
+              <a:rPr lang="en-US" sz="1500" dirty="0"/>
               <a:t> </a:t>
             </a:r>
             <a:r>
@@ -14060,11 +14024,11 @@
               <a:t> </a:t>
             </a:r>
             <a:r>
-              <a:rPr lang="en-US" sz="1500" dirty="0" err="1" smtClean="0"/>
+              <a:rPr lang="en-US" sz="1500" dirty="0" err="1"/>
               <a:t>nghiệp</a:t>
             </a:r>
             <a:r>
-              <a:rPr lang="en-US" sz="1500" dirty="0" smtClean="0"/>
+              <a:rPr lang="en-US" sz="1500" dirty="0"/>
               <a:t> </a:t>
             </a:r>
             <a:r>
@@ -14123,7 +14087,6 @@
               <a:rPr lang="en-US" sz="1500" dirty="0"/>
               <a:t> </a:t>
             </a:r>
-            <a:endParaRPr lang="en-US" sz="1500" dirty="0" smtClean="0"/>
           </a:p>
           <a:p>
             <a:pPr>
@@ -14132,11 +14095,11 @@
               </a:lnSpc>
             </a:pPr>
             <a:r>
-              <a:rPr lang="en-US" sz="1500" dirty="0" err="1" smtClean="0"/>
+              <a:rPr lang="en-US" sz="1500" dirty="0" err="1"/>
               <a:t>đơn</a:t>
             </a:r>
             <a:r>
-              <a:rPr lang="en-US" sz="1500" dirty="0" smtClean="0"/>
+              <a:rPr lang="en-US" sz="1500" dirty="0"/>
               <a:t> </a:t>
             </a:r>
             <a:r>
@@ -14179,7 +14142,6 @@
               <a:rPr lang="en-US" sz="1500" dirty="0"/>
               <a:t> </a:t>
             </a:r>
-            <a:endParaRPr lang="en-US" sz="1500" dirty="0" smtClean="0"/>
           </a:p>
           <a:p>
             <a:pPr>
@@ -14188,19 +14150,19 @@
               </a:lnSpc>
             </a:pPr>
             <a:r>
-              <a:rPr lang="en-US" sz="1500" dirty="0" err="1" smtClean="0"/>
+              <a:rPr lang="en-US" sz="1500" dirty="0" err="1"/>
               <a:t>trong</a:t>
             </a:r>
             <a:r>
-              <a:rPr lang="en-US" sz="1500" dirty="0" smtClean="0"/>
-              <a:t> </a:t>
-            </a:r>
-            <a:r>
-              <a:rPr lang="en-US" sz="1500" dirty="0" err="1" smtClean="0"/>
+              <a:rPr lang="en-US" sz="1500" dirty="0"/>
+              <a:t> </a:t>
+            </a:r>
+            <a:r>
+              <a:rPr lang="en-US" sz="1500" dirty="0" err="1"/>
               <a:t>việc</a:t>
             </a:r>
             <a:r>
-              <a:rPr lang="en-US" sz="1500" dirty="0" smtClean="0"/>
+              <a:rPr lang="en-US" sz="1500" dirty="0"/>
               <a:t> </a:t>
             </a:r>
             <a:r>
@@ -14227,10 +14189,9 @@
               </a:lnSpc>
             </a:pPr>
             <a:r>
-              <a:rPr lang="en-US" sz="1500" dirty="0" smtClean="0"/>
+              <a:rPr lang="en-US" sz="1500" dirty="0"/>
               <a:t>  </a:t>
             </a:r>
-            <a:endParaRPr lang="en-US" sz="1500" dirty="0"/>
           </a:p>
         </p:txBody>
       </p:sp>
@@ -14578,43 +14539,43 @@
           <a:lstStyle/>
           <a:p>
             <a:r>
-              <a:rPr lang="en-US" sz="2800" dirty="0" err="1" smtClean="0">
+              <a:rPr lang="en-US" sz="2800" dirty="0" err="1">
                 <a:latin typeface="Bahnschrift SemiBold" panose="020B0502040204020203" pitchFamily="34" charset="0"/>
               </a:rPr>
               <a:t>Lý</a:t>
             </a:r>
             <a:r>
-              <a:rPr lang="en-US" sz="2800" dirty="0" smtClean="0">
+              <a:rPr lang="en-US" sz="2800" dirty="0">
                 <a:latin typeface="Bahnschrift SemiBold" panose="020B0502040204020203" pitchFamily="34" charset="0"/>
               </a:rPr>
               <a:t> do </a:t>
             </a:r>
             <a:r>
-              <a:rPr lang="en-US" sz="2800" dirty="0" err="1" smtClean="0">
+              <a:rPr lang="en-US" sz="2800" dirty="0" err="1">
                 <a:latin typeface="Bahnschrift SemiBold" panose="020B0502040204020203" pitchFamily="34" charset="0"/>
               </a:rPr>
               <a:t>chọn</a:t>
             </a:r>
             <a:r>
-              <a:rPr lang="en-US" sz="2800" dirty="0" smtClean="0">
+              <a:rPr lang="en-US" sz="2800" dirty="0">
                 <a:latin typeface="Bahnschrift SemiBold" panose="020B0502040204020203" pitchFamily="34" charset="0"/>
               </a:rPr>
               <a:t> </a:t>
             </a:r>
             <a:r>
-              <a:rPr lang="en-US" sz="2800" dirty="0" err="1" smtClean="0">
+              <a:rPr lang="en-US" sz="2800" dirty="0" err="1">
                 <a:latin typeface="Bahnschrift SemiBold" panose="020B0502040204020203" pitchFamily="34" charset="0"/>
               </a:rPr>
               <a:t>đề</a:t>
             </a:r>
             <a:r>
-              <a:rPr lang="en-US" sz="2800" dirty="0" smtClean="0">
+              <a:rPr lang="en-US" sz="2800" dirty="0">
                 <a:latin typeface="Bahnschrift SemiBold" panose="020B0502040204020203" pitchFamily="34" charset="0"/>
               </a:rPr>
               <a:t> </a:t>
             </a:r>
             <a:r>
-              <a:rPr lang="en-US" sz="2800" dirty="0" err="1" smtClean="0">
+              <a:rPr lang="en-US" sz="2800" dirty="0" err="1">
                 <a:latin typeface="Bahnschrift SemiBold" panose="020B0502040204020203" pitchFamily="34" charset="0"/>
               </a:rPr>
               <a:t>tài</a:t>
@@ -14753,47 +14714,47 @@
           <a:lstStyle/>
           <a:p>
             <a:r>
-              <a:rPr lang="en-US" sz="2400" b="1" dirty="0" err="1" smtClean="0"/>
+              <a:rPr lang="en-US" sz="2400" b="1" dirty="0" err="1"/>
               <a:t>Chức</a:t>
             </a:r>
             <a:r>
-              <a:rPr lang="en-US" sz="2400" b="1" dirty="0" smtClean="0"/>
-              <a:t> </a:t>
-            </a:r>
-            <a:r>
-              <a:rPr lang="en-US" sz="2400" b="1" dirty="0" err="1" smtClean="0"/>
+              <a:rPr lang="en-US" sz="2400" b="1" dirty="0"/>
+              <a:t> </a:t>
+            </a:r>
+            <a:r>
+              <a:rPr lang="en-US" sz="2400" b="1" dirty="0" err="1"/>
               <a:t>năng</a:t>
             </a:r>
             <a:r>
-              <a:rPr lang="en-US" sz="2400" b="1" dirty="0" smtClean="0"/>
-              <a:t> </a:t>
-            </a:r>
-            <a:r>
-              <a:rPr lang="en-US" sz="2400" b="1" dirty="0" err="1" smtClean="0"/>
+              <a:rPr lang="en-US" sz="2400" b="1" dirty="0"/>
+              <a:t> </a:t>
+            </a:r>
+            <a:r>
+              <a:rPr lang="en-US" sz="2400" b="1" dirty="0" err="1"/>
               <a:t>quản</a:t>
             </a:r>
             <a:r>
-              <a:rPr lang="en-US" sz="2400" b="1" dirty="0" smtClean="0"/>
-              <a:t> </a:t>
-            </a:r>
-            <a:r>
-              <a:rPr lang="en-US" sz="2400" b="1" dirty="0" err="1" smtClean="0"/>
+              <a:rPr lang="en-US" sz="2400" b="1" dirty="0"/>
+              <a:t> </a:t>
+            </a:r>
+            <a:r>
+              <a:rPr lang="en-US" sz="2400" b="1" dirty="0" err="1"/>
               <a:t>lý</a:t>
             </a:r>
             <a:r>
-              <a:rPr lang="en-US" sz="2400" b="1" dirty="0" smtClean="0"/>
-              <a:t> </a:t>
-            </a:r>
-            <a:r>
-              <a:rPr lang="en-US" sz="2400" b="1" dirty="0" err="1" smtClean="0"/>
+              <a:rPr lang="en-US" sz="2400" b="1" dirty="0"/>
+              <a:t> </a:t>
+            </a:r>
+            <a:r>
+              <a:rPr lang="en-US" sz="2400" b="1" dirty="0" err="1"/>
               <a:t>tài</a:t>
             </a:r>
             <a:r>
-              <a:rPr lang="en-US" sz="2400" b="1" dirty="0" smtClean="0"/>
-              <a:t> </a:t>
-            </a:r>
-            <a:r>
-              <a:rPr lang="en-US" sz="2400" b="1" dirty="0" err="1" smtClean="0"/>
+              <a:rPr lang="en-US" sz="2400" b="1" dirty="0"/>
+              <a:t> </a:t>
+            </a:r>
+            <a:r>
+              <a:rPr lang="en-US" sz="2400" b="1" dirty="0" err="1"/>
               <a:t>khoản</a:t>
             </a:r>
             <a:endParaRPr lang="en-US" sz="2400" b="1" dirty="0"/>
@@ -14868,55 +14829,55 @@
           <a:lstStyle/>
           <a:p>
             <a:r>
-              <a:rPr lang="en-US" sz="2400" b="1" dirty="0" err="1" smtClean="0"/>
+              <a:rPr lang="en-US" sz="2400" b="1" dirty="0" err="1"/>
               <a:t>Chức</a:t>
             </a:r>
             <a:r>
-              <a:rPr lang="en-US" sz="2400" b="1" dirty="0" smtClean="0"/>
-              <a:t> </a:t>
-            </a:r>
-            <a:r>
-              <a:rPr lang="en-US" sz="2400" b="1" dirty="0" err="1" smtClean="0"/>
+              <a:rPr lang="en-US" sz="2400" b="1" dirty="0"/>
+              <a:t> </a:t>
+            </a:r>
+            <a:r>
+              <a:rPr lang="en-US" sz="2400" b="1" dirty="0" err="1"/>
               <a:t>năng</a:t>
             </a:r>
             <a:r>
-              <a:rPr lang="en-US" sz="2400" b="1" dirty="0" smtClean="0"/>
-              <a:t> </a:t>
-            </a:r>
-            <a:r>
-              <a:rPr lang="en-US" sz="2400" b="1" dirty="0" err="1" smtClean="0"/>
+              <a:rPr lang="en-US" sz="2400" b="1" dirty="0"/>
+              <a:t> </a:t>
+            </a:r>
+            <a:r>
+              <a:rPr lang="en-US" sz="2400" b="1" dirty="0" err="1"/>
               <a:t>quản</a:t>
             </a:r>
             <a:r>
-              <a:rPr lang="en-US" sz="2400" b="1" dirty="0" smtClean="0"/>
-              <a:t> </a:t>
-            </a:r>
-            <a:r>
-              <a:rPr lang="en-US" sz="2400" b="1" dirty="0" err="1" smtClean="0"/>
+              <a:rPr lang="en-US" sz="2400" b="1" dirty="0"/>
+              <a:t> </a:t>
+            </a:r>
+            <a:r>
+              <a:rPr lang="en-US" sz="2400" b="1" dirty="0" err="1"/>
               <a:t>lý</a:t>
             </a:r>
             <a:r>
-              <a:rPr lang="en-US" sz="2400" b="1" dirty="0" smtClean="0"/>
-              <a:t> </a:t>
-            </a:r>
-            <a:r>
-              <a:rPr lang="en-US" sz="2400" b="1" dirty="0" err="1" smtClean="0"/>
+              <a:rPr lang="en-US" sz="2400" b="1" dirty="0"/>
+              <a:t> </a:t>
+            </a:r>
+            <a:r>
+              <a:rPr lang="en-US" sz="2400" b="1" dirty="0" err="1"/>
               <a:t>loại</a:t>
             </a:r>
             <a:r>
-              <a:rPr lang="en-US" sz="2400" b="1" dirty="0" smtClean="0"/>
-              <a:t> </a:t>
-            </a:r>
-            <a:r>
-              <a:rPr lang="en-US" sz="2400" b="1" dirty="0" err="1" smtClean="0"/>
+              <a:rPr lang="en-US" sz="2400" b="1" dirty="0"/>
+              <a:t> </a:t>
+            </a:r>
+            <a:r>
+              <a:rPr lang="en-US" sz="2400" b="1" dirty="0" err="1"/>
               <a:t>sản</a:t>
             </a:r>
             <a:r>
-              <a:rPr lang="en-US" sz="2400" b="1" dirty="0" smtClean="0"/>
-              <a:t> </a:t>
-            </a:r>
-            <a:r>
-              <a:rPr lang="en-US" sz="2400" b="1" dirty="0" err="1" smtClean="0"/>
+              <a:rPr lang="en-US" sz="2400" b="1" dirty="0"/>
+              <a:t> </a:t>
+            </a:r>
+            <a:r>
+              <a:rPr lang="en-US" sz="2400" b="1" dirty="0" err="1"/>
               <a:t>phẩm</a:t>
             </a:r>
             <a:endParaRPr lang="en-US" sz="2400" b="1" dirty="0"/>
@@ -14997,47 +14958,47 @@
           <a:lstStyle/>
           <a:p>
             <a:r>
-              <a:rPr lang="en-US" sz="2400" b="1" dirty="0" err="1" smtClean="0"/>
+              <a:rPr lang="en-US" sz="2400" b="1" dirty="0" err="1"/>
               <a:t>Chức</a:t>
             </a:r>
             <a:r>
-              <a:rPr lang="en-US" sz="2400" b="1" dirty="0" smtClean="0"/>
-              <a:t> </a:t>
-            </a:r>
-            <a:r>
-              <a:rPr lang="en-US" sz="2400" b="1" dirty="0" err="1" smtClean="0"/>
+              <a:rPr lang="en-US" sz="2400" b="1" dirty="0"/>
+              <a:t> </a:t>
+            </a:r>
+            <a:r>
+              <a:rPr lang="en-US" sz="2400" b="1" dirty="0" err="1"/>
               <a:t>năng</a:t>
             </a:r>
             <a:r>
-              <a:rPr lang="en-US" sz="2400" b="1" dirty="0" smtClean="0"/>
-              <a:t> </a:t>
-            </a:r>
-            <a:r>
-              <a:rPr lang="en-US" sz="2400" b="1" dirty="0" err="1" smtClean="0"/>
+              <a:rPr lang="en-US" sz="2400" b="1" dirty="0"/>
+              <a:t> </a:t>
+            </a:r>
+            <a:r>
+              <a:rPr lang="en-US" sz="2400" b="1" dirty="0" err="1"/>
               <a:t>quản</a:t>
             </a:r>
             <a:r>
-              <a:rPr lang="en-US" sz="2400" b="1" dirty="0" smtClean="0"/>
-              <a:t> </a:t>
-            </a:r>
-            <a:r>
-              <a:rPr lang="en-US" sz="2400" b="1" dirty="0" err="1" smtClean="0"/>
+              <a:rPr lang="en-US" sz="2400" b="1" dirty="0"/>
+              <a:t> </a:t>
+            </a:r>
+            <a:r>
+              <a:rPr lang="en-US" sz="2400" b="1" dirty="0" err="1"/>
               <a:t>lý</a:t>
             </a:r>
             <a:r>
-              <a:rPr lang="en-US" sz="2400" b="1" dirty="0" smtClean="0"/>
-              <a:t> </a:t>
-            </a:r>
-            <a:r>
-              <a:rPr lang="en-US" sz="2400" b="1" dirty="0" err="1" smtClean="0"/>
+              <a:rPr lang="en-US" sz="2400" b="1" dirty="0"/>
+              <a:t> </a:t>
+            </a:r>
+            <a:r>
+              <a:rPr lang="en-US" sz="2400" b="1" dirty="0" err="1"/>
               <a:t>nhập</a:t>
             </a:r>
             <a:r>
-              <a:rPr lang="en-US" sz="2400" b="1" dirty="0" smtClean="0"/>
-              <a:t> </a:t>
-            </a:r>
-            <a:r>
-              <a:rPr lang="en-US" sz="2400" b="1" dirty="0" err="1" smtClean="0"/>
+              <a:rPr lang="en-US" sz="2400" b="1" dirty="0"/>
+              <a:t> </a:t>
+            </a:r>
+            <a:r>
+              <a:rPr lang="en-US" sz="2400" b="1" dirty="0" err="1"/>
               <a:t>hàng</a:t>
             </a:r>
             <a:endParaRPr lang="en-US" sz="2400" b="1" dirty="0"/>
@@ -15118,31 +15079,31 @@
           <a:lstStyle/>
           <a:p>
             <a:r>
-              <a:rPr lang="en-US" sz="2400" b="1" dirty="0" err="1" smtClean="0"/>
+              <a:rPr lang="en-US" sz="2400" b="1" dirty="0" err="1"/>
               <a:t>Chức</a:t>
             </a:r>
             <a:r>
-              <a:rPr lang="en-US" sz="2400" b="1" dirty="0" smtClean="0"/>
-              <a:t> </a:t>
-            </a:r>
-            <a:r>
-              <a:rPr lang="en-US" sz="2400" b="1" dirty="0" err="1" smtClean="0"/>
+              <a:rPr lang="en-US" sz="2400" b="1" dirty="0"/>
+              <a:t> </a:t>
+            </a:r>
+            <a:r>
+              <a:rPr lang="en-US" sz="2400" b="1" dirty="0" err="1"/>
               <a:t>năng</a:t>
             </a:r>
             <a:r>
-              <a:rPr lang="en-US" sz="2400" b="1" dirty="0" smtClean="0"/>
-              <a:t> </a:t>
-            </a:r>
-            <a:r>
-              <a:rPr lang="en-US" sz="2400" b="1" dirty="0" err="1" smtClean="0"/>
+              <a:rPr lang="en-US" sz="2400" b="1" dirty="0"/>
+              <a:t> </a:t>
+            </a:r>
+            <a:r>
+              <a:rPr lang="en-US" sz="2400" b="1" dirty="0" err="1"/>
               <a:t>thống</a:t>
             </a:r>
             <a:r>
-              <a:rPr lang="en-US" sz="2400" b="1" dirty="0" smtClean="0"/>
-              <a:t> </a:t>
-            </a:r>
-            <a:r>
-              <a:rPr lang="en-US" sz="2400" b="1" dirty="0" err="1" smtClean="0"/>
+              <a:rPr lang="en-US" sz="2400" b="1" dirty="0"/>
+              <a:t> </a:t>
+            </a:r>
+            <a:r>
+              <a:rPr lang="en-US" sz="2400" b="1" dirty="0" err="1"/>
               <a:t>kê</a:t>
             </a:r>
             <a:endParaRPr lang="en-US" sz="2400" b="1" dirty="0"/>
@@ -15228,47 +15189,47 @@
           <a:lstStyle/>
           <a:p>
             <a:r>
-              <a:rPr lang="en-US" sz="2400" b="1" dirty="0" err="1" smtClean="0"/>
+              <a:rPr lang="en-US" sz="2400" b="1" dirty="0" err="1"/>
               <a:t>Chức</a:t>
             </a:r>
             <a:r>
-              <a:rPr lang="en-US" sz="2400" b="1" dirty="0" smtClean="0"/>
-              <a:t> </a:t>
-            </a:r>
-            <a:r>
-              <a:rPr lang="en-US" sz="2400" b="1" dirty="0" err="1" smtClean="0"/>
+              <a:rPr lang="en-US" sz="2400" b="1" dirty="0"/>
+              <a:t> </a:t>
+            </a:r>
+            <a:r>
+              <a:rPr lang="en-US" sz="2400" b="1" dirty="0" err="1"/>
               <a:t>năng</a:t>
             </a:r>
             <a:r>
-              <a:rPr lang="en-US" sz="2400" b="1" dirty="0" smtClean="0"/>
-              <a:t> </a:t>
-            </a:r>
-            <a:r>
-              <a:rPr lang="en-US" sz="2400" b="1" dirty="0" err="1" smtClean="0"/>
+              <a:rPr lang="en-US" sz="2400" b="1" dirty="0"/>
+              <a:t> </a:t>
+            </a:r>
+            <a:r>
+              <a:rPr lang="en-US" sz="2400" b="1" dirty="0" err="1"/>
               <a:t>quản</a:t>
             </a:r>
             <a:r>
-              <a:rPr lang="en-US" sz="2400" b="1" dirty="0" smtClean="0"/>
-              <a:t> </a:t>
-            </a:r>
-            <a:r>
-              <a:rPr lang="en-US" sz="2400" b="1" dirty="0" err="1" smtClean="0"/>
+              <a:rPr lang="en-US" sz="2400" b="1" dirty="0"/>
+              <a:t> </a:t>
+            </a:r>
+            <a:r>
+              <a:rPr lang="en-US" sz="2400" b="1" dirty="0" err="1"/>
               <a:t>lý</a:t>
             </a:r>
             <a:r>
-              <a:rPr lang="en-US" sz="2400" b="1" dirty="0" smtClean="0"/>
-              <a:t> </a:t>
-            </a:r>
-            <a:r>
-              <a:rPr lang="en-US" sz="2400" b="1" dirty="0" err="1" smtClean="0"/>
+              <a:rPr lang="en-US" sz="2400" b="1" dirty="0"/>
+              <a:t> </a:t>
+            </a:r>
+            <a:r>
+              <a:rPr lang="en-US" sz="2400" b="1" dirty="0" err="1"/>
               <a:t>hóa</a:t>
             </a:r>
             <a:r>
-              <a:rPr lang="en-US" sz="2400" b="1" dirty="0" smtClean="0"/>
-              <a:t> </a:t>
-            </a:r>
-            <a:r>
-              <a:rPr lang="en-US" sz="2400" b="1" dirty="0" err="1" smtClean="0"/>
+              <a:rPr lang="en-US" sz="2400" b="1" dirty="0"/>
+              <a:t> </a:t>
+            </a:r>
+            <a:r>
+              <a:rPr lang="en-US" sz="2400" b="1" dirty="0" err="1"/>
               <a:t>đơn</a:t>
             </a:r>
             <a:endParaRPr lang="en-US" sz="2400" b="1" dirty="0"/>
@@ -15349,47 +15310,47 @@
           <a:lstStyle/>
           <a:p>
             <a:r>
-              <a:rPr lang="en-US" sz="2400" b="1" dirty="0" err="1" smtClean="0"/>
+              <a:rPr lang="en-US" sz="2400" b="1" dirty="0" err="1"/>
               <a:t>Chức</a:t>
             </a:r>
             <a:r>
-              <a:rPr lang="en-US" sz="2400" b="1" dirty="0" smtClean="0"/>
-              <a:t> </a:t>
-            </a:r>
-            <a:r>
-              <a:rPr lang="en-US" sz="2400" b="1" dirty="0" err="1" smtClean="0"/>
+              <a:rPr lang="en-US" sz="2400" b="1" dirty="0"/>
+              <a:t> </a:t>
+            </a:r>
+            <a:r>
+              <a:rPr lang="en-US" sz="2400" b="1" dirty="0" err="1"/>
               <a:t>năng</a:t>
             </a:r>
             <a:r>
-              <a:rPr lang="en-US" sz="2400" b="1" dirty="0" smtClean="0"/>
-              <a:t> </a:t>
-            </a:r>
-            <a:r>
-              <a:rPr lang="en-US" sz="2400" b="1" dirty="0" err="1" smtClean="0"/>
+              <a:rPr lang="en-US" sz="2400" b="1" dirty="0"/>
+              <a:t> </a:t>
+            </a:r>
+            <a:r>
+              <a:rPr lang="en-US" sz="2400" b="1" dirty="0" err="1"/>
               <a:t>xuất</a:t>
             </a:r>
             <a:r>
-              <a:rPr lang="en-US" sz="2400" b="1" dirty="0" smtClean="0"/>
-              <a:t> </a:t>
-            </a:r>
-            <a:r>
-              <a:rPr lang="en-US" sz="2400" b="1" dirty="0" err="1" smtClean="0"/>
+              <a:rPr lang="en-US" sz="2400" b="1" dirty="0"/>
+              <a:t> </a:t>
+            </a:r>
+            <a:r>
+              <a:rPr lang="en-US" sz="2400" b="1" dirty="0" err="1"/>
               <a:t>phiếu</a:t>
             </a:r>
             <a:r>
-              <a:rPr lang="en-US" sz="2400" b="1" dirty="0" smtClean="0"/>
-              <a:t> </a:t>
-            </a:r>
-            <a:r>
-              <a:rPr lang="en-US" sz="2400" b="1" dirty="0" err="1" smtClean="0"/>
+              <a:rPr lang="en-US" sz="2400" b="1" dirty="0"/>
+              <a:t> </a:t>
+            </a:r>
+            <a:r>
+              <a:rPr lang="en-US" sz="2400" b="1" dirty="0" err="1"/>
               <a:t>nhập</a:t>
             </a:r>
             <a:r>
-              <a:rPr lang="en-US" sz="2400" b="1" dirty="0" smtClean="0"/>
-              <a:t> </a:t>
-            </a:r>
-            <a:r>
-              <a:rPr lang="en-US" sz="2400" b="1" dirty="0" err="1" smtClean="0"/>
+              <a:rPr lang="en-US" sz="2400" b="1" dirty="0"/>
+              <a:t> </a:t>
+            </a:r>
+            <a:r>
+              <a:rPr lang="en-US" sz="2400" b="1" dirty="0" err="1"/>
               <a:t>hàng</a:t>
             </a:r>
             <a:endParaRPr lang="en-US" sz="2400" b="1" dirty="0"/>
@@ -15470,31 +15431,31 @@
           <a:lstStyle/>
           <a:p>
             <a:r>
-              <a:rPr lang="en-US" sz="2400" b="1" dirty="0" err="1" smtClean="0"/>
+              <a:rPr lang="en-US" sz="2400" b="1" dirty="0" err="1"/>
               <a:t>Chức</a:t>
             </a:r>
             <a:r>
-              <a:rPr lang="en-US" sz="2400" b="1" dirty="0" smtClean="0"/>
-              <a:t> </a:t>
-            </a:r>
-            <a:r>
-              <a:rPr lang="en-US" sz="2400" b="1" dirty="0" err="1" smtClean="0"/>
+              <a:rPr lang="en-US" sz="2400" b="1" dirty="0"/>
+              <a:t> </a:t>
+            </a:r>
+            <a:r>
+              <a:rPr lang="en-US" sz="2400" b="1" dirty="0" err="1"/>
               <a:t>năng</a:t>
             </a:r>
             <a:r>
-              <a:rPr lang="en-US" sz="2400" b="1" dirty="0" smtClean="0"/>
-              <a:t> </a:t>
-            </a:r>
-            <a:r>
-              <a:rPr lang="en-US" sz="2400" b="1" dirty="0" err="1" smtClean="0"/>
+              <a:rPr lang="en-US" sz="2400" b="1" dirty="0"/>
+              <a:t> </a:t>
+            </a:r>
+            <a:r>
+              <a:rPr lang="en-US" sz="2400" b="1" dirty="0" err="1"/>
               <a:t>đăng</a:t>
             </a:r>
             <a:r>
-              <a:rPr lang="en-US" sz="2400" b="1" dirty="0" smtClean="0"/>
-              <a:t> </a:t>
-            </a:r>
-            <a:r>
-              <a:rPr lang="en-US" sz="2400" b="1" dirty="0" err="1" smtClean="0"/>
+              <a:rPr lang="en-US" sz="2400" b="1" dirty="0"/>
+              <a:t> </a:t>
+            </a:r>
+            <a:r>
+              <a:rPr lang="en-US" sz="2400" b="1" dirty="0" err="1"/>
               <a:t>nhập</a:t>
             </a:r>
             <a:endParaRPr lang="en-US" sz="2400" b="1" dirty="0"/>
@@ -15581,11 +15542,7 @@
           <a:p>
             <a:r>
               <a:rPr lang="en-US" altLang="ko-KR" sz="3600" dirty="0"/>
-              <a:t>Thank </a:t>
-            </a:r>
-            <a:r>
-              <a:rPr lang="en-US" altLang="ko-KR" sz="3600" dirty="0" smtClean="0"/>
-              <a:t>you listening</a:t>
+              <a:t>Thank you listening</a:t>
             </a:r>
             <a:endParaRPr lang="ko-KR" altLang="en-US" sz="3600" dirty="0"/>
           </a:p>
@@ -15637,55 +15594,55 @@
           <a:lstStyle/>
           <a:p>
             <a:r>
-              <a:rPr lang="en-US" sz="3200" dirty="0" err="1" smtClean="0">
+              <a:rPr lang="en-US" sz="3200" dirty="0" err="1">
                 <a:latin typeface="Bahnschrift SemiBold" panose="020B0502040204020203" pitchFamily="34" charset="0"/>
               </a:rPr>
               <a:t>Mục</a:t>
             </a:r>
             <a:r>
-              <a:rPr lang="en-US" sz="3200" dirty="0" smtClean="0">
+              <a:rPr lang="en-US" sz="3200" dirty="0">
                 <a:latin typeface="Bahnschrift SemiBold" panose="020B0502040204020203" pitchFamily="34" charset="0"/>
               </a:rPr>
               <a:t> </a:t>
             </a:r>
             <a:r>
-              <a:rPr lang="en-US" sz="3200" dirty="0" err="1" smtClean="0">
+              <a:rPr lang="en-US" sz="3200" dirty="0" err="1">
                 <a:latin typeface="Bahnschrift SemiBold" panose="020B0502040204020203" pitchFamily="34" charset="0"/>
               </a:rPr>
               <a:t>tiêu</a:t>
             </a:r>
             <a:r>
-              <a:rPr lang="en-US" sz="3200" dirty="0" smtClean="0">
+              <a:rPr lang="en-US" sz="3200" dirty="0">
                 <a:latin typeface="Bahnschrift SemiBold" panose="020B0502040204020203" pitchFamily="34" charset="0"/>
               </a:rPr>
               <a:t> </a:t>
             </a:r>
             <a:r>
-              <a:rPr lang="en-US" sz="3200" dirty="0" err="1" smtClean="0">
+              <a:rPr lang="en-US" sz="3200" dirty="0" err="1">
                 <a:latin typeface="Bahnschrift SemiBold" panose="020B0502040204020203" pitchFamily="34" charset="0"/>
               </a:rPr>
               <a:t>của</a:t>
             </a:r>
             <a:r>
-              <a:rPr lang="en-US" sz="3200" dirty="0" smtClean="0">
+              <a:rPr lang="en-US" sz="3200" dirty="0">
                 <a:latin typeface="Bahnschrift SemiBold" panose="020B0502040204020203" pitchFamily="34" charset="0"/>
               </a:rPr>
               <a:t> </a:t>
             </a:r>
             <a:r>
-              <a:rPr lang="en-US" sz="3200" dirty="0" err="1" smtClean="0">
+              <a:rPr lang="en-US" sz="3200" dirty="0" err="1">
                 <a:latin typeface="Bahnschrift SemiBold" panose="020B0502040204020203" pitchFamily="34" charset="0"/>
               </a:rPr>
               <a:t>đề</a:t>
             </a:r>
             <a:r>
-              <a:rPr lang="en-US" sz="3200" dirty="0" smtClean="0">
+              <a:rPr lang="en-US" sz="3200" dirty="0">
                 <a:latin typeface="Bahnschrift SemiBold" panose="020B0502040204020203" pitchFamily="34" charset="0"/>
               </a:rPr>
               <a:t> </a:t>
             </a:r>
             <a:r>
-              <a:rPr lang="en-US" sz="3200" dirty="0" err="1" smtClean="0">
+              <a:rPr lang="en-US" sz="3200" dirty="0" err="1">
                 <a:latin typeface="Bahnschrift SemiBold" panose="020B0502040204020203" pitchFamily="34" charset="0"/>
               </a:rPr>
               <a:t>tài</a:t>
@@ -15809,7 +15766,7 @@
               <a:buChar char="•"/>
             </a:pPr>
             <a:r>
-              <a:rPr lang="en-US" altLang="ko-KR" sz="1400" dirty="0" err="1" smtClean="0">
+              <a:rPr lang="en-US" altLang="ko-KR" sz="1400" dirty="0" err="1">
                 <a:solidFill>
                   <a:schemeClr val="tx1">
                     <a:lumMod val="75000"/>
@@ -15821,19 +15778,19 @@
               <a:t>Tìm</a:t>
             </a:r>
             <a:r>
-              <a:rPr lang="en-US" altLang="ko-KR" sz="1400" dirty="0" smtClean="0">
-                <a:solidFill>
-                  <a:schemeClr val="tx1">
-                    <a:lumMod val="75000"/>
-                    <a:lumOff val="25000"/>
-                  </a:schemeClr>
-                </a:solidFill>
-                <a:cs typeface="Arial" pitchFamily="34" charset="0"/>
-              </a:rPr>
-              <a:t> </a:t>
-            </a:r>
-            <a:r>
-              <a:rPr lang="en-US" altLang="ko-KR" sz="1400" dirty="0" err="1" smtClean="0">
+              <a:rPr lang="en-US" altLang="ko-KR" sz="1400" dirty="0">
+                <a:solidFill>
+                  <a:schemeClr val="tx1">
+                    <a:lumMod val="75000"/>
+                    <a:lumOff val="25000"/>
+                  </a:schemeClr>
+                </a:solidFill>
+                <a:cs typeface="Arial" pitchFamily="34" charset="0"/>
+              </a:rPr>
+              <a:t> </a:t>
+            </a:r>
+            <a:r>
+              <a:rPr lang="en-US" altLang="ko-KR" sz="1400" dirty="0" err="1">
                 <a:solidFill>
                   <a:schemeClr val="tx1">
                     <a:lumMod val="75000"/>
@@ -15845,19 +15802,19 @@
               <a:t>hiểu</a:t>
             </a:r>
             <a:r>
-              <a:rPr lang="en-US" altLang="ko-KR" sz="1400" dirty="0" smtClean="0">
-                <a:solidFill>
-                  <a:schemeClr val="tx1">
-                    <a:lumMod val="75000"/>
-                    <a:lumOff val="25000"/>
-                  </a:schemeClr>
-                </a:solidFill>
-                <a:cs typeface="Arial" pitchFamily="34" charset="0"/>
-              </a:rPr>
-              <a:t> </a:t>
-            </a:r>
-            <a:r>
-              <a:rPr lang="en-US" altLang="ko-KR" sz="1400" dirty="0" err="1" smtClean="0">
+              <a:rPr lang="en-US" altLang="ko-KR" sz="1400" dirty="0">
+                <a:solidFill>
+                  <a:schemeClr val="tx1">
+                    <a:lumMod val="75000"/>
+                    <a:lumOff val="25000"/>
+                  </a:schemeClr>
+                </a:solidFill>
+                <a:cs typeface="Arial" pitchFamily="34" charset="0"/>
+              </a:rPr>
+              <a:t> </a:t>
+            </a:r>
+            <a:r>
+              <a:rPr lang="en-US" altLang="ko-KR" sz="1400" dirty="0" err="1">
                 <a:solidFill>
                   <a:schemeClr val="tx1">
                     <a:lumMod val="75000"/>
@@ -15869,19 +15826,19 @@
               <a:t>được</a:t>
             </a:r>
             <a:r>
-              <a:rPr lang="en-US" altLang="ko-KR" sz="1400" dirty="0" smtClean="0">
-                <a:solidFill>
-                  <a:schemeClr val="tx1">
-                    <a:lumMod val="75000"/>
-                    <a:lumOff val="25000"/>
-                  </a:schemeClr>
-                </a:solidFill>
-                <a:cs typeface="Arial" pitchFamily="34" charset="0"/>
-              </a:rPr>
-              <a:t> </a:t>
-            </a:r>
-            <a:r>
-              <a:rPr lang="en-US" altLang="ko-KR" sz="1400" dirty="0" err="1" smtClean="0">
+              <a:rPr lang="en-US" altLang="ko-KR" sz="1400" dirty="0">
+                <a:solidFill>
+                  <a:schemeClr val="tx1">
+                    <a:lumMod val="75000"/>
+                    <a:lumOff val="25000"/>
+                  </a:schemeClr>
+                </a:solidFill>
+                <a:cs typeface="Arial" pitchFamily="34" charset="0"/>
+              </a:rPr>
+              <a:t> </a:t>
+            </a:r>
+            <a:r>
+              <a:rPr lang="en-US" altLang="ko-KR" sz="1400" dirty="0" err="1">
                 <a:solidFill>
                   <a:schemeClr val="tx1">
                     <a:lumMod val="75000"/>
@@ -15893,19 +15850,19 @@
               <a:t>phương</a:t>
             </a:r>
             <a:r>
-              <a:rPr lang="en-US" altLang="ko-KR" sz="1400" dirty="0" smtClean="0">
-                <a:solidFill>
-                  <a:schemeClr val="tx1">
-                    <a:lumMod val="75000"/>
-                    <a:lumOff val="25000"/>
-                  </a:schemeClr>
-                </a:solidFill>
-                <a:cs typeface="Arial" pitchFamily="34" charset="0"/>
-              </a:rPr>
-              <a:t> </a:t>
-            </a:r>
-            <a:r>
-              <a:rPr lang="en-US" altLang="ko-KR" sz="1400" dirty="0" err="1" smtClean="0">
+              <a:rPr lang="en-US" altLang="ko-KR" sz="1400" dirty="0">
+                <a:solidFill>
+                  <a:schemeClr val="tx1">
+                    <a:lumMod val="75000"/>
+                    <a:lumOff val="25000"/>
+                  </a:schemeClr>
+                </a:solidFill>
+                <a:cs typeface="Arial" pitchFamily="34" charset="0"/>
+              </a:rPr>
+              <a:t> </a:t>
+            </a:r>
+            <a:r>
+              <a:rPr lang="en-US" altLang="ko-KR" sz="1400" dirty="0" err="1">
                 <a:solidFill>
                   <a:schemeClr val="tx1">
                     <a:lumMod val="75000"/>
@@ -15917,19 +15874,19 @@
               <a:t>pháp</a:t>
             </a:r>
             <a:r>
-              <a:rPr lang="en-US" altLang="ko-KR" sz="1400" dirty="0" smtClean="0">
-                <a:solidFill>
-                  <a:schemeClr val="tx1">
-                    <a:lumMod val="75000"/>
-                    <a:lumOff val="25000"/>
-                  </a:schemeClr>
-                </a:solidFill>
-                <a:cs typeface="Arial" pitchFamily="34" charset="0"/>
-              </a:rPr>
-              <a:t> </a:t>
-            </a:r>
-            <a:r>
-              <a:rPr lang="en-US" altLang="ko-KR" sz="1400" dirty="0" err="1" smtClean="0">
+              <a:rPr lang="en-US" altLang="ko-KR" sz="1400" dirty="0">
+                <a:solidFill>
+                  <a:schemeClr val="tx1">
+                    <a:lumMod val="75000"/>
+                    <a:lumOff val="25000"/>
+                  </a:schemeClr>
+                </a:solidFill>
+                <a:cs typeface="Arial" pitchFamily="34" charset="0"/>
+              </a:rPr>
+              <a:t> </a:t>
+            </a:r>
+            <a:r>
+              <a:rPr lang="en-US" altLang="ko-KR" sz="1400" dirty="0" err="1">
                 <a:solidFill>
                   <a:schemeClr val="tx1">
                     <a:lumMod val="75000"/>
@@ -15941,19 +15898,19 @@
               <a:t>làm</a:t>
             </a:r>
             <a:r>
-              <a:rPr lang="en-US" altLang="ko-KR" sz="1400" dirty="0" smtClean="0">
-                <a:solidFill>
-                  <a:schemeClr val="tx1">
-                    <a:lumMod val="75000"/>
-                    <a:lumOff val="25000"/>
-                  </a:schemeClr>
-                </a:solidFill>
-                <a:cs typeface="Arial" pitchFamily="34" charset="0"/>
-              </a:rPr>
-              <a:t> </a:t>
-            </a:r>
-            <a:r>
-              <a:rPr lang="en-US" altLang="ko-KR" sz="1400" dirty="0" err="1" smtClean="0">
+              <a:rPr lang="en-US" altLang="ko-KR" sz="1400" dirty="0">
+                <a:solidFill>
+                  <a:schemeClr val="tx1">
+                    <a:lumMod val="75000"/>
+                    <a:lumOff val="25000"/>
+                  </a:schemeClr>
+                </a:solidFill>
+                <a:cs typeface="Arial" pitchFamily="34" charset="0"/>
+              </a:rPr>
+              <a:t> </a:t>
+            </a:r>
+            <a:r>
+              <a:rPr lang="en-US" altLang="ko-KR" sz="1400" dirty="0" err="1">
                 <a:solidFill>
                   <a:schemeClr val="tx1">
                     <a:lumMod val="75000"/>
@@ -15965,19 +15922,19 @@
               <a:t>một</a:t>
             </a:r>
             <a:r>
-              <a:rPr lang="en-US" altLang="ko-KR" sz="1400" dirty="0" smtClean="0">
-                <a:solidFill>
-                  <a:schemeClr val="tx1">
-                    <a:lumMod val="75000"/>
-                    <a:lumOff val="25000"/>
-                  </a:schemeClr>
-                </a:solidFill>
-                <a:cs typeface="Arial" pitchFamily="34" charset="0"/>
-              </a:rPr>
-              <a:t> </a:t>
-            </a:r>
-            <a:r>
-              <a:rPr lang="en-US" altLang="ko-KR" sz="1400" dirty="0" err="1" smtClean="0">
+              <a:rPr lang="en-US" altLang="ko-KR" sz="1400" dirty="0">
+                <a:solidFill>
+                  <a:schemeClr val="tx1">
+                    <a:lumMod val="75000"/>
+                    <a:lumOff val="25000"/>
+                  </a:schemeClr>
+                </a:solidFill>
+                <a:cs typeface="Arial" pitchFamily="34" charset="0"/>
+              </a:rPr>
+              <a:t> </a:t>
+            </a:r>
+            <a:r>
+              <a:rPr lang="en-US" altLang="ko-KR" sz="1400" dirty="0" err="1">
                 <a:solidFill>
                   <a:schemeClr val="tx1">
                     <a:lumMod val="75000"/>
@@ -15989,19 +15946,19 @@
               <a:t>đề</a:t>
             </a:r>
             <a:r>
-              <a:rPr lang="en-US" altLang="ko-KR" sz="1400" dirty="0" smtClean="0">
-                <a:solidFill>
-                  <a:schemeClr val="tx1">
-                    <a:lumMod val="75000"/>
-                    <a:lumOff val="25000"/>
-                  </a:schemeClr>
-                </a:solidFill>
-                <a:cs typeface="Arial" pitchFamily="34" charset="0"/>
-              </a:rPr>
-              <a:t> </a:t>
-            </a:r>
-            <a:r>
-              <a:rPr lang="en-US" altLang="ko-KR" sz="1400" dirty="0" err="1" smtClean="0">
+              <a:rPr lang="en-US" altLang="ko-KR" sz="1400" dirty="0">
+                <a:solidFill>
+                  <a:schemeClr val="tx1">
+                    <a:lumMod val="75000"/>
+                    <a:lumOff val="25000"/>
+                  </a:schemeClr>
+                </a:solidFill>
+                <a:cs typeface="Arial" pitchFamily="34" charset="0"/>
+              </a:rPr>
+              <a:t> </a:t>
+            </a:r>
+            <a:r>
+              <a:rPr lang="en-US" altLang="ko-KR" sz="1400" dirty="0" err="1">
                 <a:solidFill>
                   <a:schemeClr val="tx1">
                     <a:lumMod val="75000"/>
@@ -16013,19 +15970,19 @@
               <a:t>tài</a:t>
             </a:r>
             <a:r>
-              <a:rPr lang="en-US" altLang="ko-KR" sz="1400" dirty="0" smtClean="0">
-                <a:solidFill>
-                  <a:schemeClr val="tx1">
-                    <a:lumMod val="75000"/>
-                    <a:lumOff val="25000"/>
-                  </a:schemeClr>
-                </a:solidFill>
-                <a:cs typeface="Arial" pitchFamily="34" charset="0"/>
-              </a:rPr>
-              <a:t> </a:t>
-            </a:r>
-            <a:r>
-              <a:rPr lang="en-US" altLang="ko-KR" sz="1400" dirty="0" err="1" smtClean="0">
+              <a:rPr lang="en-US" altLang="ko-KR" sz="1400" dirty="0">
+                <a:solidFill>
+                  <a:schemeClr val="tx1">
+                    <a:lumMod val="75000"/>
+                    <a:lumOff val="25000"/>
+                  </a:schemeClr>
+                </a:solidFill>
+                <a:cs typeface="Arial" pitchFamily="34" charset="0"/>
+              </a:rPr>
+              <a:t> </a:t>
+            </a:r>
+            <a:r>
+              <a:rPr lang="en-US" altLang="ko-KR" sz="1400" dirty="0" err="1">
                 <a:solidFill>
                   <a:schemeClr val="tx1">
                     <a:lumMod val="75000"/>
@@ -16037,19 +15994,19 @@
               <a:t>Công</a:t>
             </a:r>
             <a:r>
-              <a:rPr lang="en-US" altLang="ko-KR" sz="1400" dirty="0" smtClean="0">
-                <a:solidFill>
-                  <a:schemeClr val="tx1">
-                    <a:lumMod val="75000"/>
-                    <a:lumOff val="25000"/>
-                  </a:schemeClr>
-                </a:solidFill>
-                <a:cs typeface="Arial" pitchFamily="34" charset="0"/>
-              </a:rPr>
-              <a:t> </a:t>
-            </a:r>
-            <a:r>
-              <a:rPr lang="en-US" altLang="ko-KR" sz="1400" dirty="0" err="1" smtClean="0">
+              <a:rPr lang="en-US" altLang="ko-KR" sz="1400" dirty="0">
+                <a:solidFill>
+                  <a:schemeClr val="tx1">
+                    <a:lumMod val="75000"/>
+                    <a:lumOff val="25000"/>
+                  </a:schemeClr>
+                </a:solidFill>
+                <a:cs typeface="Arial" pitchFamily="34" charset="0"/>
+              </a:rPr>
+              <a:t> </a:t>
+            </a:r>
+            <a:r>
+              <a:rPr lang="en-US" altLang="ko-KR" sz="1400" dirty="0" err="1">
                 <a:solidFill>
                   <a:schemeClr val="tx1">
                     <a:lumMod val="75000"/>
@@ -16061,19 +16018,19 @@
               <a:t>Nghệ</a:t>
             </a:r>
             <a:r>
-              <a:rPr lang="en-US" altLang="ko-KR" sz="1400" dirty="0" smtClean="0">
-                <a:solidFill>
-                  <a:schemeClr val="tx1">
-                    <a:lumMod val="75000"/>
-                    <a:lumOff val="25000"/>
-                  </a:schemeClr>
-                </a:solidFill>
-                <a:cs typeface="Arial" pitchFamily="34" charset="0"/>
-              </a:rPr>
-              <a:t> </a:t>
-            </a:r>
-            <a:r>
-              <a:rPr lang="en-US" altLang="ko-KR" sz="1400" dirty="0" err="1" smtClean="0">
+              <a:rPr lang="en-US" altLang="ko-KR" sz="1400" dirty="0">
+                <a:solidFill>
+                  <a:schemeClr val="tx1">
+                    <a:lumMod val="75000"/>
+                    <a:lumOff val="25000"/>
+                  </a:schemeClr>
+                </a:solidFill>
+                <a:cs typeface="Arial" pitchFamily="34" charset="0"/>
+              </a:rPr>
+              <a:t> </a:t>
+            </a:r>
+            <a:r>
+              <a:rPr lang="en-US" altLang="ko-KR" sz="1400" dirty="0" err="1">
                 <a:solidFill>
                   <a:schemeClr val="tx1">
                     <a:lumMod val="75000"/>
@@ -16085,19 +16042,19 @@
               <a:t>Phần</a:t>
             </a:r>
             <a:r>
-              <a:rPr lang="en-US" altLang="ko-KR" sz="1400" dirty="0" smtClean="0">
-                <a:solidFill>
-                  <a:schemeClr val="tx1">
-                    <a:lumMod val="75000"/>
-                    <a:lumOff val="25000"/>
-                  </a:schemeClr>
-                </a:solidFill>
-                <a:cs typeface="Arial" pitchFamily="34" charset="0"/>
-              </a:rPr>
-              <a:t> </a:t>
-            </a:r>
-            <a:r>
-              <a:rPr lang="en-US" altLang="ko-KR" sz="1400" dirty="0" err="1" smtClean="0">
+              <a:rPr lang="en-US" altLang="ko-KR" sz="1400" dirty="0">
+                <a:solidFill>
+                  <a:schemeClr val="tx1">
+                    <a:lumMod val="75000"/>
+                    <a:lumOff val="25000"/>
+                  </a:schemeClr>
+                </a:solidFill>
+                <a:cs typeface="Arial" pitchFamily="34" charset="0"/>
+              </a:rPr>
+              <a:t> </a:t>
+            </a:r>
+            <a:r>
+              <a:rPr lang="en-US" altLang="ko-KR" sz="1400" dirty="0" err="1">
                 <a:solidFill>
                   <a:schemeClr val="tx1">
                     <a:lumMod val="75000"/>
@@ -16109,19 +16066,19 @@
               <a:t>Mềm</a:t>
             </a:r>
             <a:r>
-              <a:rPr lang="en-US" altLang="ko-KR" sz="1400" dirty="0" smtClean="0">
-                <a:solidFill>
-                  <a:schemeClr val="tx1">
-                    <a:lumMod val="75000"/>
-                    <a:lumOff val="25000"/>
-                  </a:schemeClr>
-                </a:solidFill>
-                <a:cs typeface="Arial" pitchFamily="34" charset="0"/>
-              </a:rPr>
-              <a:t> </a:t>
-            </a:r>
-            <a:r>
-              <a:rPr lang="en-US" altLang="ko-KR" sz="1400" dirty="0" err="1" smtClean="0">
+              <a:rPr lang="en-US" altLang="ko-KR" sz="1400" dirty="0">
+                <a:solidFill>
+                  <a:schemeClr val="tx1">
+                    <a:lumMod val="75000"/>
+                    <a:lumOff val="25000"/>
+                  </a:schemeClr>
+                </a:solidFill>
+                <a:cs typeface="Arial" pitchFamily="34" charset="0"/>
+              </a:rPr>
+              <a:t> </a:t>
+            </a:r>
+            <a:r>
+              <a:rPr lang="en-US" altLang="ko-KR" sz="1400" dirty="0" err="1">
                 <a:solidFill>
                   <a:schemeClr val="tx1">
                     <a:lumMod val="75000"/>
@@ -16133,19 +16090,19 @@
               <a:t>theo</a:t>
             </a:r>
             <a:r>
-              <a:rPr lang="en-US" altLang="ko-KR" sz="1400" dirty="0" smtClean="0">
-                <a:solidFill>
-                  <a:schemeClr val="tx1">
-                    <a:lumMod val="75000"/>
-                    <a:lumOff val="25000"/>
-                  </a:schemeClr>
-                </a:solidFill>
-                <a:cs typeface="Arial" pitchFamily="34" charset="0"/>
-              </a:rPr>
-              <a:t> </a:t>
-            </a:r>
-            <a:r>
-              <a:rPr lang="en-US" altLang="ko-KR" sz="1400" dirty="0" err="1" smtClean="0">
+              <a:rPr lang="en-US" altLang="ko-KR" sz="1400" dirty="0">
+                <a:solidFill>
+                  <a:schemeClr val="tx1">
+                    <a:lumMod val="75000"/>
+                    <a:lumOff val="25000"/>
+                  </a:schemeClr>
+                </a:solidFill>
+                <a:cs typeface="Arial" pitchFamily="34" charset="0"/>
+              </a:rPr>
+              <a:t> </a:t>
+            </a:r>
+            <a:r>
+              <a:rPr lang="en-US" altLang="ko-KR" sz="1400" dirty="0" err="1">
                 <a:solidFill>
                   <a:schemeClr val="tx1">
                     <a:lumMod val="75000"/>
@@ -16157,19 +16114,19 @@
               <a:t>đúng</a:t>
             </a:r>
             <a:r>
-              <a:rPr lang="en-US" altLang="ko-KR" sz="1400" dirty="0" smtClean="0">
-                <a:solidFill>
-                  <a:schemeClr val="tx1">
-                    <a:lumMod val="75000"/>
-                    <a:lumOff val="25000"/>
-                  </a:schemeClr>
-                </a:solidFill>
-                <a:cs typeface="Arial" pitchFamily="34" charset="0"/>
-              </a:rPr>
-              <a:t> </a:t>
-            </a:r>
-            <a:r>
-              <a:rPr lang="en-US" altLang="ko-KR" sz="1400" dirty="0" err="1" smtClean="0">
+              <a:rPr lang="en-US" altLang="ko-KR" sz="1400" dirty="0">
+                <a:solidFill>
+                  <a:schemeClr val="tx1">
+                    <a:lumMod val="75000"/>
+                    <a:lumOff val="25000"/>
+                  </a:schemeClr>
+                </a:solidFill>
+                <a:cs typeface="Arial" pitchFamily="34" charset="0"/>
+              </a:rPr>
+              <a:t> </a:t>
+            </a:r>
+            <a:r>
+              <a:rPr lang="en-US" altLang="ko-KR" sz="1400" dirty="0" err="1">
                 <a:solidFill>
                   <a:schemeClr val="tx1">
                     <a:lumMod val="75000"/>
@@ -16181,19 +16138,19 @@
               <a:t>quy</a:t>
             </a:r>
             <a:r>
-              <a:rPr lang="en-US" altLang="ko-KR" sz="1400" dirty="0" smtClean="0">
-                <a:solidFill>
-                  <a:schemeClr val="tx1">
-                    <a:lumMod val="75000"/>
-                    <a:lumOff val="25000"/>
-                  </a:schemeClr>
-                </a:solidFill>
-                <a:cs typeface="Arial" pitchFamily="34" charset="0"/>
-              </a:rPr>
-              <a:t> </a:t>
-            </a:r>
-            <a:r>
-              <a:rPr lang="en-US" altLang="ko-KR" sz="1400" dirty="0" err="1" smtClean="0">
+              <a:rPr lang="en-US" altLang="ko-KR" sz="1400" dirty="0">
+                <a:solidFill>
+                  <a:schemeClr val="tx1">
+                    <a:lumMod val="75000"/>
+                    <a:lumOff val="25000"/>
+                  </a:schemeClr>
+                </a:solidFill>
+                <a:cs typeface="Arial" pitchFamily="34" charset="0"/>
+              </a:rPr>
+              <a:t> </a:t>
+            </a:r>
+            <a:r>
+              <a:rPr lang="en-US" altLang="ko-KR" sz="1400" dirty="0" err="1">
                 <a:solidFill>
                   <a:schemeClr val="tx1">
                     <a:lumMod val="75000"/>
@@ -16205,7 +16162,7 @@
               <a:t>tắc</a:t>
             </a:r>
             <a:r>
-              <a:rPr lang="en-US" altLang="ko-KR" sz="1400" dirty="0" smtClean="0">
+              <a:rPr lang="en-US" altLang="ko-KR" sz="1400" dirty="0">
                 <a:solidFill>
                   <a:schemeClr val="tx1">
                     <a:lumMod val="75000"/>
@@ -16217,7 +16174,7 @@
               <a:t>, </a:t>
             </a:r>
             <a:r>
-              <a:rPr lang="en-US" altLang="ko-KR" sz="1400" dirty="0" err="1" smtClean="0">
+              <a:rPr lang="en-US" altLang="ko-KR" sz="1400" dirty="0" err="1">
                 <a:solidFill>
                   <a:schemeClr val="tx1">
                     <a:lumMod val="75000"/>
@@ -16229,19 +16186,19 @@
               <a:t>đúng</a:t>
             </a:r>
             <a:r>
-              <a:rPr lang="en-US" altLang="ko-KR" sz="1400" dirty="0" smtClean="0">
-                <a:solidFill>
-                  <a:schemeClr val="tx1">
-                    <a:lumMod val="75000"/>
-                    <a:lumOff val="25000"/>
-                  </a:schemeClr>
-                </a:solidFill>
-                <a:cs typeface="Arial" pitchFamily="34" charset="0"/>
-              </a:rPr>
-              <a:t> </a:t>
-            </a:r>
-            <a:r>
-              <a:rPr lang="en-US" altLang="ko-KR" sz="1400" dirty="0" err="1" smtClean="0">
+              <a:rPr lang="en-US" altLang="ko-KR" sz="1400" dirty="0">
+                <a:solidFill>
+                  <a:schemeClr val="tx1">
+                    <a:lumMod val="75000"/>
+                    <a:lumOff val="25000"/>
+                  </a:schemeClr>
+                </a:solidFill>
+                <a:cs typeface="Arial" pitchFamily="34" charset="0"/>
+              </a:rPr>
+              <a:t> </a:t>
+            </a:r>
+            <a:r>
+              <a:rPr lang="en-US" altLang="ko-KR" sz="1400" dirty="0" err="1">
                 <a:solidFill>
                   <a:schemeClr val="tx1">
                     <a:lumMod val="75000"/>
@@ -16253,7 +16210,7 @@
               <a:t>chuẩn</a:t>
             </a:r>
             <a:r>
-              <a:rPr lang="en-US" altLang="ko-KR" sz="1400" dirty="0" smtClean="0">
+              <a:rPr lang="en-US" altLang="ko-KR" sz="1400" dirty="0">
                 <a:solidFill>
                   <a:schemeClr val="tx1">
                     <a:lumMod val="75000"/>
@@ -16266,7 +16223,7 @@
             </a:r>
           </a:p>
           <a:p>
-            <a:endParaRPr lang="en-US" altLang="ko-KR" sz="1400" dirty="0" smtClean="0">
+            <a:endParaRPr lang="en-US" altLang="ko-KR" sz="1400" dirty="0">
               <a:solidFill>
                 <a:schemeClr val="tx1">
                   <a:lumMod val="75000"/>
@@ -16282,7 +16239,7 @@
               <a:buChar char="•"/>
             </a:pPr>
             <a:r>
-              <a:rPr lang="en-US" altLang="ko-KR" sz="1400" dirty="0" err="1" smtClean="0">
+              <a:rPr lang="en-US" altLang="ko-KR" sz="1400" dirty="0" err="1">
                 <a:solidFill>
                   <a:schemeClr val="tx1">
                     <a:lumMod val="75000"/>
@@ -16294,19 +16251,19 @@
               <a:t>Tìm</a:t>
             </a:r>
             <a:r>
-              <a:rPr lang="en-US" altLang="ko-KR" sz="1400" dirty="0" smtClean="0">
-                <a:solidFill>
-                  <a:schemeClr val="tx1">
-                    <a:lumMod val="75000"/>
-                    <a:lumOff val="25000"/>
-                  </a:schemeClr>
-                </a:solidFill>
-                <a:cs typeface="Arial" pitchFamily="34" charset="0"/>
-              </a:rPr>
-              <a:t> </a:t>
-            </a:r>
-            <a:r>
-              <a:rPr lang="en-US" altLang="ko-KR" sz="1400" dirty="0" err="1" smtClean="0">
+              <a:rPr lang="en-US" altLang="ko-KR" sz="1400" dirty="0">
+                <a:solidFill>
+                  <a:schemeClr val="tx1">
+                    <a:lumMod val="75000"/>
+                    <a:lumOff val="25000"/>
+                  </a:schemeClr>
+                </a:solidFill>
+                <a:cs typeface="Arial" pitchFamily="34" charset="0"/>
+              </a:rPr>
+              <a:t> </a:t>
+            </a:r>
+            <a:r>
+              <a:rPr lang="en-US" altLang="ko-KR" sz="1400" dirty="0" err="1">
                 <a:solidFill>
                   <a:schemeClr val="tx1">
                     <a:lumMod val="75000"/>
@@ -16318,19 +16275,19 @@
               <a:t>hiểu</a:t>
             </a:r>
             <a:r>
-              <a:rPr lang="en-US" altLang="ko-KR" sz="1400" dirty="0" smtClean="0">
-                <a:solidFill>
-                  <a:schemeClr val="tx1">
-                    <a:lumMod val="75000"/>
-                    <a:lumOff val="25000"/>
-                  </a:schemeClr>
-                </a:solidFill>
-                <a:cs typeface="Arial" pitchFamily="34" charset="0"/>
-              </a:rPr>
-              <a:t> </a:t>
-            </a:r>
-            <a:r>
-              <a:rPr lang="en-US" altLang="ko-KR" sz="1400" dirty="0" err="1" smtClean="0">
+              <a:rPr lang="en-US" altLang="ko-KR" sz="1400" dirty="0">
+                <a:solidFill>
+                  <a:schemeClr val="tx1">
+                    <a:lumMod val="75000"/>
+                    <a:lumOff val="25000"/>
+                  </a:schemeClr>
+                </a:solidFill>
+                <a:cs typeface="Arial" pitchFamily="34" charset="0"/>
+              </a:rPr>
+              <a:t> </a:t>
+            </a:r>
+            <a:r>
+              <a:rPr lang="en-US" altLang="ko-KR" sz="1400" dirty="0" err="1">
                 <a:solidFill>
                   <a:schemeClr val="tx1">
                     <a:lumMod val="75000"/>
@@ -16342,19 +16299,19 @@
               <a:t>được</a:t>
             </a:r>
             <a:r>
-              <a:rPr lang="en-US" altLang="ko-KR" sz="1400" dirty="0" smtClean="0">
-                <a:solidFill>
-                  <a:schemeClr val="tx1">
-                    <a:lumMod val="75000"/>
-                    <a:lumOff val="25000"/>
-                  </a:schemeClr>
-                </a:solidFill>
-                <a:cs typeface="Arial" pitchFamily="34" charset="0"/>
-              </a:rPr>
-              <a:t> </a:t>
-            </a:r>
-            <a:r>
-              <a:rPr lang="en-US" altLang="ko-KR" sz="1400" dirty="0" err="1" smtClean="0">
+              <a:rPr lang="en-US" altLang="ko-KR" sz="1400" dirty="0">
+                <a:solidFill>
+                  <a:schemeClr val="tx1">
+                    <a:lumMod val="75000"/>
+                    <a:lumOff val="25000"/>
+                  </a:schemeClr>
+                </a:solidFill>
+                <a:cs typeface="Arial" pitchFamily="34" charset="0"/>
+              </a:rPr>
+              <a:t> </a:t>
+            </a:r>
+            <a:r>
+              <a:rPr lang="en-US" altLang="ko-KR" sz="1400" dirty="0" err="1">
                 <a:solidFill>
                   <a:schemeClr val="tx1">
                     <a:lumMod val="75000"/>
@@ -16366,19 +16323,19 @@
               <a:t>các</a:t>
             </a:r>
             <a:r>
-              <a:rPr lang="en-US" altLang="ko-KR" sz="1400" dirty="0" smtClean="0">
-                <a:solidFill>
-                  <a:schemeClr val="tx1">
-                    <a:lumMod val="75000"/>
-                    <a:lumOff val="25000"/>
-                  </a:schemeClr>
-                </a:solidFill>
-                <a:cs typeface="Arial" pitchFamily="34" charset="0"/>
-              </a:rPr>
-              <a:t> </a:t>
-            </a:r>
-            <a:r>
-              <a:rPr lang="en-US" altLang="ko-KR" sz="1400" dirty="0" err="1" smtClean="0">
+              <a:rPr lang="en-US" altLang="ko-KR" sz="1400" dirty="0">
+                <a:solidFill>
+                  <a:schemeClr val="tx1">
+                    <a:lumMod val="75000"/>
+                    <a:lumOff val="25000"/>
+                  </a:schemeClr>
+                </a:solidFill>
+                <a:cs typeface="Arial" pitchFamily="34" charset="0"/>
+              </a:rPr>
+              <a:t> </a:t>
+            </a:r>
+            <a:r>
+              <a:rPr lang="en-US" altLang="ko-KR" sz="1400" dirty="0" err="1">
                 <a:solidFill>
                   <a:schemeClr val="tx1">
                     <a:lumMod val="75000"/>
@@ -16390,19 +16347,19 @@
               <a:t>công</a:t>
             </a:r>
             <a:r>
-              <a:rPr lang="en-US" altLang="ko-KR" sz="1400" dirty="0" smtClean="0">
-                <a:solidFill>
-                  <a:schemeClr val="tx1">
-                    <a:lumMod val="75000"/>
-                    <a:lumOff val="25000"/>
-                  </a:schemeClr>
-                </a:solidFill>
-                <a:cs typeface="Arial" pitchFamily="34" charset="0"/>
-              </a:rPr>
-              <a:t> </a:t>
-            </a:r>
-            <a:r>
-              <a:rPr lang="en-US" altLang="ko-KR" sz="1400" dirty="0" err="1" smtClean="0">
+              <a:rPr lang="en-US" altLang="ko-KR" sz="1400" dirty="0">
+                <a:solidFill>
+                  <a:schemeClr val="tx1">
+                    <a:lumMod val="75000"/>
+                    <a:lumOff val="25000"/>
+                  </a:schemeClr>
+                </a:solidFill>
+                <a:cs typeface="Arial" pitchFamily="34" charset="0"/>
+              </a:rPr>
+              <a:t> </a:t>
+            </a:r>
+            <a:r>
+              <a:rPr lang="en-US" altLang="ko-KR" sz="1400" dirty="0" err="1">
                 <a:solidFill>
                   <a:schemeClr val="tx1">
                     <a:lumMod val="75000"/>
@@ -16414,19 +16371,19 @@
               <a:t>việc</a:t>
             </a:r>
             <a:r>
-              <a:rPr lang="en-US" altLang="ko-KR" sz="1400" dirty="0" smtClean="0">
-                <a:solidFill>
-                  <a:schemeClr val="tx1">
-                    <a:lumMod val="75000"/>
-                    <a:lumOff val="25000"/>
-                  </a:schemeClr>
-                </a:solidFill>
-                <a:cs typeface="Arial" pitchFamily="34" charset="0"/>
-              </a:rPr>
-              <a:t> </a:t>
-            </a:r>
-            <a:r>
-              <a:rPr lang="en-US" altLang="ko-KR" sz="1400" dirty="0" err="1" smtClean="0">
+              <a:rPr lang="en-US" altLang="ko-KR" sz="1400" dirty="0">
+                <a:solidFill>
+                  <a:schemeClr val="tx1">
+                    <a:lumMod val="75000"/>
+                    <a:lumOff val="25000"/>
+                  </a:schemeClr>
+                </a:solidFill>
+                <a:cs typeface="Arial" pitchFamily="34" charset="0"/>
+              </a:rPr>
+              <a:t> </a:t>
+            </a:r>
+            <a:r>
+              <a:rPr lang="en-US" altLang="ko-KR" sz="1400" dirty="0" err="1">
                 <a:solidFill>
                   <a:schemeClr val="tx1">
                     <a:lumMod val="75000"/>
@@ -16438,19 +16395,19 @@
               <a:t>liên</a:t>
             </a:r>
             <a:r>
-              <a:rPr lang="en-US" altLang="ko-KR" sz="1400" dirty="0" smtClean="0">
-                <a:solidFill>
-                  <a:schemeClr val="tx1">
-                    <a:lumMod val="75000"/>
-                    <a:lumOff val="25000"/>
-                  </a:schemeClr>
-                </a:solidFill>
-                <a:cs typeface="Arial" pitchFamily="34" charset="0"/>
-              </a:rPr>
-              <a:t> </a:t>
-            </a:r>
-            <a:r>
-              <a:rPr lang="en-US" altLang="ko-KR" sz="1400" dirty="0" err="1" smtClean="0">
+              <a:rPr lang="en-US" altLang="ko-KR" sz="1400" dirty="0">
+                <a:solidFill>
+                  <a:schemeClr val="tx1">
+                    <a:lumMod val="75000"/>
+                    <a:lumOff val="25000"/>
+                  </a:schemeClr>
+                </a:solidFill>
+                <a:cs typeface="Arial" pitchFamily="34" charset="0"/>
+              </a:rPr>
+              <a:t> </a:t>
+            </a:r>
+            <a:r>
+              <a:rPr lang="en-US" altLang="ko-KR" sz="1400" dirty="0" err="1">
                 <a:solidFill>
                   <a:schemeClr val="tx1">
                     <a:lumMod val="75000"/>
@@ -16462,19 +16419,19 @@
               <a:t>quan</a:t>
             </a:r>
             <a:r>
-              <a:rPr lang="en-US" altLang="ko-KR" sz="1400" dirty="0" smtClean="0">
-                <a:solidFill>
-                  <a:schemeClr val="tx1">
-                    <a:lumMod val="75000"/>
-                    <a:lumOff val="25000"/>
-                  </a:schemeClr>
-                </a:solidFill>
-                <a:cs typeface="Arial" pitchFamily="34" charset="0"/>
-              </a:rPr>
-              <a:t> </a:t>
-            </a:r>
-            <a:r>
-              <a:rPr lang="en-US" altLang="ko-KR" sz="1400" dirty="0" err="1" smtClean="0">
+              <a:rPr lang="en-US" altLang="ko-KR" sz="1400" dirty="0">
+                <a:solidFill>
+                  <a:schemeClr val="tx1">
+                    <a:lumMod val="75000"/>
+                    <a:lumOff val="25000"/>
+                  </a:schemeClr>
+                </a:solidFill>
+                <a:cs typeface="Arial" pitchFamily="34" charset="0"/>
+              </a:rPr>
+              <a:t> </a:t>
+            </a:r>
+            <a:r>
+              <a:rPr lang="en-US" altLang="ko-KR" sz="1400" dirty="0" err="1">
                 <a:solidFill>
                   <a:schemeClr val="tx1">
                     <a:lumMod val="75000"/>
@@ -16486,19 +16443,19 @@
               <a:t>đến</a:t>
             </a:r>
             <a:r>
-              <a:rPr lang="en-US" altLang="ko-KR" sz="1400" dirty="0" smtClean="0">
-                <a:solidFill>
-                  <a:schemeClr val="tx1">
-                    <a:lumMod val="75000"/>
-                    <a:lumOff val="25000"/>
-                  </a:schemeClr>
-                </a:solidFill>
-                <a:cs typeface="Arial" pitchFamily="34" charset="0"/>
-              </a:rPr>
-              <a:t> </a:t>
-            </a:r>
-            <a:r>
-              <a:rPr lang="en-US" altLang="ko-KR" sz="1400" dirty="0" err="1" smtClean="0">
+              <a:rPr lang="en-US" altLang="ko-KR" sz="1400" dirty="0">
+                <a:solidFill>
+                  <a:schemeClr val="tx1">
+                    <a:lumMod val="75000"/>
+                    <a:lumOff val="25000"/>
+                  </a:schemeClr>
+                </a:solidFill>
+                <a:cs typeface="Arial" pitchFamily="34" charset="0"/>
+              </a:rPr>
+              <a:t> </a:t>
+            </a:r>
+            <a:r>
+              <a:rPr lang="en-US" altLang="ko-KR" sz="1400" dirty="0" err="1">
                 <a:solidFill>
                   <a:schemeClr val="tx1">
                     <a:lumMod val="75000"/>
@@ -16510,19 +16467,19 @@
               <a:t>quản</a:t>
             </a:r>
             <a:r>
-              <a:rPr lang="en-US" altLang="ko-KR" sz="1400" dirty="0" smtClean="0">
-                <a:solidFill>
-                  <a:schemeClr val="tx1">
-                    <a:lumMod val="75000"/>
-                    <a:lumOff val="25000"/>
-                  </a:schemeClr>
-                </a:solidFill>
-                <a:cs typeface="Arial" pitchFamily="34" charset="0"/>
-              </a:rPr>
-              <a:t> </a:t>
-            </a:r>
-            <a:r>
-              <a:rPr lang="en-US" altLang="ko-KR" sz="1400" dirty="0" err="1" smtClean="0">
+              <a:rPr lang="en-US" altLang="ko-KR" sz="1400" dirty="0">
+                <a:solidFill>
+                  <a:schemeClr val="tx1">
+                    <a:lumMod val="75000"/>
+                    <a:lumOff val="25000"/>
+                  </a:schemeClr>
+                </a:solidFill>
+                <a:cs typeface="Arial" pitchFamily="34" charset="0"/>
+              </a:rPr>
+              <a:t> </a:t>
+            </a:r>
+            <a:r>
+              <a:rPr lang="en-US" altLang="ko-KR" sz="1400" dirty="0" err="1">
                 <a:solidFill>
                   <a:schemeClr val="tx1">
                     <a:lumMod val="75000"/>
@@ -16534,19 +16491,19 @@
               <a:t>lý</a:t>
             </a:r>
             <a:r>
-              <a:rPr lang="en-US" altLang="ko-KR" sz="1400" dirty="0" smtClean="0">
-                <a:solidFill>
-                  <a:schemeClr val="tx1">
-                    <a:lumMod val="75000"/>
-                    <a:lumOff val="25000"/>
-                  </a:schemeClr>
-                </a:solidFill>
-                <a:cs typeface="Arial" pitchFamily="34" charset="0"/>
-              </a:rPr>
-              <a:t> </a:t>
-            </a:r>
-            <a:r>
-              <a:rPr lang="en-US" altLang="ko-KR" sz="1400" dirty="0" err="1" smtClean="0">
+              <a:rPr lang="en-US" altLang="ko-KR" sz="1400" dirty="0">
+                <a:solidFill>
+                  <a:schemeClr val="tx1">
+                    <a:lumMod val="75000"/>
+                    <a:lumOff val="25000"/>
+                  </a:schemeClr>
+                </a:solidFill>
+                <a:cs typeface="Arial" pitchFamily="34" charset="0"/>
+              </a:rPr>
+              <a:t> </a:t>
+            </a:r>
+            <a:r>
+              <a:rPr lang="en-US" altLang="ko-KR" sz="1400" dirty="0" err="1">
                 <a:solidFill>
                   <a:schemeClr val="tx1">
                     <a:lumMod val="75000"/>
@@ -16558,19 +16515,19 @@
               <a:t>một</a:t>
             </a:r>
             <a:r>
-              <a:rPr lang="en-US" altLang="ko-KR" sz="1400" dirty="0" smtClean="0">
-                <a:solidFill>
-                  <a:schemeClr val="tx1">
-                    <a:lumMod val="75000"/>
-                    <a:lumOff val="25000"/>
-                  </a:schemeClr>
-                </a:solidFill>
-                <a:cs typeface="Arial" pitchFamily="34" charset="0"/>
-              </a:rPr>
-              <a:t> </a:t>
-            </a:r>
-            <a:r>
-              <a:rPr lang="en-US" altLang="ko-KR" sz="1400" dirty="0" err="1" smtClean="0">
+              <a:rPr lang="en-US" altLang="ko-KR" sz="1400" dirty="0">
+                <a:solidFill>
+                  <a:schemeClr val="tx1">
+                    <a:lumMod val="75000"/>
+                    <a:lumOff val="25000"/>
+                  </a:schemeClr>
+                </a:solidFill>
+                <a:cs typeface="Arial" pitchFamily="34" charset="0"/>
+              </a:rPr>
+              <a:t> </a:t>
+            </a:r>
+            <a:r>
+              <a:rPr lang="en-US" altLang="ko-KR" sz="1400" dirty="0" err="1">
                 <a:solidFill>
                   <a:schemeClr val="tx1">
                     <a:lumMod val="75000"/>
@@ -16582,19 +16539,19 @@
               <a:t>cửa</a:t>
             </a:r>
             <a:r>
-              <a:rPr lang="en-US" altLang="ko-KR" sz="1400" dirty="0" smtClean="0">
-                <a:solidFill>
-                  <a:schemeClr val="tx1">
-                    <a:lumMod val="75000"/>
-                    <a:lumOff val="25000"/>
-                  </a:schemeClr>
-                </a:solidFill>
-                <a:cs typeface="Arial" pitchFamily="34" charset="0"/>
-              </a:rPr>
-              <a:t> </a:t>
-            </a:r>
-            <a:r>
-              <a:rPr lang="en-US" altLang="ko-KR" sz="1400" dirty="0" err="1" smtClean="0">
+              <a:rPr lang="en-US" altLang="ko-KR" sz="1400" dirty="0">
+                <a:solidFill>
+                  <a:schemeClr val="tx1">
+                    <a:lumMod val="75000"/>
+                    <a:lumOff val="25000"/>
+                  </a:schemeClr>
+                </a:solidFill>
+                <a:cs typeface="Arial" pitchFamily="34" charset="0"/>
+              </a:rPr>
+              <a:t> </a:t>
+            </a:r>
+            <a:r>
+              <a:rPr lang="en-US" altLang="ko-KR" sz="1400" dirty="0" err="1">
                 <a:solidFill>
                   <a:schemeClr val="tx1">
                     <a:lumMod val="75000"/>
@@ -16606,19 +16563,19 @@
               <a:t>hàng</a:t>
             </a:r>
             <a:r>
-              <a:rPr lang="en-US" altLang="ko-KR" sz="1400" dirty="0" smtClean="0">
-                <a:solidFill>
-                  <a:schemeClr val="tx1">
-                    <a:lumMod val="75000"/>
-                    <a:lumOff val="25000"/>
-                  </a:schemeClr>
-                </a:solidFill>
-                <a:cs typeface="Arial" pitchFamily="34" charset="0"/>
-              </a:rPr>
-              <a:t> </a:t>
-            </a:r>
-            <a:r>
-              <a:rPr lang="en-US" altLang="ko-KR" sz="1400" dirty="0" err="1" smtClean="0">
+              <a:rPr lang="en-US" altLang="ko-KR" sz="1400" dirty="0">
+                <a:solidFill>
+                  <a:schemeClr val="tx1">
+                    <a:lumMod val="75000"/>
+                    <a:lumOff val="25000"/>
+                  </a:schemeClr>
+                </a:solidFill>
+                <a:cs typeface="Arial" pitchFamily="34" charset="0"/>
+              </a:rPr>
+              <a:t> </a:t>
+            </a:r>
+            <a:r>
+              <a:rPr lang="en-US" altLang="ko-KR" sz="1400" dirty="0" err="1">
                 <a:solidFill>
                   <a:schemeClr val="tx1">
                     <a:lumMod val="75000"/>
@@ -16630,19 +16587,19 @@
               <a:t>bán</a:t>
             </a:r>
             <a:r>
-              <a:rPr lang="en-US" altLang="ko-KR" sz="1400" dirty="0" smtClean="0">
-                <a:solidFill>
-                  <a:schemeClr val="tx1">
-                    <a:lumMod val="75000"/>
-                    <a:lumOff val="25000"/>
-                  </a:schemeClr>
-                </a:solidFill>
-                <a:cs typeface="Arial" pitchFamily="34" charset="0"/>
-              </a:rPr>
-              <a:t> </a:t>
-            </a:r>
-            <a:r>
-              <a:rPr lang="en-US" altLang="ko-KR" sz="1400" dirty="0" err="1" smtClean="0">
+              <a:rPr lang="en-US" altLang="ko-KR" sz="1400" dirty="0">
+                <a:solidFill>
+                  <a:schemeClr val="tx1">
+                    <a:lumMod val="75000"/>
+                    <a:lumOff val="25000"/>
+                  </a:schemeClr>
+                </a:solidFill>
+                <a:cs typeface="Arial" pitchFamily="34" charset="0"/>
+              </a:rPr>
+              <a:t> </a:t>
+            </a:r>
+            <a:r>
+              <a:rPr lang="en-US" altLang="ko-KR" sz="1400" dirty="0" err="1">
                 <a:solidFill>
                   <a:schemeClr val="tx1">
                     <a:lumMod val="75000"/>
@@ -16654,19 +16611,19 @@
               <a:t>điện</a:t>
             </a:r>
             <a:r>
-              <a:rPr lang="en-US" altLang="ko-KR" sz="1400" dirty="0" smtClean="0">
-                <a:solidFill>
-                  <a:schemeClr val="tx1">
-                    <a:lumMod val="75000"/>
-                    <a:lumOff val="25000"/>
-                  </a:schemeClr>
-                </a:solidFill>
-                <a:cs typeface="Arial" pitchFamily="34" charset="0"/>
-              </a:rPr>
-              <a:t> </a:t>
-            </a:r>
-            <a:r>
-              <a:rPr lang="en-US" altLang="ko-KR" sz="1400" dirty="0" err="1" smtClean="0">
+              <a:rPr lang="en-US" altLang="ko-KR" sz="1400" dirty="0">
+                <a:solidFill>
+                  <a:schemeClr val="tx1">
+                    <a:lumMod val="75000"/>
+                    <a:lumOff val="25000"/>
+                  </a:schemeClr>
+                </a:solidFill>
+                <a:cs typeface="Arial" pitchFamily="34" charset="0"/>
+              </a:rPr>
+              <a:t> </a:t>
+            </a:r>
+            <a:r>
+              <a:rPr lang="en-US" altLang="ko-KR" sz="1400" dirty="0" err="1">
                 <a:solidFill>
                   <a:schemeClr val="tx1">
                     <a:lumMod val="75000"/>
@@ -16678,7 +16635,7 @@
               <a:t>thoại</a:t>
             </a:r>
             <a:r>
-              <a:rPr lang="en-US" altLang="ko-KR" sz="1400" dirty="0" smtClean="0">
+              <a:rPr lang="en-US" altLang="ko-KR" sz="1400" dirty="0">
                 <a:solidFill>
                   <a:schemeClr val="tx1">
                     <a:lumMod val="75000"/>
@@ -16690,7 +16647,7 @@
               <a:t> di </a:t>
             </a:r>
             <a:r>
-              <a:rPr lang="en-US" altLang="ko-KR" sz="1400" dirty="0" err="1" smtClean="0">
+              <a:rPr lang="en-US" altLang="ko-KR" sz="1400" dirty="0" err="1">
                 <a:solidFill>
                   <a:schemeClr val="tx1">
                     <a:lumMod val="75000"/>
@@ -16702,7 +16659,7 @@
               <a:t>động</a:t>
             </a:r>
             <a:r>
-              <a:rPr lang="en-US" altLang="ko-KR" sz="1400" dirty="0" smtClean="0">
+              <a:rPr lang="en-US" altLang="ko-KR" sz="1400" dirty="0">
                 <a:solidFill>
                   <a:schemeClr val="tx1">
                     <a:lumMod val="75000"/>
@@ -16715,7 +16672,7 @@
             </a:r>
           </a:p>
           <a:p>
-            <a:endParaRPr lang="en-US" altLang="ko-KR" sz="1400" dirty="0" smtClean="0">
+            <a:endParaRPr lang="en-US" altLang="ko-KR" sz="1400" dirty="0">
               <a:solidFill>
                 <a:schemeClr val="tx1">
                   <a:lumMod val="75000"/>
@@ -16731,7 +16688,7 @@
               <a:buChar char="•"/>
             </a:pPr>
             <a:r>
-              <a:rPr lang="en-US" altLang="ko-KR" sz="1400" dirty="0" err="1" smtClean="0">
+              <a:rPr lang="en-US" altLang="ko-KR" sz="1400" dirty="0" err="1">
                 <a:solidFill>
                   <a:schemeClr val="tx1">
                     <a:lumMod val="75000"/>
@@ -16743,19 +16700,19 @@
               <a:t>Tìm</a:t>
             </a:r>
             <a:r>
-              <a:rPr lang="en-US" altLang="ko-KR" sz="1400" dirty="0" smtClean="0">
-                <a:solidFill>
-                  <a:schemeClr val="tx1">
-                    <a:lumMod val="75000"/>
-                    <a:lumOff val="25000"/>
-                  </a:schemeClr>
-                </a:solidFill>
-                <a:cs typeface="Arial" pitchFamily="34" charset="0"/>
-              </a:rPr>
-              <a:t> </a:t>
-            </a:r>
-            <a:r>
-              <a:rPr lang="en-US" altLang="ko-KR" sz="1400" dirty="0" err="1" smtClean="0">
+              <a:rPr lang="en-US" altLang="ko-KR" sz="1400" dirty="0">
+                <a:solidFill>
+                  <a:schemeClr val="tx1">
+                    <a:lumMod val="75000"/>
+                    <a:lumOff val="25000"/>
+                  </a:schemeClr>
+                </a:solidFill>
+                <a:cs typeface="Arial" pitchFamily="34" charset="0"/>
+              </a:rPr>
+              <a:t> </a:t>
+            </a:r>
+            <a:r>
+              <a:rPr lang="en-US" altLang="ko-KR" sz="1400" dirty="0" err="1">
                 <a:solidFill>
                   <a:schemeClr val="tx1">
                     <a:lumMod val="75000"/>
@@ -16767,19 +16724,19 @@
               <a:t>cáh</a:t>
             </a:r>
             <a:r>
-              <a:rPr lang="en-US" altLang="ko-KR" sz="1400" dirty="0" smtClean="0">
-                <a:solidFill>
-                  <a:schemeClr val="tx1">
-                    <a:lumMod val="75000"/>
-                    <a:lumOff val="25000"/>
-                  </a:schemeClr>
-                </a:solidFill>
-                <a:cs typeface="Arial" pitchFamily="34" charset="0"/>
-              </a:rPr>
-              <a:t> </a:t>
-            </a:r>
-            <a:r>
-              <a:rPr lang="en-US" altLang="ko-KR" sz="1400" dirty="0" err="1" smtClean="0">
+              <a:rPr lang="en-US" altLang="ko-KR" sz="1400" dirty="0">
+                <a:solidFill>
+                  <a:schemeClr val="tx1">
+                    <a:lumMod val="75000"/>
+                    <a:lumOff val="25000"/>
+                  </a:schemeClr>
+                </a:solidFill>
+                <a:cs typeface="Arial" pitchFamily="34" charset="0"/>
+              </a:rPr>
+              <a:t> </a:t>
+            </a:r>
+            <a:r>
+              <a:rPr lang="en-US" altLang="ko-KR" sz="1400" dirty="0" err="1">
                 <a:solidFill>
                   <a:schemeClr val="tx1">
                     <a:lumMod val="75000"/>
@@ -16791,19 +16748,19 @@
               <a:t>triển</a:t>
             </a:r>
             <a:r>
-              <a:rPr lang="en-US" altLang="ko-KR" sz="1400" dirty="0" smtClean="0">
-                <a:solidFill>
-                  <a:schemeClr val="tx1">
-                    <a:lumMod val="75000"/>
-                    <a:lumOff val="25000"/>
-                  </a:schemeClr>
-                </a:solidFill>
-                <a:cs typeface="Arial" pitchFamily="34" charset="0"/>
-              </a:rPr>
-              <a:t> </a:t>
-            </a:r>
-            <a:r>
-              <a:rPr lang="en-US" altLang="ko-KR" sz="1400" dirty="0" err="1" smtClean="0">
+              <a:rPr lang="en-US" altLang="ko-KR" sz="1400" dirty="0">
+                <a:solidFill>
+                  <a:schemeClr val="tx1">
+                    <a:lumMod val="75000"/>
+                    <a:lumOff val="25000"/>
+                  </a:schemeClr>
+                </a:solidFill>
+                <a:cs typeface="Arial" pitchFamily="34" charset="0"/>
+              </a:rPr>
+              <a:t> </a:t>
+            </a:r>
+            <a:r>
+              <a:rPr lang="en-US" altLang="ko-KR" sz="1400" dirty="0" err="1">
                 <a:solidFill>
                   <a:schemeClr val="tx1">
                     <a:lumMod val="75000"/>
@@ -16815,19 +16772,19 @@
               <a:t>khai</a:t>
             </a:r>
             <a:r>
-              <a:rPr lang="en-US" altLang="ko-KR" sz="1400" dirty="0" smtClean="0">
-                <a:solidFill>
-                  <a:schemeClr val="tx1">
-                    <a:lumMod val="75000"/>
-                    <a:lumOff val="25000"/>
-                  </a:schemeClr>
-                </a:solidFill>
-                <a:cs typeface="Arial" pitchFamily="34" charset="0"/>
-              </a:rPr>
-              <a:t> </a:t>
-            </a:r>
-            <a:r>
-              <a:rPr lang="en-US" altLang="ko-KR" sz="1400" dirty="0" err="1" smtClean="0">
+              <a:rPr lang="en-US" altLang="ko-KR" sz="1400" dirty="0">
+                <a:solidFill>
+                  <a:schemeClr val="tx1">
+                    <a:lumMod val="75000"/>
+                    <a:lumOff val="25000"/>
+                  </a:schemeClr>
+                </a:solidFill>
+                <a:cs typeface="Arial" pitchFamily="34" charset="0"/>
+              </a:rPr>
+              <a:t> </a:t>
+            </a:r>
+            <a:r>
+              <a:rPr lang="en-US" altLang="ko-KR" sz="1400" dirty="0" err="1">
                 <a:solidFill>
                   <a:schemeClr val="tx1">
                     <a:lumMod val="75000"/>
@@ -16839,19 +16796,19 @@
               <a:t>và</a:t>
             </a:r>
             <a:r>
-              <a:rPr lang="en-US" altLang="ko-KR" sz="1400" dirty="0" smtClean="0">
-                <a:solidFill>
-                  <a:schemeClr val="tx1">
-                    <a:lumMod val="75000"/>
-                    <a:lumOff val="25000"/>
-                  </a:schemeClr>
-                </a:solidFill>
-                <a:cs typeface="Arial" pitchFamily="34" charset="0"/>
-              </a:rPr>
-              <a:t> </a:t>
-            </a:r>
-            <a:r>
-              <a:rPr lang="en-US" altLang="ko-KR" sz="1400" dirty="0" err="1" smtClean="0">
+              <a:rPr lang="en-US" altLang="ko-KR" sz="1400" dirty="0">
+                <a:solidFill>
+                  <a:schemeClr val="tx1">
+                    <a:lumMod val="75000"/>
+                    <a:lumOff val="25000"/>
+                  </a:schemeClr>
+                </a:solidFill>
+                <a:cs typeface="Arial" pitchFamily="34" charset="0"/>
+              </a:rPr>
+              <a:t> </a:t>
+            </a:r>
+            <a:r>
+              <a:rPr lang="en-US" altLang="ko-KR" sz="1400" dirty="0" err="1">
                 <a:solidFill>
                   <a:schemeClr val="tx1">
                     <a:lumMod val="75000"/>
@@ -16863,19 +16820,19 @@
               <a:t>xây</a:t>
             </a:r>
             <a:r>
-              <a:rPr lang="en-US" altLang="ko-KR" sz="1400" dirty="0" smtClean="0">
-                <a:solidFill>
-                  <a:schemeClr val="tx1">
-                    <a:lumMod val="75000"/>
-                    <a:lumOff val="25000"/>
-                  </a:schemeClr>
-                </a:solidFill>
-                <a:cs typeface="Arial" pitchFamily="34" charset="0"/>
-              </a:rPr>
-              <a:t> </a:t>
-            </a:r>
-            <a:r>
-              <a:rPr lang="en-US" altLang="ko-KR" sz="1400" dirty="0" err="1" smtClean="0">
+              <a:rPr lang="en-US" altLang="ko-KR" sz="1400" dirty="0">
+                <a:solidFill>
+                  <a:schemeClr val="tx1">
+                    <a:lumMod val="75000"/>
+                    <a:lumOff val="25000"/>
+                  </a:schemeClr>
+                </a:solidFill>
+                <a:cs typeface="Arial" pitchFamily="34" charset="0"/>
+              </a:rPr>
+              <a:t> </a:t>
+            </a:r>
+            <a:r>
+              <a:rPr lang="en-US" altLang="ko-KR" sz="1400" dirty="0" err="1">
                 <a:solidFill>
                   <a:schemeClr val="tx1">
                     <a:lumMod val="75000"/>
@@ -16887,19 +16844,19 @@
               <a:t>dựng</a:t>
             </a:r>
             <a:r>
-              <a:rPr lang="en-US" altLang="ko-KR" sz="1400" dirty="0" smtClean="0">
-                <a:solidFill>
-                  <a:schemeClr val="tx1">
-                    <a:lumMod val="75000"/>
-                    <a:lumOff val="25000"/>
-                  </a:schemeClr>
-                </a:solidFill>
-                <a:cs typeface="Arial" pitchFamily="34" charset="0"/>
-              </a:rPr>
-              <a:t> </a:t>
-            </a:r>
-            <a:r>
-              <a:rPr lang="en-US" altLang="ko-KR" sz="1400" dirty="0" err="1" smtClean="0">
+              <a:rPr lang="en-US" altLang="ko-KR" sz="1400" dirty="0">
+                <a:solidFill>
+                  <a:schemeClr val="tx1">
+                    <a:lumMod val="75000"/>
+                    <a:lumOff val="25000"/>
+                  </a:schemeClr>
+                </a:solidFill>
+                <a:cs typeface="Arial" pitchFamily="34" charset="0"/>
+              </a:rPr>
+              <a:t> </a:t>
+            </a:r>
+            <a:r>
+              <a:rPr lang="en-US" altLang="ko-KR" sz="1400" dirty="0" err="1">
                 <a:solidFill>
                   <a:schemeClr val="tx1">
                     <a:lumMod val="75000"/>
@@ -16911,19 +16868,19 @@
               <a:t>một</a:t>
             </a:r>
             <a:r>
-              <a:rPr lang="en-US" altLang="ko-KR" sz="1400" dirty="0" smtClean="0">
-                <a:solidFill>
-                  <a:schemeClr val="tx1">
-                    <a:lumMod val="75000"/>
-                    <a:lumOff val="25000"/>
-                  </a:schemeClr>
-                </a:solidFill>
-                <a:cs typeface="Arial" pitchFamily="34" charset="0"/>
-              </a:rPr>
-              <a:t> </a:t>
-            </a:r>
-            <a:r>
-              <a:rPr lang="en-US" altLang="ko-KR" sz="1400" dirty="0" err="1" smtClean="0">
+              <a:rPr lang="en-US" altLang="ko-KR" sz="1400" dirty="0">
+                <a:solidFill>
+                  <a:schemeClr val="tx1">
+                    <a:lumMod val="75000"/>
+                    <a:lumOff val="25000"/>
+                  </a:schemeClr>
+                </a:solidFill>
+                <a:cs typeface="Arial" pitchFamily="34" charset="0"/>
+              </a:rPr>
+              <a:t> </a:t>
+            </a:r>
+            <a:r>
+              <a:rPr lang="en-US" altLang="ko-KR" sz="1400" dirty="0" err="1">
                 <a:solidFill>
                   <a:schemeClr val="tx1">
                     <a:lumMod val="75000"/>
@@ -16935,19 +16892,19 @@
               <a:t>hệ</a:t>
             </a:r>
             <a:r>
-              <a:rPr lang="en-US" altLang="ko-KR" sz="1400" dirty="0" smtClean="0">
-                <a:solidFill>
-                  <a:schemeClr val="tx1">
-                    <a:lumMod val="75000"/>
-                    <a:lumOff val="25000"/>
-                  </a:schemeClr>
-                </a:solidFill>
-                <a:cs typeface="Arial" pitchFamily="34" charset="0"/>
-              </a:rPr>
-              <a:t> </a:t>
-            </a:r>
-            <a:r>
-              <a:rPr lang="en-US" altLang="ko-KR" sz="1400" dirty="0" err="1" smtClean="0">
+              <a:rPr lang="en-US" altLang="ko-KR" sz="1400" dirty="0">
+                <a:solidFill>
+                  <a:schemeClr val="tx1">
+                    <a:lumMod val="75000"/>
+                    <a:lumOff val="25000"/>
+                  </a:schemeClr>
+                </a:solidFill>
+                <a:cs typeface="Arial" pitchFamily="34" charset="0"/>
+              </a:rPr>
+              <a:t> </a:t>
+            </a:r>
+            <a:r>
+              <a:rPr lang="en-US" altLang="ko-KR" sz="1400" dirty="0" err="1">
                 <a:solidFill>
                   <a:schemeClr val="tx1">
                     <a:lumMod val="75000"/>
@@ -16959,7 +16916,7 @@
               <a:t>thống</a:t>
             </a:r>
             <a:r>
-              <a:rPr lang="en-US" altLang="ko-KR" sz="1400" dirty="0" smtClean="0">
+              <a:rPr lang="en-US" altLang="ko-KR" sz="1400" dirty="0">
                 <a:solidFill>
                   <a:schemeClr val="tx1">
                     <a:lumMod val="75000"/>
@@ -16972,7 +16929,7 @@
             </a:r>
           </a:p>
           <a:p>
-            <a:endParaRPr lang="en-US" altLang="ko-KR" sz="1400" dirty="0" smtClean="0">
+            <a:endParaRPr lang="en-US" altLang="ko-KR" sz="1400" dirty="0">
               <a:solidFill>
                 <a:schemeClr val="tx1">
                   <a:lumMod val="75000"/>
@@ -16988,7 +16945,7 @@
               <a:buChar char="•"/>
             </a:pPr>
             <a:r>
-              <a:rPr lang="en-US" altLang="ko-KR" sz="1400" dirty="0" err="1" smtClean="0">
+              <a:rPr lang="en-US" altLang="ko-KR" sz="1400" dirty="0" err="1">
                 <a:solidFill>
                   <a:schemeClr val="tx1">
                     <a:lumMod val="75000"/>
@@ -17000,19 +16957,19 @@
               <a:t>Xây</a:t>
             </a:r>
             <a:r>
-              <a:rPr lang="en-US" altLang="ko-KR" sz="1400" dirty="0" smtClean="0">
-                <a:solidFill>
-                  <a:schemeClr val="tx1">
-                    <a:lumMod val="75000"/>
-                    <a:lumOff val="25000"/>
-                  </a:schemeClr>
-                </a:solidFill>
-                <a:cs typeface="Arial" pitchFamily="34" charset="0"/>
-              </a:rPr>
-              <a:t> </a:t>
-            </a:r>
-            <a:r>
-              <a:rPr lang="en-US" altLang="ko-KR" sz="1400" dirty="0" err="1" smtClean="0">
+              <a:rPr lang="en-US" altLang="ko-KR" sz="1400" dirty="0">
+                <a:solidFill>
+                  <a:schemeClr val="tx1">
+                    <a:lumMod val="75000"/>
+                    <a:lumOff val="25000"/>
+                  </a:schemeClr>
+                </a:solidFill>
+                <a:cs typeface="Arial" pitchFamily="34" charset="0"/>
+              </a:rPr>
+              <a:t> </a:t>
+            </a:r>
+            <a:r>
+              <a:rPr lang="en-US" altLang="ko-KR" sz="1400" dirty="0" err="1">
                 <a:solidFill>
                   <a:schemeClr val="tx1">
                     <a:lumMod val="75000"/>
@@ -17024,19 +16981,19 @@
               <a:t>dựng</a:t>
             </a:r>
             <a:r>
-              <a:rPr lang="en-US" altLang="ko-KR" sz="1400" dirty="0" smtClean="0">
-                <a:solidFill>
-                  <a:schemeClr val="tx1">
-                    <a:lumMod val="75000"/>
-                    <a:lumOff val="25000"/>
-                  </a:schemeClr>
-                </a:solidFill>
-                <a:cs typeface="Arial" pitchFamily="34" charset="0"/>
-              </a:rPr>
-              <a:t> </a:t>
-            </a:r>
-            <a:r>
-              <a:rPr lang="en-US" altLang="ko-KR" sz="1400" dirty="0" err="1" smtClean="0">
+              <a:rPr lang="en-US" altLang="ko-KR" sz="1400" dirty="0">
+                <a:solidFill>
+                  <a:schemeClr val="tx1">
+                    <a:lumMod val="75000"/>
+                    <a:lumOff val="25000"/>
+                  </a:schemeClr>
+                </a:solidFill>
+                <a:cs typeface="Arial" pitchFamily="34" charset="0"/>
+              </a:rPr>
+              <a:t> </a:t>
+            </a:r>
+            <a:r>
+              <a:rPr lang="en-US" altLang="ko-KR" sz="1400" dirty="0" err="1">
                 <a:solidFill>
                   <a:schemeClr val="tx1">
                     <a:lumMod val="75000"/>
@@ -17048,19 +17005,19 @@
               <a:t>và</a:t>
             </a:r>
             <a:r>
-              <a:rPr lang="en-US" altLang="ko-KR" sz="1400" dirty="0" smtClean="0">
-                <a:solidFill>
-                  <a:schemeClr val="tx1">
-                    <a:lumMod val="75000"/>
-                    <a:lumOff val="25000"/>
-                  </a:schemeClr>
-                </a:solidFill>
-                <a:cs typeface="Arial" pitchFamily="34" charset="0"/>
-              </a:rPr>
-              <a:t> </a:t>
-            </a:r>
-            <a:r>
-              <a:rPr lang="en-US" altLang="ko-KR" sz="1400" dirty="0" err="1" smtClean="0">
+              <a:rPr lang="en-US" altLang="ko-KR" sz="1400" dirty="0">
+                <a:solidFill>
+                  <a:schemeClr val="tx1">
+                    <a:lumMod val="75000"/>
+                    <a:lumOff val="25000"/>
+                  </a:schemeClr>
+                </a:solidFill>
+                <a:cs typeface="Arial" pitchFamily="34" charset="0"/>
+              </a:rPr>
+              <a:t> </a:t>
+            </a:r>
+            <a:r>
+              <a:rPr lang="en-US" altLang="ko-KR" sz="1400" dirty="0" err="1">
                 <a:solidFill>
                   <a:schemeClr val="tx1">
                     <a:lumMod val="75000"/>
@@ -17072,19 +17029,19 @@
               <a:t>cấu</a:t>
             </a:r>
             <a:r>
-              <a:rPr lang="en-US" altLang="ko-KR" sz="1400" dirty="0" smtClean="0">
-                <a:solidFill>
-                  <a:schemeClr val="tx1">
-                    <a:lumMod val="75000"/>
-                    <a:lumOff val="25000"/>
-                  </a:schemeClr>
-                </a:solidFill>
-                <a:cs typeface="Arial" pitchFamily="34" charset="0"/>
-              </a:rPr>
-              <a:t> </a:t>
-            </a:r>
-            <a:r>
-              <a:rPr lang="en-US" altLang="ko-KR" sz="1400" dirty="0" err="1" smtClean="0">
+              <a:rPr lang="en-US" altLang="ko-KR" sz="1400" dirty="0">
+                <a:solidFill>
+                  <a:schemeClr val="tx1">
+                    <a:lumMod val="75000"/>
+                    <a:lumOff val="25000"/>
+                  </a:schemeClr>
+                </a:solidFill>
+                <a:cs typeface="Arial" pitchFamily="34" charset="0"/>
+              </a:rPr>
+              <a:t> </a:t>
+            </a:r>
+            <a:r>
+              <a:rPr lang="en-US" altLang="ko-KR" sz="1400" dirty="0" err="1">
                 <a:solidFill>
                   <a:schemeClr val="tx1">
                     <a:lumMod val="75000"/>
@@ -17096,19 +17053,19 @@
               <a:t>hình</a:t>
             </a:r>
             <a:r>
-              <a:rPr lang="en-US" altLang="ko-KR" sz="1400" dirty="0" smtClean="0">
-                <a:solidFill>
-                  <a:schemeClr val="tx1">
-                    <a:lumMod val="75000"/>
-                    <a:lumOff val="25000"/>
-                  </a:schemeClr>
-                </a:solidFill>
-                <a:cs typeface="Arial" pitchFamily="34" charset="0"/>
-              </a:rPr>
-              <a:t> </a:t>
-            </a:r>
-            <a:r>
-              <a:rPr lang="en-US" altLang="ko-KR" sz="1400" dirty="0" err="1" smtClean="0">
+              <a:rPr lang="en-US" altLang="ko-KR" sz="1400" dirty="0">
+                <a:solidFill>
+                  <a:schemeClr val="tx1">
+                    <a:lumMod val="75000"/>
+                    <a:lumOff val="25000"/>
+                  </a:schemeClr>
+                </a:solidFill>
+                <a:cs typeface="Arial" pitchFamily="34" charset="0"/>
+              </a:rPr>
+              <a:t> </a:t>
+            </a:r>
+            <a:r>
+              <a:rPr lang="en-US" altLang="ko-KR" sz="1400" dirty="0" err="1">
                 <a:solidFill>
                   <a:schemeClr val="tx1">
                     <a:lumMod val="75000"/>
@@ -17120,7 +17077,7 @@
               <a:t>cá</a:t>
             </a:r>
             <a:r>
-              <a:rPr lang="en-US" altLang="ko-KR" sz="1400" dirty="0" smtClean="0">
+              <a:rPr lang="en-US" altLang="ko-KR" sz="1400" dirty="0">
                 <a:solidFill>
                   <a:schemeClr val="tx1">
                     <a:lumMod val="75000"/>
@@ -17132,7 +17089,7 @@
               <a:t> module </a:t>
             </a:r>
             <a:r>
-              <a:rPr lang="en-US" altLang="ko-KR" sz="1400" dirty="0" err="1" smtClean="0">
+              <a:rPr lang="en-US" altLang="ko-KR" sz="1400" dirty="0" err="1">
                 <a:solidFill>
                   <a:schemeClr val="tx1">
                     <a:lumMod val="75000"/>
@@ -17144,19 +17101,19 @@
               <a:t>riêng</a:t>
             </a:r>
             <a:r>
-              <a:rPr lang="en-US" altLang="ko-KR" sz="1400" dirty="0" smtClean="0">
-                <a:solidFill>
-                  <a:schemeClr val="tx1">
-                    <a:lumMod val="75000"/>
-                    <a:lumOff val="25000"/>
-                  </a:schemeClr>
-                </a:solidFill>
-                <a:cs typeface="Arial" pitchFamily="34" charset="0"/>
-              </a:rPr>
-              <a:t> </a:t>
-            </a:r>
-            <a:r>
-              <a:rPr lang="en-US" altLang="ko-KR" sz="1400" dirty="0" err="1" smtClean="0">
+              <a:rPr lang="en-US" altLang="ko-KR" sz="1400" dirty="0">
+                <a:solidFill>
+                  <a:schemeClr val="tx1">
+                    <a:lumMod val="75000"/>
+                    <a:lumOff val="25000"/>
+                  </a:schemeClr>
+                </a:solidFill>
+                <a:cs typeface="Arial" pitchFamily="34" charset="0"/>
+              </a:rPr>
+              <a:t> </a:t>
+            </a:r>
+            <a:r>
+              <a:rPr lang="en-US" altLang="ko-KR" sz="1400" dirty="0" err="1">
                 <a:solidFill>
                   <a:schemeClr val="tx1">
                     <a:lumMod val="75000"/>
@@ -17168,19 +17125,19 @@
               <a:t>biệt</a:t>
             </a:r>
             <a:r>
-              <a:rPr lang="en-US" altLang="ko-KR" sz="1400" dirty="0" smtClean="0">
-                <a:solidFill>
-                  <a:schemeClr val="tx1">
-                    <a:lumMod val="75000"/>
-                    <a:lumOff val="25000"/>
-                  </a:schemeClr>
-                </a:solidFill>
-                <a:cs typeface="Arial" pitchFamily="34" charset="0"/>
-              </a:rPr>
-              <a:t> </a:t>
-            </a:r>
-            <a:r>
-              <a:rPr lang="en-US" altLang="ko-KR" sz="1400" dirty="0" err="1" smtClean="0">
+              <a:rPr lang="en-US" altLang="ko-KR" sz="1400" dirty="0">
+                <a:solidFill>
+                  <a:schemeClr val="tx1">
+                    <a:lumMod val="75000"/>
+                    <a:lumOff val="25000"/>
+                  </a:schemeClr>
+                </a:solidFill>
+                <a:cs typeface="Arial" pitchFamily="34" charset="0"/>
+              </a:rPr>
+              <a:t> </a:t>
+            </a:r>
+            <a:r>
+              <a:rPr lang="en-US" altLang="ko-KR" sz="1400" dirty="0" err="1">
                 <a:solidFill>
                   <a:schemeClr val="tx1">
                     <a:lumMod val="75000"/>
@@ -17192,19 +17149,19 @@
               <a:t>cho</a:t>
             </a:r>
             <a:r>
-              <a:rPr lang="en-US" altLang="ko-KR" sz="1400" dirty="0" smtClean="0">
-                <a:solidFill>
-                  <a:schemeClr val="tx1">
-                    <a:lumMod val="75000"/>
-                    <a:lumOff val="25000"/>
-                  </a:schemeClr>
-                </a:solidFill>
-                <a:cs typeface="Arial" pitchFamily="34" charset="0"/>
-              </a:rPr>
-              <a:t> </a:t>
-            </a:r>
-            <a:r>
-              <a:rPr lang="en-US" altLang="ko-KR" sz="1400" dirty="0" err="1" smtClean="0">
+              <a:rPr lang="en-US" altLang="ko-KR" sz="1400" dirty="0">
+                <a:solidFill>
+                  <a:schemeClr val="tx1">
+                    <a:lumMod val="75000"/>
+                    <a:lumOff val="25000"/>
+                  </a:schemeClr>
+                </a:solidFill>
+                <a:cs typeface="Arial" pitchFamily="34" charset="0"/>
+              </a:rPr>
+              <a:t> </a:t>
+            </a:r>
+            <a:r>
+              <a:rPr lang="en-US" altLang="ko-KR" sz="1400" dirty="0" err="1">
                 <a:solidFill>
                   <a:schemeClr val="tx1">
                     <a:lumMod val="75000"/>
@@ -17216,19 +17173,19 @@
               <a:t>từng</a:t>
             </a:r>
             <a:r>
-              <a:rPr lang="en-US" altLang="ko-KR" sz="1400" dirty="0" smtClean="0">
-                <a:solidFill>
-                  <a:schemeClr val="tx1">
-                    <a:lumMod val="75000"/>
-                    <a:lumOff val="25000"/>
-                  </a:schemeClr>
-                </a:solidFill>
-                <a:cs typeface="Arial" pitchFamily="34" charset="0"/>
-              </a:rPr>
-              <a:t> </a:t>
-            </a:r>
-            <a:r>
-              <a:rPr lang="en-US" altLang="ko-KR" sz="1400" dirty="0" err="1" smtClean="0">
+              <a:rPr lang="en-US" altLang="ko-KR" sz="1400" dirty="0">
+                <a:solidFill>
+                  <a:schemeClr val="tx1">
+                    <a:lumMod val="75000"/>
+                    <a:lumOff val="25000"/>
+                  </a:schemeClr>
+                </a:solidFill>
+                <a:cs typeface="Arial" pitchFamily="34" charset="0"/>
+              </a:rPr>
+              <a:t> </a:t>
+            </a:r>
+            <a:r>
+              <a:rPr lang="en-US" altLang="ko-KR" sz="1400" dirty="0" err="1">
                 <a:solidFill>
                   <a:schemeClr val="tx1">
                     <a:lumMod val="75000"/>
@@ -17240,19 +17197,19 @@
               <a:t>chức</a:t>
             </a:r>
             <a:r>
-              <a:rPr lang="en-US" altLang="ko-KR" sz="1400" dirty="0" smtClean="0">
-                <a:solidFill>
-                  <a:schemeClr val="tx1">
-                    <a:lumMod val="75000"/>
-                    <a:lumOff val="25000"/>
-                  </a:schemeClr>
-                </a:solidFill>
-                <a:cs typeface="Arial" pitchFamily="34" charset="0"/>
-              </a:rPr>
-              <a:t> </a:t>
-            </a:r>
-            <a:r>
-              <a:rPr lang="en-US" altLang="ko-KR" sz="1400" dirty="0" err="1" smtClean="0">
+              <a:rPr lang="en-US" altLang="ko-KR" sz="1400" dirty="0">
+                <a:solidFill>
+                  <a:schemeClr val="tx1">
+                    <a:lumMod val="75000"/>
+                    <a:lumOff val="25000"/>
+                  </a:schemeClr>
+                </a:solidFill>
+                <a:cs typeface="Arial" pitchFamily="34" charset="0"/>
+              </a:rPr>
+              <a:t> </a:t>
+            </a:r>
+            <a:r>
+              <a:rPr lang="en-US" altLang="ko-KR" sz="1400" dirty="0" err="1">
                 <a:solidFill>
                   <a:schemeClr val="tx1">
                     <a:lumMod val="75000"/>
@@ -17264,19 +17221,19 @@
               <a:t>năng</a:t>
             </a:r>
             <a:r>
-              <a:rPr lang="en-US" altLang="ko-KR" sz="1400" dirty="0" smtClean="0">
-                <a:solidFill>
-                  <a:schemeClr val="tx1">
-                    <a:lumMod val="75000"/>
-                    <a:lumOff val="25000"/>
-                  </a:schemeClr>
-                </a:solidFill>
-                <a:cs typeface="Arial" pitchFamily="34" charset="0"/>
-              </a:rPr>
-              <a:t> </a:t>
-            </a:r>
-            <a:r>
-              <a:rPr lang="en-US" altLang="ko-KR" sz="1400" dirty="0" err="1" smtClean="0">
+              <a:rPr lang="en-US" altLang="ko-KR" sz="1400" dirty="0">
+                <a:solidFill>
+                  <a:schemeClr val="tx1">
+                    <a:lumMod val="75000"/>
+                    <a:lumOff val="25000"/>
+                  </a:schemeClr>
+                </a:solidFill>
+                <a:cs typeface="Arial" pitchFamily="34" charset="0"/>
+              </a:rPr>
+              <a:t> </a:t>
+            </a:r>
+            <a:r>
+              <a:rPr lang="en-US" altLang="ko-KR" sz="1400" dirty="0" err="1">
                 <a:solidFill>
                   <a:schemeClr val="tx1">
                     <a:lumMod val="75000"/>
@@ -17288,19 +17245,19 @@
               <a:t>có</a:t>
             </a:r>
             <a:r>
-              <a:rPr lang="en-US" altLang="ko-KR" sz="1400" dirty="0" smtClean="0">
-                <a:solidFill>
-                  <a:schemeClr val="tx1">
-                    <a:lumMod val="75000"/>
-                    <a:lumOff val="25000"/>
-                  </a:schemeClr>
-                </a:solidFill>
-                <a:cs typeface="Arial" pitchFamily="34" charset="0"/>
-              </a:rPr>
-              <a:t> </a:t>
-            </a:r>
-            <a:r>
-              <a:rPr lang="en-US" altLang="ko-KR" sz="1400" dirty="0" err="1" smtClean="0">
+              <a:rPr lang="en-US" altLang="ko-KR" sz="1400" dirty="0">
+                <a:solidFill>
+                  <a:schemeClr val="tx1">
+                    <a:lumMod val="75000"/>
+                    <a:lumOff val="25000"/>
+                  </a:schemeClr>
+                </a:solidFill>
+                <a:cs typeface="Arial" pitchFamily="34" charset="0"/>
+              </a:rPr>
+              <a:t> </a:t>
+            </a:r>
+            <a:r>
+              <a:rPr lang="en-US" altLang="ko-KR" sz="1400" dirty="0" err="1">
                 <a:solidFill>
                   <a:schemeClr val="tx1">
                     <a:lumMod val="75000"/>
@@ -17312,19 +17269,19 @@
               <a:t>trong</a:t>
             </a:r>
             <a:r>
-              <a:rPr lang="en-US" altLang="ko-KR" sz="1400" dirty="0" smtClean="0">
-                <a:solidFill>
-                  <a:schemeClr val="tx1">
-                    <a:lumMod val="75000"/>
-                    <a:lumOff val="25000"/>
-                  </a:schemeClr>
-                </a:solidFill>
-                <a:cs typeface="Arial" pitchFamily="34" charset="0"/>
-              </a:rPr>
-              <a:t> </a:t>
-            </a:r>
-            <a:r>
-              <a:rPr lang="en-US" altLang="ko-KR" sz="1400" dirty="0" err="1" smtClean="0">
+              <a:rPr lang="en-US" altLang="ko-KR" sz="1400" dirty="0">
+                <a:solidFill>
+                  <a:schemeClr val="tx1">
+                    <a:lumMod val="75000"/>
+                    <a:lumOff val="25000"/>
+                  </a:schemeClr>
+                </a:solidFill>
+                <a:cs typeface="Arial" pitchFamily="34" charset="0"/>
+              </a:rPr>
+              <a:t> </a:t>
+            </a:r>
+            <a:r>
+              <a:rPr lang="en-US" altLang="ko-KR" sz="1400" dirty="0" err="1">
                 <a:solidFill>
                   <a:schemeClr val="tx1">
                     <a:lumMod val="75000"/>
@@ -17336,19 +17293,19 @@
               <a:t>phần</a:t>
             </a:r>
             <a:r>
-              <a:rPr lang="en-US" altLang="ko-KR" sz="1400" dirty="0" smtClean="0">
-                <a:solidFill>
-                  <a:schemeClr val="tx1">
-                    <a:lumMod val="75000"/>
-                    <a:lumOff val="25000"/>
-                  </a:schemeClr>
-                </a:solidFill>
-                <a:cs typeface="Arial" pitchFamily="34" charset="0"/>
-              </a:rPr>
-              <a:t> </a:t>
-            </a:r>
-            <a:r>
-              <a:rPr lang="en-US" altLang="ko-KR" sz="1400" dirty="0" err="1" smtClean="0">
+              <a:rPr lang="en-US" altLang="ko-KR" sz="1400" dirty="0">
+                <a:solidFill>
+                  <a:schemeClr val="tx1">
+                    <a:lumMod val="75000"/>
+                    <a:lumOff val="25000"/>
+                  </a:schemeClr>
+                </a:solidFill>
+                <a:cs typeface="Arial" pitchFamily="34" charset="0"/>
+              </a:rPr>
+              <a:t> </a:t>
+            </a:r>
+            <a:r>
+              <a:rPr lang="en-US" altLang="ko-KR" sz="1400" dirty="0" err="1">
                 <a:solidFill>
                   <a:schemeClr val="tx1">
                     <a:lumMod val="75000"/>
@@ -17360,19 +17317,19 @@
               <a:t>mềm</a:t>
             </a:r>
             <a:r>
-              <a:rPr lang="en-US" altLang="ko-KR" sz="1400" dirty="0" smtClean="0">
-                <a:solidFill>
-                  <a:schemeClr val="tx1">
-                    <a:lumMod val="75000"/>
-                    <a:lumOff val="25000"/>
-                  </a:schemeClr>
-                </a:solidFill>
-                <a:cs typeface="Arial" pitchFamily="34" charset="0"/>
-              </a:rPr>
-              <a:t> </a:t>
-            </a:r>
-            <a:r>
-              <a:rPr lang="en-US" altLang="ko-KR" sz="1400" dirty="0" err="1" smtClean="0">
+              <a:rPr lang="en-US" altLang="ko-KR" sz="1400" dirty="0">
+                <a:solidFill>
+                  <a:schemeClr val="tx1">
+                    <a:lumMod val="75000"/>
+                    <a:lumOff val="25000"/>
+                  </a:schemeClr>
+                </a:solidFill>
+                <a:cs typeface="Arial" pitchFamily="34" charset="0"/>
+              </a:rPr>
+              <a:t> </a:t>
+            </a:r>
+            <a:r>
+              <a:rPr lang="en-US" altLang="ko-KR" sz="1400" dirty="0" err="1">
                 <a:solidFill>
                   <a:schemeClr val="tx1">
                     <a:lumMod val="75000"/>
@@ -17384,19 +17341,19 @@
               <a:t>chính</a:t>
             </a:r>
             <a:r>
-              <a:rPr lang="en-US" altLang="ko-KR" sz="1400" dirty="0" smtClean="0">
-                <a:solidFill>
-                  <a:schemeClr val="tx1">
-                    <a:lumMod val="75000"/>
-                    <a:lumOff val="25000"/>
-                  </a:schemeClr>
-                </a:solidFill>
-                <a:cs typeface="Arial" pitchFamily="34" charset="0"/>
-              </a:rPr>
-              <a:t> </a:t>
-            </a:r>
-            <a:r>
-              <a:rPr lang="en-US" altLang="ko-KR" sz="1400" dirty="0" err="1" smtClean="0">
+              <a:rPr lang="en-US" altLang="ko-KR" sz="1400" dirty="0">
+                <a:solidFill>
+                  <a:schemeClr val="tx1">
+                    <a:lumMod val="75000"/>
+                    <a:lumOff val="25000"/>
+                  </a:schemeClr>
+                </a:solidFill>
+                <a:cs typeface="Arial" pitchFamily="34" charset="0"/>
+              </a:rPr>
+              <a:t> </a:t>
+            </a:r>
+            <a:r>
+              <a:rPr lang="en-US" altLang="ko-KR" sz="1400" dirty="0" err="1">
                 <a:solidFill>
                   <a:schemeClr val="tx1">
                     <a:lumMod val="75000"/>
@@ -17408,7 +17365,7 @@
               <a:t>xác</a:t>
             </a:r>
             <a:r>
-              <a:rPr lang="en-US" altLang="ko-KR" sz="1400" dirty="0" smtClean="0">
+              <a:rPr lang="en-US" altLang="ko-KR" sz="1400" dirty="0">
                 <a:solidFill>
                   <a:schemeClr val="tx1">
                     <a:lumMod val="75000"/>
@@ -17420,7 +17377,7 @@
               <a:t>. </a:t>
             </a:r>
             <a:r>
-              <a:rPr lang="en-US" altLang="ko-KR" sz="1400" dirty="0" err="1" smtClean="0">
+              <a:rPr lang="en-US" altLang="ko-KR" sz="1400" dirty="0" err="1">
                 <a:solidFill>
                   <a:schemeClr val="tx1">
                     <a:lumMod val="75000"/>
@@ -17432,19 +17389,19 @@
               <a:t>Triền</a:t>
             </a:r>
             <a:r>
-              <a:rPr lang="en-US" altLang="ko-KR" sz="1400" dirty="0" smtClean="0">
-                <a:solidFill>
-                  <a:schemeClr val="tx1">
-                    <a:lumMod val="75000"/>
-                    <a:lumOff val="25000"/>
-                  </a:schemeClr>
-                </a:solidFill>
-                <a:cs typeface="Arial" pitchFamily="34" charset="0"/>
-              </a:rPr>
-              <a:t> </a:t>
-            </a:r>
-            <a:r>
-              <a:rPr lang="en-US" altLang="ko-KR" sz="1400" dirty="0" err="1" smtClean="0">
+              <a:rPr lang="en-US" altLang="ko-KR" sz="1400" dirty="0">
+                <a:solidFill>
+                  <a:schemeClr val="tx1">
+                    <a:lumMod val="75000"/>
+                    <a:lumOff val="25000"/>
+                  </a:schemeClr>
+                </a:solidFill>
+                <a:cs typeface="Arial" pitchFamily="34" charset="0"/>
+              </a:rPr>
+              <a:t> </a:t>
+            </a:r>
+            <a:r>
+              <a:rPr lang="en-US" altLang="ko-KR" sz="1400" dirty="0" err="1">
                 <a:solidFill>
                   <a:schemeClr val="tx1">
                     <a:lumMod val="75000"/>
@@ -17456,19 +17413,19 @@
               <a:t>khai</a:t>
             </a:r>
             <a:r>
-              <a:rPr lang="en-US" altLang="ko-KR" sz="1400" dirty="0" smtClean="0">
-                <a:solidFill>
-                  <a:schemeClr val="tx1">
-                    <a:lumMod val="75000"/>
-                    <a:lumOff val="25000"/>
-                  </a:schemeClr>
-                </a:solidFill>
-                <a:cs typeface="Arial" pitchFamily="34" charset="0"/>
-              </a:rPr>
-              <a:t> </a:t>
-            </a:r>
-            <a:r>
-              <a:rPr lang="en-US" altLang="ko-KR" sz="1400" dirty="0" err="1" smtClean="0">
+              <a:rPr lang="en-US" altLang="ko-KR" sz="1400" dirty="0">
+                <a:solidFill>
+                  <a:schemeClr val="tx1">
+                    <a:lumMod val="75000"/>
+                    <a:lumOff val="25000"/>
+                  </a:schemeClr>
+                </a:solidFill>
+                <a:cs typeface="Arial" pitchFamily="34" charset="0"/>
+              </a:rPr>
+              <a:t> </a:t>
+            </a:r>
+            <a:r>
+              <a:rPr lang="en-US" altLang="ko-KR" sz="1400" dirty="0" err="1">
                 <a:solidFill>
                   <a:schemeClr val="tx1">
                     <a:lumMod val="75000"/>
@@ -17480,19 +17437,19 @@
               <a:t>công</a:t>
             </a:r>
             <a:r>
-              <a:rPr lang="en-US" altLang="ko-KR" sz="1400" dirty="0" smtClean="0">
-                <a:solidFill>
-                  <a:schemeClr val="tx1">
-                    <a:lumMod val="75000"/>
-                    <a:lumOff val="25000"/>
-                  </a:schemeClr>
-                </a:solidFill>
-                <a:cs typeface="Arial" pitchFamily="34" charset="0"/>
-              </a:rPr>
-              <a:t> </a:t>
-            </a:r>
-            <a:r>
-              <a:rPr lang="en-US" altLang="ko-KR" sz="1400" dirty="0" err="1" smtClean="0">
+              <a:rPr lang="en-US" altLang="ko-KR" sz="1400" dirty="0">
+                <a:solidFill>
+                  <a:schemeClr val="tx1">
+                    <a:lumMod val="75000"/>
+                    <a:lumOff val="25000"/>
+                  </a:schemeClr>
+                </a:solidFill>
+                <a:cs typeface="Arial" pitchFamily="34" charset="0"/>
+              </a:rPr>
+              <a:t> </a:t>
+            </a:r>
+            <a:r>
+              <a:rPr lang="en-US" altLang="ko-KR" sz="1400" dirty="0" err="1">
                 <a:solidFill>
                   <a:schemeClr val="tx1">
                     <a:lumMod val="75000"/>
@@ -17504,19 +17461,19 @@
               <a:t>việc</a:t>
             </a:r>
             <a:r>
-              <a:rPr lang="en-US" altLang="ko-KR" sz="1400" dirty="0" smtClean="0">
-                <a:solidFill>
-                  <a:schemeClr val="tx1">
-                    <a:lumMod val="75000"/>
-                    <a:lumOff val="25000"/>
-                  </a:schemeClr>
-                </a:solidFill>
-                <a:cs typeface="Arial" pitchFamily="34" charset="0"/>
-              </a:rPr>
-              <a:t> </a:t>
-            </a:r>
-            <a:r>
-              <a:rPr lang="en-US" altLang="ko-KR" sz="1400" dirty="0" err="1" smtClean="0">
+              <a:rPr lang="en-US" altLang="ko-KR" sz="1400" dirty="0">
+                <a:solidFill>
+                  <a:schemeClr val="tx1">
+                    <a:lumMod val="75000"/>
+                    <a:lumOff val="25000"/>
+                  </a:schemeClr>
+                </a:solidFill>
+                <a:cs typeface="Arial" pitchFamily="34" charset="0"/>
+              </a:rPr>
+              <a:t> </a:t>
+            </a:r>
+            <a:r>
+              <a:rPr lang="en-US" altLang="ko-KR" sz="1400" dirty="0" err="1">
                 <a:solidFill>
                   <a:schemeClr val="tx1">
                     <a:lumMod val="75000"/>
@@ -17528,19 +17485,19 @@
               <a:t>theo</a:t>
             </a:r>
             <a:r>
-              <a:rPr lang="en-US" altLang="ko-KR" sz="1400" dirty="0" smtClean="0">
-                <a:solidFill>
-                  <a:schemeClr val="tx1">
-                    <a:lumMod val="75000"/>
-                    <a:lumOff val="25000"/>
-                  </a:schemeClr>
-                </a:solidFill>
-                <a:cs typeface="Arial" pitchFamily="34" charset="0"/>
-              </a:rPr>
-              <a:t> </a:t>
-            </a:r>
-            <a:r>
-              <a:rPr lang="en-US" altLang="ko-KR" sz="1400" dirty="0" err="1" smtClean="0">
+              <a:rPr lang="en-US" altLang="ko-KR" sz="1400" dirty="0">
+                <a:solidFill>
+                  <a:schemeClr val="tx1">
+                    <a:lumMod val="75000"/>
+                    <a:lumOff val="25000"/>
+                  </a:schemeClr>
+                </a:solidFill>
+                <a:cs typeface="Arial" pitchFamily="34" charset="0"/>
+              </a:rPr>
+              <a:t> </a:t>
+            </a:r>
+            <a:r>
+              <a:rPr lang="en-US" altLang="ko-KR" sz="1400" dirty="0" err="1">
                 <a:solidFill>
                   <a:schemeClr val="tx1">
                     <a:lumMod val="75000"/>
@@ -17552,19 +17509,19 @@
               <a:t>một</a:t>
             </a:r>
             <a:r>
-              <a:rPr lang="en-US" altLang="ko-KR" sz="1400" dirty="0" smtClean="0">
-                <a:solidFill>
-                  <a:schemeClr val="tx1">
-                    <a:lumMod val="75000"/>
-                    <a:lumOff val="25000"/>
-                  </a:schemeClr>
-                </a:solidFill>
-                <a:cs typeface="Arial" pitchFamily="34" charset="0"/>
-              </a:rPr>
-              <a:t> </a:t>
-            </a:r>
-            <a:r>
-              <a:rPr lang="en-US" altLang="ko-KR" sz="1400" dirty="0" err="1" smtClean="0">
+              <a:rPr lang="en-US" altLang="ko-KR" sz="1400" dirty="0">
+                <a:solidFill>
+                  <a:schemeClr val="tx1">
+                    <a:lumMod val="75000"/>
+                    <a:lumOff val="25000"/>
+                  </a:schemeClr>
+                </a:solidFill>
+                <a:cs typeface="Arial" pitchFamily="34" charset="0"/>
+              </a:rPr>
+              <a:t> </a:t>
+            </a:r>
+            <a:r>
+              <a:rPr lang="en-US" altLang="ko-KR" sz="1400" dirty="0" err="1">
                 <a:solidFill>
                   <a:schemeClr val="tx1">
                     <a:lumMod val="75000"/>
@@ -17576,19 +17533,19 @@
               <a:t>quá</a:t>
             </a:r>
             <a:r>
-              <a:rPr lang="en-US" altLang="ko-KR" sz="1400" dirty="0" smtClean="0">
-                <a:solidFill>
-                  <a:schemeClr val="tx1">
-                    <a:lumMod val="75000"/>
-                    <a:lumOff val="25000"/>
-                  </a:schemeClr>
-                </a:solidFill>
-                <a:cs typeface="Arial" pitchFamily="34" charset="0"/>
-              </a:rPr>
-              <a:t> </a:t>
-            </a:r>
-            <a:r>
-              <a:rPr lang="en-US" altLang="ko-KR" sz="1400" dirty="0" err="1" smtClean="0">
+              <a:rPr lang="en-US" altLang="ko-KR" sz="1400" dirty="0">
+                <a:solidFill>
+                  <a:schemeClr val="tx1">
+                    <a:lumMod val="75000"/>
+                    <a:lumOff val="25000"/>
+                  </a:schemeClr>
+                </a:solidFill>
+                <a:cs typeface="Arial" pitchFamily="34" charset="0"/>
+              </a:rPr>
+              <a:t> </a:t>
+            </a:r>
+            <a:r>
+              <a:rPr lang="en-US" altLang="ko-KR" sz="1400" dirty="0" err="1">
                 <a:solidFill>
                   <a:schemeClr val="tx1">
                     <a:lumMod val="75000"/>
@@ -17600,19 +17557,19 @@
               <a:t>trình</a:t>
             </a:r>
             <a:r>
-              <a:rPr lang="en-US" altLang="ko-KR" sz="1400" dirty="0" smtClean="0">
-                <a:solidFill>
-                  <a:schemeClr val="tx1">
-                    <a:lumMod val="75000"/>
-                    <a:lumOff val="25000"/>
-                  </a:schemeClr>
-                </a:solidFill>
-                <a:cs typeface="Arial" pitchFamily="34" charset="0"/>
-              </a:rPr>
-              <a:t> </a:t>
-            </a:r>
-            <a:r>
-              <a:rPr lang="en-US" altLang="ko-KR" sz="1400" dirty="0" err="1" smtClean="0">
+              <a:rPr lang="en-US" altLang="ko-KR" sz="1400" dirty="0">
+                <a:solidFill>
+                  <a:schemeClr val="tx1">
+                    <a:lumMod val="75000"/>
+                    <a:lumOff val="25000"/>
+                  </a:schemeClr>
+                </a:solidFill>
+                <a:cs typeface="Arial" pitchFamily="34" charset="0"/>
+              </a:rPr>
+              <a:t> </a:t>
+            </a:r>
+            <a:r>
+              <a:rPr lang="en-US" altLang="ko-KR" sz="1400" dirty="0" err="1">
                 <a:solidFill>
                   <a:schemeClr val="tx1">
                     <a:lumMod val="75000"/>
@@ -17624,19 +17581,19 @@
               <a:t>được</a:t>
             </a:r>
             <a:r>
-              <a:rPr lang="en-US" altLang="ko-KR" sz="1400" dirty="0" smtClean="0">
-                <a:solidFill>
-                  <a:schemeClr val="tx1">
-                    <a:lumMod val="75000"/>
-                    <a:lumOff val="25000"/>
-                  </a:schemeClr>
-                </a:solidFill>
-                <a:cs typeface="Arial" pitchFamily="34" charset="0"/>
-              </a:rPr>
-              <a:t> </a:t>
-            </a:r>
-            <a:r>
-              <a:rPr lang="en-US" altLang="ko-KR" sz="1400" dirty="0" err="1" smtClean="0">
+              <a:rPr lang="en-US" altLang="ko-KR" sz="1400" dirty="0">
+                <a:solidFill>
+                  <a:schemeClr val="tx1">
+                    <a:lumMod val="75000"/>
+                    <a:lumOff val="25000"/>
+                  </a:schemeClr>
+                </a:solidFill>
+                <a:cs typeface="Arial" pitchFamily="34" charset="0"/>
+              </a:rPr>
+              <a:t> </a:t>
+            </a:r>
+            <a:r>
+              <a:rPr lang="en-US" altLang="ko-KR" sz="1400" dirty="0" err="1">
                 <a:solidFill>
                   <a:schemeClr val="tx1">
                     <a:lumMod val="75000"/>
@@ -17648,19 +17605,19 @@
               <a:t>lập</a:t>
             </a:r>
             <a:r>
-              <a:rPr lang="en-US" altLang="ko-KR" sz="1400" dirty="0" smtClean="0">
-                <a:solidFill>
-                  <a:schemeClr val="tx1">
-                    <a:lumMod val="75000"/>
-                    <a:lumOff val="25000"/>
-                  </a:schemeClr>
-                </a:solidFill>
-                <a:cs typeface="Arial" pitchFamily="34" charset="0"/>
-              </a:rPr>
-              <a:t> </a:t>
-            </a:r>
-            <a:r>
-              <a:rPr lang="en-US" altLang="ko-KR" sz="1400" dirty="0" err="1" smtClean="0">
+              <a:rPr lang="en-US" altLang="ko-KR" sz="1400" dirty="0">
+                <a:solidFill>
+                  <a:schemeClr val="tx1">
+                    <a:lumMod val="75000"/>
+                    <a:lumOff val="25000"/>
+                  </a:schemeClr>
+                </a:solidFill>
+                <a:cs typeface="Arial" pitchFamily="34" charset="0"/>
+              </a:rPr>
+              <a:t> </a:t>
+            </a:r>
+            <a:r>
+              <a:rPr lang="en-US" altLang="ko-KR" sz="1400" dirty="0" err="1">
                 <a:solidFill>
                   <a:schemeClr val="tx1">
                     <a:lumMod val="75000"/>
@@ -17672,7 +17629,7 @@
               <a:t>sẵn</a:t>
             </a:r>
             <a:r>
-              <a:rPr lang="en-US" altLang="ko-KR" sz="1400" dirty="0" smtClean="0">
+              <a:rPr lang="en-US" altLang="ko-KR" sz="1400" dirty="0">
                 <a:solidFill>
                   <a:schemeClr val="tx1">
                     <a:lumMod val="75000"/>
@@ -17685,7 +17642,7 @@
             </a:r>
           </a:p>
           <a:p>
-            <a:endParaRPr lang="en-US" altLang="ko-KR" sz="1400" dirty="0" smtClean="0">
+            <a:endParaRPr lang="en-US" altLang="ko-KR" sz="1400" dirty="0">
               <a:solidFill>
                 <a:schemeClr val="tx1">
                   <a:lumMod val="75000"/>
@@ -17701,7 +17658,7 @@
               <a:buChar char="•"/>
             </a:pPr>
             <a:r>
-              <a:rPr lang="en-US" altLang="ko-KR" sz="1400" dirty="0" err="1" smtClean="0">
+              <a:rPr lang="en-US" altLang="ko-KR" sz="1400" dirty="0" err="1">
                 <a:solidFill>
                   <a:schemeClr val="tx1">
                     <a:lumMod val="75000"/>
@@ -17713,19 +17670,19 @@
               <a:t>Xây</a:t>
             </a:r>
             <a:r>
-              <a:rPr lang="en-US" altLang="ko-KR" sz="1400" dirty="0" smtClean="0">
-                <a:solidFill>
-                  <a:schemeClr val="tx1">
-                    <a:lumMod val="75000"/>
-                    <a:lumOff val="25000"/>
-                  </a:schemeClr>
-                </a:solidFill>
-                <a:cs typeface="Arial" pitchFamily="34" charset="0"/>
-              </a:rPr>
-              <a:t> </a:t>
-            </a:r>
-            <a:r>
-              <a:rPr lang="en-US" altLang="ko-KR" sz="1400" dirty="0" err="1" smtClean="0">
+              <a:rPr lang="en-US" altLang="ko-KR" sz="1400" dirty="0">
+                <a:solidFill>
+                  <a:schemeClr val="tx1">
+                    <a:lumMod val="75000"/>
+                    <a:lumOff val="25000"/>
+                  </a:schemeClr>
+                </a:solidFill>
+                <a:cs typeface="Arial" pitchFamily="34" charset="0"/>
+              </a:rPr>
+              <a:t> </a:t>
+            </a:r>
+            <a:r>
+              <a:rPr lang="en-US" altLang="ko-KR" sz="1400" dirty="0" err="1">
                 <a:solidFill>
                   <a:schemeClr val="tx1">
                     <a:lumMod val="75000"/>
@@ -17737,19 +17694,19 @@
               <a:t>dựng</a:t>
             </a:r>
             <a:r>
-              <a:rPr lang="en-US" altLang="ko-KR" sz="1400" dirty="0" smtClean="0">
-                <a:solidFill>
-                  <a:schemeClr val="tx1">
-                    <a:lumMod val="75000"/>
-                    <a:lumOff val="25000"/>
-                  </a:schemeClr>
-                </a:solidFill>
-                <a:cs typeface="Arial" pitchFamily="34" charset="0"/>
-              </a:rPr>
-              <a:t> </a:t>
-            </a:r>
-            <a:r>
-              <a:rPr lang="en-US" altLang="ko-KR" sz="1400" dirty="0" err="1" smtClean="0">
+              <a:rPr lang="en-US" altLang="ko-KR" sz="1400" dirty="0">
+                <a:solidFill>
+                  <a:schemeClr val="tx1">
+                    <a:lumMod val="75000"/>
+                    <a:lumOff val="25000"/>
+                  </a:schemeClr>
+                </a:solidFill>
+                <a:cs typeface="Arial" pitchFamily="34" charset="0"/>
+              </a:rPr>
+              <a:t> </a:t>
+            </a:r>
+            <a:r>
+              <a:rPr lang="en-US" altLang="ko-KR" sz="1400" dirty="0" err="1">
                 <a:solidFill>
                   <a:schemeClr val="tx1">
                     <a:lumMod val="75000"/>
@@ -17761,19 +17718,19 @@
               <a:t>phần</a:t>
             </a:r>
             <a:r>
-              <a:rPr lang="en-US" altLang="ko-KR" sz="1400" dirty="0" smtClean="0">
-                <a:solidFill>
-                  <a:schemeClr val="tx1">
-                    <a:lumMod val="75000"/>
-                    <a:lumOff val="25000"/>
-                  </a:schemeClr>
-                </a:solidFill>
-                <a:cs typeface="Arial" pitchFamily="34" charset="0"/>
-              </a:rPr>
-              <a:t> </a:t>
-            </a:r>
-            <a:r>
-              <a:rPr lang="en-US" altLang="ko-KR" sz="1400" dirty="0" err="1" smtClean="0">
+              <a:rPr lang="en-US" altLang="ko-KR" sz="1400" dirty="0">
+                <a:solidFill>
+                  <a:schemeClr val="tx1">
+                    <a:lumMod val="75000"/>
+                    <a:lumOff val="25000"/>
+                  </a:schemeClr>
+                </a:solidFill>
+                <a:cs typeface="Arial" pitchFamily="34" charset="0"/>
+              </a:rPr>
+              <a:t> </a:t>
+            </a:r>
+            <a:r>
+              <a:rPr lang="en-US" altLang="ko-KR" sz="1400" dirty="0" err="1">
                 <a:solidFill>
                   <a:schemeClr val="tx1">
                     <a:lumMod val="75000"/>
@@ -17785,19 +17742,19 @@
               <a:t>mềm</a:t>
             </a:r>
             <a:r>
-              <a:rPr lang="en-US" altLang="ko-KR" sz="1400" dirty="0" smtClean="0">
-                <a:solidFill>
-                  <a:schemeClr val="tx1">
-                    <a:lumMod val="75000"/>
-                    <a:lumOff val="25000"/>
-                  </a:schemeClr>
-                </a:solidFill>
-                <a:cs typeface="Arial" pitchFamily="34" charset="0"/>
-              </a:rPr>
-              <a:t> </a:t>
-            </a:r>
-            <a:r>
-              <a:rPr lang="en-US" altLang="ko-KR" sz="1400" dirty="0" err="1" smtClean="0">
+              <a:rPr lang="en-US" altLang="ko-KR" sz="1400" dirty="0">
+                <a:solidFill>
+                  <a:schemeClr val="tx1">
+                    <a:lumMod val="75000"/>
+                    <a:lumOff val="25000"/>
+                  </a:schemeClr>
+                </a:solidFill>
+                <a:cs typeface="Arial" pitchFamily="34" charset="0"/>
+              </a:rPr>
+              <a:t> </a:t>
+            </a:r>
+            <a:r>
+              <a:rPr lang="en-US" altLang="ko-KR" sz="1400" dirty="0" err="1">
                 <a:solidFill>
                   <a:schemeClr val="tx1">
                     <a:lumMod val="75000"/>
@@ -17809,19 +17766,19 @@
               <a:t>hoàn</a:t>
             </a:r>
             <a:r>
-              <a:rPr lang="en-US" altLang="ko-KR" sz="1400" dirty="0" smtClean="0">
-                <a:solidFill>
-                  <a:schemeClr val="tx1">
-                    <a:lumMod val="75000"/>
-                    <a:lumOff val="25000"/>
-                  </a:schemeClr>
-                </a:solidFill>
-                <a:cs typeface="Arial" pitchFamily="34" charset="0"/>
-              </a:rPr>
-              <a:t> </a:t>
-            </a:r>
-            <a:r>
-              <a:rPr lang="en-US" altLang="ko-KR" sz="1400" dirty="0" err="1" smtClean="0">
+              <a:rPr lang="en-US" altLang="ko-KR" sz="1400" dirty="0">
+                <a:solidFill>
+                  <a:schemeClr val="tx1">
+                    <a:lumMod val="75000"/>
+                    <a:lumOff val="25000"/>
+                  </a:schemeClr>
+                </a:solidFill>
+                <a:cs typeface="Arial" pitchFamily="34" charset="0"/>
+              </a:rPr>
+              <a:t> </a:t>
+            </a:r>
+            <a:r>
+              <a:rPr lang="en-US" altLang="ko-KR" sz="1400" dirty="0" err="1">
                 <a:solidFill>
                   <a:schemeClr val="tx1">
                     <a:lumMod val="75000"/>
@@ -17833,19 +17790,19 @@
               <a:t>chỉnh</a:t>
             </a:r>
             <a:r>
-              <a:rPr lang="en-US" altLang="ko-KR" sz="1400" dirty="0" smtClean="0">
-                <a:solidFill>
-                  <a:schemeClr val="tx1">
-                    <a:lumMod val="75000"/>
-                    <a:lumOff val="25000"/>
-                  </a:schemeClr>
-                </a:solidFill>
-                <a:cs typeface="Arial" pitchFamily="34" charset="0"/>
-              </a:rPr>
-              <a:t> </a:t>
-            </a:r>
-            <a:r>
-              <a:rPr lang="en-US" altLang="ko-KR" sz="1400" dirty="0" err="1" smtClean="0">
+              <a:rPr lang="en-US" altLang="ko-KR" sz="1400" dirty="0">
+                <a:solidFill>
+                  <a:schemeClr val="tx1">
+                    <a:lumMod val="75000"/>
+                    <a:lumOff val="25000"/>
+                  </a:schemeClr>
+                </a:solidFill>
+                <a:cs typeface="Arial" pitchFamily="34" charset="0"/>
+              </a:rPr>
+              <a:t> </a:t>
+            </a:r>
+            <a:r>
+              <a:rPr lang="en-US" altLang="ko-KR" sz="1400" dirty="0" err="1">
                 <a:solidFill>
                   <a:schemeClr val="tx1">
                     <a:lumMod val="75000"/>
@@ -17857,19 +17814,19 @@
               <a:t>đáp</a:t>
             </a:r>
             <a:r>
-              <a:rPr lang="en-US" altLang="ko-KR" sz="1400" dirty="0" smtClean="0">
-                <a:solidFill>
-                  <a:schemeClr val="tx1">
-                    <a:lumMod val="75000"/>
-                    <a:lumOff val="25000"/>
-                  </a:schemeClr>
-                </a:solidFill>
-                <a:cs typeface="Arial" pitchFamily="34" charset="0"/>
-              </a:rPr>
-              <a:t> </a:t>
-            </a:r>
-            <a:r>
-              <a:rPr lang="en-US" altLang="ko-KR" sz="1400" dirty="0" err="1" smtClean="0">
+              <a:rPr lang="en-US" altLang="ko-KR" sz="1400" dirty="0">
+                <a:solidFill>
+                  <a:schemeClr val="tx1">
+                    <a:lumMod val="75000"/>
+                    <a:lumOff val="25000"/>
+                  </a:schemeClr>
+                </a:solidFill>
+                <a:cs typeface="Arial" pitchFamily="34" charset="0"/>
+              </a:rPr>
+              <a:t> </a:t>
+            </a:r>
+            <a:r>
+              <a:rPr lang="en-US" altLang="ko-KR" sz="1400" dirty="0" err="1">
                 <a:solidFill>
                   <a:schemeClr val="tx1">
                     <a:lumMod val="75000"/>
@@ -17881,19 +17838,19 @@
               <a:t>ứng</a:t>
             </a:r>
             <a:r>
-              <a:rPr lang="en-US" altLang="ko-KR" sz="1400" dirty="0" smtClean="0">
-                <a:solidFill>
-                  <a:schemeClr val="tx1">
-                    <a:lumMod val="75000"/>
-                    <a:lumOff val="25000"/>
-                  </a:schemeClr>
-                </a:solidFill>
-                <a:cs typeface="Arial" pitchFamily="34" charset="0"/>
-              </a:rPr>
-              <a:t> </a:t>
-            </a:r>
-            <a:r>
-              <a:rPr lang="en-US" altLang="ko-KR" sz="1400" dirty="0" err="1" smtClean="0">
+              <a:rPr lang="en-US" altLang="ko-KR" sz="1400" dirty="0">
+                <a:solidFill>
+                  <a:schemeClr val="tx1">
+                    <a:lumMod val="75000"/>
+                    <a:lumOff val="25000"/>
+                  </a:schemeClr>
+                </a:solidFill>
+                <a:cs typeface="Arial" pitchFamily="34" charset="0"/>
+              </a:rPr>
+              <a:t> </a:t>
+            </a:r>
+            <a:r>
+              <a:rPr lang="en-US" altLang="ko-KR" sz="1400" dirty="0" err="1">
                 <a:solidFill>
                   <a:schemeClr val="tx1">
                     <a:lumMod val="75000"/>
@@ -17905,19 +17862,19 @@
               <a:t>các</a:t>
             </a:r>
             <a:r>
-              <a:rPr lang="en-US" altLang="ko-KR" sz="1400" dirty="0" smtClean="0">
-                <a:solidFill>
-                  <a:schemeClr val="tx1">
-                    <a:lumMod val="75000"/>
-                    <a:lumOff val="25000"/>
-                  </a:schemeClr>
-                </a:solidFill>
-                <a:cs typeface="Arial" pitchFamily="34" charset="0"/>
-              </a:rPr>
-              <a:t> </a:t>
-            </a:r>
-            <a:r>
-              <a:rPr lang="en-US" altLang="ko-KR" sz="1400" dirty="0" err="1" smtClean="0">
+              <a:rPr lang="en-US" altLang="ko-KR" sz="1400" dirty="0">
+                <a:solidFill>
+                  <a:schemeClr val="tx1">
+                    <a:lumMod val="75000"/>
+                    <a:lumOff val="25000"/>
+                  </a:schemeClr>
+                </a:solidFill>
+                <a:cs typeface="Arial" pitchFamily="34" charset="0"/>
+              </a:rPr>
+              <a:t> </a:t>
+            </a:r>
+            <a:r>
+              <a:rPr lang="en-US" altLang="ko-KR" sz="1400" dirty="0" err="1">
                 <a:solidFill>
                   <a:schemeClr val="tx1">
                     <a:lumMod val="75000"/>
@@ -17929,19 +17886,19 @@
               <a:t>nhu</a:t>
             </a:r>
             <a:r>
-              <a:rPr lang="en-US" altLang="ko-KR" sz="1400" dirty="0" smtClean="0">
-                <a:solidFill>
-                  <a:schemeClr val="tx1">
-                    <a:lumMod val="75000"/>
-                    <a:lumOff val="25000"/>
-                  </a:schemeClr>
-                </a:solidFill>
-                <a:cs typeface="Arial" pitchFamily="34" charset="0"/>
-              </a:rPr>
-              <a:t> </a:t>
-            </a:r>
-            <a:r>
-              <a:rPr lang="en-US" altLang="ko-KR" sz="1400" dirty="0" err="1" smtClean="0">
+              <a:rPr lang="en-US" altLang="ko-KR" sz="1400" dirty="0">
+                <a:solidFill>
+                  <a:schemeClr val="tx1">
+                    <a:lumMod val="75000"/>
+                    <a:lumOff val="25000"/>
+                  </a:schemeClr>
+                </a:solidFill>
+                <a:cs typeface="Arial" pitchFamily="34" charset="0"/>
+              </a:rPr>
+              <a:t> </a:t>
+            </a:r>
+            <a:r>
+              <a:rPr lang="en-US" altLang="ko-KR" sz="1400" dirty="0" err="1">
                 <a:solidFill>
                   <a:schemeClr val="tx1">
                     <a:lumMod val="75000"/>
@@ -17953,19 +17910,19 @@
               <a:t>cầu</a:t>
             </a:r>
             <a:r>
-              <a:rPr lang="en-US" altLang="ko-KR" sz="1400" dirty="0" smtClean="0">
-                <a:solidFill>
-                  <a:schemeClr val="tx1">
-                    <a:lumMod val="75000"/>
-                    <a:lumOff val="25000"/>
-                  </a:schemeClr>
-                </a:solidFill>
-                <a:cs typeface="Arial" pitchFamily="34" charset="0"/>
-              </a:rPr>
-              <a:t> </a:t>
-            </a:r>
-            <a:r>
-              <a:rPr lang="en-US" altLang="ko-KR" sz="1400" dirty="0" err="1" smtClean="0">
+              <a:rPr lang="en-US" altLang="ko-KR" sz="1400" dirty="0">
+                <a:solidFill>
+                  <a:schemeClr val="tx1">
+                    <a:lumMod val="75000"/>
+                    <a:lumOff val="25000"/>
+                  </a:schemeClr>
+                </a:solidFill>
+                <a:cs typeface="Arial" pitchFamily="34" charset="0"/>
+              </a:rPr>
+              <a:t> </a:t>
+            </a:r>
+            <a:r>
+              <a:rPr lang="en-US" altLang="ko-KR" sz="1400" dirty="0" err="1">
                 <a:solidFill>
                   <a:schemeClr val="tx1">
                     <a:lumMod val="75000"/>
@@ -17977,19 +17934,19 @@
               <a:t>về</a:t>
             </a:r>
             <a:r>
-              <a:rPr lang="en-US" altLang="ko-KR" sz="1400" dirty="0" smtClean="0">
-                <a:solidFill>
-                  <a:schemeClr val="tx1">
-                    <a:lumMod val="75000"/>
-                    <a:lumOff val="25000"/>
-                  </a:schemeClr>
-                </a:solidFill>
-                <a:cs typeface="Arial" pitchFamily="34" charset="0"/>
-              </a:rPr>
-              <a:t> </a:t>
-            </a:r>
-            <a:r>
-              <a:rPr lang="en-US" altLang="ko-KR" sz="1400" dirty="0" err="1" smtClean="0">
+              <a:rPr lang="en-US" altLang="ko-KR" sz="1400" dirty="0">
+                <a:solidFill>
+                  <a:schemeClr val="tx1">
+                    <a:lumMod val="75000"/>
+                    <a:lumOff val="25000"/>
+                  </a:schemeClr>
+                </a:solidFill>
+                <a:cs typeface="Arial" pitchFamily="34" charset="0"/>
+              </a:rPr>
+              <a:t> </a:t>
+            </a:r>
+            <a:r>
+              <a:rPr lang="en-US" altLang="ko-KR" sz="1400" dirty="0" err="1">
                 <a:solidFill>
                   <a:schemeClr val="tx1">
                     <a:lumMod val="75000"/>
@@ -18001,19 +17958,19 @@
               <a:t>chức</a:t>
             </a:r>
             <a:r>
-              <a:rPr lang="en-US" altLang="ko-KR" sz="1400" dirty="0" smtClean="0">
-                <a:solidFill>
-                  <a:schemeClr val="tx1">
-                    <a:lumMod val="75000"/>
-                    <a:lumOff val="25000"/>
-                  </a:schemeClr>
-                </a:solidFill>
-                <a:cs typeface="Arial" pitchFamily="34" charset="0"/>
-              </a:rPr>
-              <a:t> </a:t>
-            </a:r>
-            <a:r>
-              <a:rPr lang="en-US" altLang="ko-KR" sz="1400" dirty="0" err="1" smtClean="0">
+              <a:rPr lang="en-US" altLang="ko-KR" sz="1400" dirty="0">
+                <a:solidFill>
+                  <a:schemeClr val="tx1">
+                    <a:lumMod val="75000"/>
+                    <a:lumOff val="25000"/>
+                  </a:schemeClr>
+                </a:solidFill>
+                <a:cs typeface="Arial" pitchFamily="34" charset="0"/>
+              </a:rPr>
+              <a:t> </a:t>
+            </a:r>
+            <a:r>
+              <a:rPr lang="en-US" altLang="ko-KR" sz="1400" dirty="0" err="1">
                 <a:solidFill>
                   <a:schemeClr val="tx1">
                     <a:lumMod val="75000"/>
@@ -18025,19 +17982,19 @@
               <a:t>năng</a:t>
             </a:r>
             <a:r>
-              <a:rPr lang="en-US" altLang="ko-KR" sz="1400" dirty="0" smtClean="0">
-                <a:solidFill>
-                  <a:schemeClr val="tx1">
-                    <a:lumMod val="75000"/>
-                    <a:lumOff val="25000"/>
-                  </a:schemeClr>
-                </a:solidFill>
-                <a:cs typeface="Arial" pitchFamily="34" charset="0"/>
-              </a:rPr>
-              <a:t> </a:t>
-            </a:r>
-            <a:r>
-              <a:rPr lang="en-US" altLang="ko-KR" sz="1400" dirty="0" err="1" smtClean="0">
+              <a:rPr lang="en-US" altLang="ko-KR" sz="1400" dirty="0">
+                <a:solidFill>
+                  <a:schemeClr val="tx1">
+                    <a:lumMod val="75000"/>
+                    <a:lumOff val="25000"/>
+                  </a:schemeClr>
+                </a:solidFill>
+                <a:cs typeface="Arial" pitchFamily="34" charset="0"/>
+              </a:rPr>
+              <a:t> </a:t>
+            </a:r>
+            <a:r>
+              <a:rPr lang="en-US" altLang="ko-KR" sz="1400" dirty="0" err="1">
                 <a:solidFill>
                   <a:schemeClr val="tx1">
                     <a:lumMod val="75000"/>
@@ -18049,19 +18006,19 @@
               <a:t>và</a:t>
             </a:r>
             <a:r>
-              <a:rPr lang="en-US" altLang="ko-KR" sz="1400" dirty="0" smtClean="0">
-                <a:solidFill>
-                  <a:schemeClr val="tx1">
-                    <a:lumMod val="75000"/>
-                    <a:lumOff val="25000"/>
-                  </a:schemeClr>
-                </a:solidFill>
-                <a:cs typeface="Arial" pitchFamily="34" charset="0"/>
-              </a:rPr>
-              <a:t> </a:t>
-            </a:r>
-            <a:r>
-              <a:rPr lang="en-US" altLang="ko-KR" sz="1400" dirty="0" err="1" smtClean="0">
+              <a:rPr lang="en-US" altLang="ko-KR" sz="1400" dirty="0">
+                <a:solidFill>
+                  <a:schemeClr val="tx1">
+                    <a:lumMod val="75000"/>
+                    <a:lumOff val="25000"/>
+                  </a:schemeClr>
+                </a:solidFill>
+                <a:cs typeface="Arial" pitchFamily="34" charset="0"/>
+              </a:rPr>
+              <a:t> </a:t>
+            </a:r>
+            <a:r>
+              <a:rPr lang="en-US" altLang="ko-KR" sz="1400" dirty="0" err="1">
                 <a:solidFill>
                   <a:schemeClr val="tx1">
                     <a:lumMod val="75000"/>
@@ -18073,19 +18030,19 @@
               <a:t>phân</a:t>
             </a:r>
             <a:r>
-              <a:rPr lang="en-US" altLang="ko-KR" sz="1400" dirty="0" smtClean="0">
-                <a:solidFill>
-                  <a:schemeClr val="tx1">
-                    <a:lumMod val="75000"/>
-                    <a:lumOff val="25000"/>
-                  </a:schemeClr>
-                </a:solidFill>
-                <a:cs typeface="Arial" pitchFamily="34" charset="0"/>
-              </a:rPr>
-              <a:t> </a:t>
-            </a:r>
-            <a:r>
-              <a:rPr lang="en-US" altLang="ko-KR" sz="1400" dirty="0" err="1" smtClean="0">
+              <a:rPr lang="en-US" altLang="ko-KR" sz="1400" dirty="0">
+                <a:solidFill>
+                  <a:schemeClr val="tx1">
+                    <a:lumMod val="75000"/>
+                    <a:lumOff val="25000"/>
+                  </a:schemeClr>
+                </a:solidFill>
+                <a:cs typeface="Arial" pitchFamily="34" charset="0"/>
+              </a:rPr>
+              <a:t> </a:t>
+            </a:r>
+            <a:r>
+              <a:rPr lang="en-US" altLang="ko-KR" sz="1400" dirty="0" err="1">
                 <a:solidFill>
                   <a:schemeClr val="tx1">
                     <a:lumMod val="75000"/>
@@ -18097,7 +18054,7 @@
               <a:t>quyền</a:t>
             </a:r>
             <a:r>
-              <a:rPr lang="en-US" altLang="ko-KR" sz="1400" dirty="0" smtClean="0">
+              <a:rPr lang="en-US" altLang="ko-KR" sz="1400" dirty="0">
                 <a:solidFill>
                   <a:schemeClr val="tx1">
                     <a:lumMod val="75000"/>
@@ -18109,7 +18066,7 @@
               <a:t>, </a:t>
             </a:r>
             <a:r>
-              <a:rPr lang="en-US" altLang="ko-KR" sz="1400" dirty="0" err="1" smtClean="0">
+              <a:rPr lang="en-US" altLang="ko-KR" sz="1400" dirty="0" err="1">
                 <a:solidFill>
                   <a:schemeClr val="tx1">
                     <a:lumMod val="75000"/>
@@ -18121,19 +18078,19 @@
               <a:t>giúp</a:t>
             </a:r>
             <a:r>
-              <a:rPr lang="en-US" altLang="ko-KR" sz="1400" dirty="0" smtClean="0">
-                <a:solidFill>
-                  <a:schemeClr val="tx1">
-                    <a:lumMod val="75000"/>
-                    <a:lumOff val="25000"/>
-                  </a:schemeClr>
-                </a:solidFill>
-                <a:cs typeface="Arial" pitchFamily="34" charset="0"/>
-              </a:rPr>
-              <a:t> </a:t>
-            </a:r>
-            <a:r>
-              <a:rPr lang="en-US" altLang="ko-KR" sz="1400" dirty="0" err="1" smtClean="0">
+              <a:rPr lang="en-US" altLang="ko-KR" sz="1400" dirty="0">
+                <a:solidFill>
+                  <a:schemeClr val="tx1">
+                    <a:lumMod val="75000"/>
+                    <a:lumOff val="25000"/>
+                  </a:schemeClr>
+                </a:solidFill>
+                <a:cs typeface="Arial" pitchFamily="34" charset="0"/>
+              </a:rPr>
+              <a:t> </a:t>
+            </a:r>
+            <a:r>
+              <a:rPr lang="en-US" altLang="ko-KR" sz="1400" dirty="0" err="1">
                 <a:solidFill>
                   <a:schemeClr val="tx1">
                     <a:lumMod val="75000"/>
@@ -18145,19 +18102,19 @@
               <a:t>cho</a:t>
             </a:r>
             <a:r>
-              <a:rPr lang="en-US" altLang="ko-KR" sz="1400" dirty="0" smtClean="0">
-                <a:solidFill>
-                  <a:schemeClr val="tx1">
-                    <a:lumMod val="75000"/>
-                    <a:lumOff val="25000"/>
-                  </a:schemeClr>
-                </a:solidFill>
-                <a:cs typeface="Arial" pitchFamily="34" charset="0"/>
-              </a:rPr>
-              <a:t> </a:t>
-            </a:r>
-            <a:r>
-              <a:rPr lang="en-US" altLang="ko-KR" sz="1400" dirty="0" err="1" smtClean="0">
+              <a:rPr lang="en-US" altLang="ko-KR" sz="1400" dirty="0">
+                <a:solidFill>
+                  <a:schemeClr val="tx1">
+                    <a:lumMod val="75000"/>
+                    <a:lumOff val="25000"/>
+                  </a:schemeClr>
+                </a:solidFill>
+                <a:cs typeface="Arial" pitchFamily="34" charset="0"/>
+              </a:rPr>
+              <a:t> </a:t>
+            </a:r>
+            <a:r>
+              <a:rPr lang="en-US" altLang="ko-KR" sz="1400" dirty="0" err="1">
                 <a:solidFill>
                   <a:schemeClr val="tx1">
                     <a:lumMod val="75000"/>
@@ -18169,19 +18126,19 @@
               <a:t>người</a:t>
             </a:r>
             <a:r>
-              <a:rPr lang="en-US" altLang="ko-KR" sz="1400" dirty="0" smtClean="0">
-                <a:solidFill>
-                  <a:schemeClr val="tx1">
-                    <a:lumMod val="75000"/>
-                    <a:lumOff val="25000"/>
-                  </a:schemeClr>
-                </a:solidFill>
-                <a:cs typeface="Arial" pitchFamily="34" charset="0"/>
-              </a:rPr>
-              <a:t> </a:t>
-            </a:r>
-            <a:r>
-              <a:rPr lang="en-US" altLang="ko-KR" sz="1400" dirty="0" err="1" smtClean="0">
+              <a:rPr lang="en-US" altLang="ko-KR" sz="1400" dirty="0">
+                <a:solidFill>
+                  <a:schemeClr val="tx1">
+                    <a:lumMod val="75000"/>
+                    <a:lumOff val="25000"/>
+                  </a:schemeClr>
+                </a:solidFill>
+                <a:cs typeface="Arial" pitchFamily="34" charset="0"/>
+              </a:rPr>
+              <a:t> </a:t>
+            </a:r>
+            <a:r>
+              <a:rPr lang="en-US" altLang="ko-KR" sz="1400" dirty="0" err="1">
                 <a:solidFill>
                   <a:schemeClr val="tx1">
                     <a:lumMod val="75000"/>
@@ -18193,19 +18150,19 @@
               <a:t>dùng</a:t>
             </a:r>
             <a:r>
-              <a:rPr lang="en-US" altLang="ko-KR" sz="1400" dirty="0" smtClean="0">
-                <a:solidFill>
-                  <a:schemeClr val="tx1">
-                    <a:lumMod val="75000"/>
-                    <a:lumOff val="25000"/>
-                  </a:schemeClr>
-                </a:solidFill>
-                <a:cs typeface="Arial" pitchFamily="34" charset="0"/>
-              </a:rPr>
-              <a:t> </a:t>
-            </a:r>
-            <a:r>
-              <a:rPr lang="en-US" altLang="ko-KR" sz="1400" dirty="0" err="1" smtClean="0">
+              <a:rPr lang="en-US" altLang="ko-KR" sz="1400" dirty="0">
+                <a:solidFill>
+                  <a:schemeClr val="tx1">
+                    <a:lumMod val="75000"/>
+                    <a:lumOff val="25000"/>
+                  </a:schemeClr>
+                </a:solidFill>
+                <a:cs typeface="Arial" pitchFamily="34" charset="0"/>
+              </a:rPr>
+              <a:t> </a:t>
+            </a:r>
+            <a:r>
+              <a:rPr lang="en-US" altLang="ko-KR" sz="1400" dirty="0" err="1">
                 <a:solidFill>
                   <a:schemeClr val="tx1">
                     <a:lumMod val="75000"/>
@@ -18217,19 +18174,19 @@
               <a:t>dễ</a:t>
             </a:r>
             <a:r>
-              <a:rPr lang="en-US" altLang="ko-KR" sz="1400" dirty="0" smtClean="0">
-                <a:solidFill>
-                  <a:schemeClr val="tx1">
-                    <a:lumMod val="75000"/>
-                    <a:lumOff val="25000"/>
-                  </a:schemeClr>
-                </a:solidFill>
-                <a:cs typeface="Arial" pitchFamily="34" charset="0"/>
-              </a:rPr>
-              <a:t> </a:t>
-            </a:r>
-            <a:r>
-              <a:rPr lang="en-US" altLang="ko-KR" sz="1400" dirty="0" err="1" smtClean="0">
+              <a:rPr lang="en-US" altLang="ko-KR" sz="1400" dirty="0">
+                <a:solidFill>
+                  <a:schemeClr val="tx1">
+                    <a:lumMod val="75000"/>
+                    <a:lumOff val="25000"/>
+                  </a:schemeClr>
+                </a:solidFill>
+                <a:cs typeface="Arial" pitchFamily="34" charset="0"/>
+              </a:rPr>
+              <a:t> </a:t>
+            </a:r>
+            <a:r>
+              <a:rPr lang="en-US" altLang="ko-KR" sz="1400" dirty="0" err="1">
                 <a:solidFill>
                   <a:schemeClr val="tx1">
                     <a:lumMod val="75000"/>
@@ -18241,19 +18198,19 @@
               <a:t>dàng</a:t>
             </a:r>
             <a:r>
-              <a:rPr lang="en-US" altLang="ko-KR" sz="1400" dirty="0" smtClean="0">
-                <a:solidFill>
-                  <a:schemeClr val="tx1">
-                    <a:lumMod val="75000"/>
-                    <a:lumOff val="25000"/>
-                  </a:schemeClr>
-                </a:solidFill>
-                <a:cs typeface="Arial" pitchFamily="34" charset="0"/>
-              </a:rPr>
-              <a:t> </a:t>
-            </a:r>
-            <a:r>
-              <a:rPr lang="en-US" altLang="ko-KR" sz="1400" dirty="0" err="1" smtClean="0">
+              <a:rPr lang="en-US" altLang="ko-KR" sz="1400" dirty="0">
+                <a:solidFill>
+                  <a:schemeClr val="tx1">
+                    <a:lumMod val="75000"/>
+                    <a:lumOff val="25000"/>
+                  </a:schemeClr>
+                </a:solidFill>
+                <a:cs typeface="Arial" pitchFamily="34" charset="0"/>
+              </a:rPr>
+              <a:t> </a:t>
+            </a:r>
+            <a:r>
+              <a:rPr lang="en-US" altLang="ko-KR" sz="1400" dirty="0" err="1">
                 <a:solidFill>
                   <a:schemeClr val="tx1">
                     <a:lumMod val="75000"/>
@@ -18265,19 +18222,19 @@
               <a:t>sử</a:t>
             </a:r>
             <a:r>
-              <a:rPr lang="en-US" altLang="ko-KR" sz="1400" dirty="0" smtClean="0">
-                <a:solidFill>
-                  <a:schemeClr val="tx1">
-                    <a:lumMod val="75000"/>
-                    <a:lumOff val="25000"/>
-                  </a:schemeClr>
-                </a:solidFill>
-                <a:cs typeface="Arial" pitchFamily="34" charset="0"/>
-              </a:rPr>
-              <a:t> </a:t>
-            </a:r>
-            <a:r>
-              <a:rPr lang="en-US" altLang="ko-KR" sz="1400" dirty="0" err="1" smtClean="0">
+              <a:rPr lang="en-US" altLang="ko-KR" sz="1400" dirty="0">
+                <a:solidFill>
+                  <a:schemeClr val="tx1">
+                    <a:lumMod val="75000"/>
+                    <a:lumOff val="25000"/>
+                  </a:schemeClr>
+                </a:solidFill>
+                <a:cs typeface="Arial" pitchFamily="34" charset="0"/>
+              </a:rPr>
+              <a:t> </a:t>
+            </a:r>
+            <a:r>
+              <a:rPr lang="en-US" altLang="ko-KR" sz="1400" dirty="0" err="1">
                 <a:solidFill>
                   <a:schemeClr val="tx1">
                     <a:lumMod val="75000"/>
@@ -18289,19 +18246,19 @@
               <a:t>dụng</a:t>
             </a:r>
             <a:r>
-              <a:rPr lang="en-US" altLang="ko-KR" sz="1400" dirty="0" smtClean="0">
-                <a:solidFill>
-                  <a:schemeClr val="tx1">
-                    <a:lumMod val="75000"/>
-                    <a:lumOff val="25000"/>
-                  </a:schemeClr>
-                </a:solidFill>
-                <a:cs typeface="Arial" pitchFamily="34" charset="0"/>
-              </a:rPr>
-              <a:t> </a:t>
-            </a:r>
-            <a:r>
-              <a:rPr lang="en-US" altLang="ko-KR" sz="1400" dirty="0" err="1" smtClean="0">
+              <a:rPr lang="en-US" altLang="ko-KR" sz="1400" dirty="0">
+                <a:solidFill>
+                  <a:schemeClr val="tx1">
+                    <a:lumMod val="75000"/>
+                    <a:lumOff val="25000"/>
+                  </a:schemeClr>
+                </a:solidFill>
+                <a:cs typeface="Arial" pitchFamily="34" charset="0"/>
+              </a:rPr>
+              <a:t> </a:t>
+            </a:r>
+            <a:r>
+              <a:rPr lang="en-US" altLang="ko-KR" sz="1400" dirty="0" err="1">
                 <a:solidFill>
                   <a:schemeClr val="tx1">
                     <a:lumMod val="75000"/>
@@ -18313,19 +18270,19 @@
               <a:t>và</a:t>
             </a:r>
             <a:r>
-              <a:rPr lang="en-US" altLang="ko-KR" sz="1400" dirty="0" smtClean="0">
-                <a:solidFill>
-                  <a:schemeClr val="tx1">
-                    <a:lumMod val="75000"/>
-                    <a:lumOff val="25000"/>
-                  </a:schemeClr>
-                </a:solidFill>
-                <a:cs typeface="Arial" pitchFamily="34" charset="0"/>
-              </a:rPr>
-              <a:t> </a:t>
-            </a:r>
-            <a:r>
-              <a:rPr lang="en-US" altLang="ko-KR" sz="1400" dirty="0" err="1" smtClean="0">
+              <a:rPr lang="en-US" altLang="ko-KR" sz="1400" dirty="0">
+                <a:solidFill>
+                  <a:schemeClr val="tx1">
+                    <a:lumMod val="75000"/>
+                    <a:lumOff val="25000"/>
+                  </a:schemeClr>
+                </a:solidFill>
+                <a:cs typeface="Arial" pitchFamily="34" charset="0"/>
+              </a:rPr>
+              <a:t> </a:t>
+            </a:r>
+            <a:r>
+              <a:rPr lang="en-US" altLang="ko-KR" sz="1400" dirty="0" err="1">
                 <a:solidFill>
                   <a:schemeClr val="tx1">
                     <a:lumMod val="75000"/>
@@ -18337,19 +18294,19 @@
               <a:t>thực</a:t>
             </a:r>
             <a:r>
-              <a:rPr lang="en-US" altLang="ko-KR" sz="1400" dirty="0" smtClean="0">
-                <a:solidFill>
-                  <a:schemeClr val="tx1">
-                    <a:lumMod val="75000"/>
-                    <a:lumOff val="25000"/>
-                  </a:schemeClr>
-                </a:solidFill>
-                <a:cs typeface="Arial" pitchFamily="34" charset="0"/>
-              </a:rPr>
-              <a:t> </a:t>
-            </a:r>
-            <a:r>
-              <a:rPr lang="en-US" altLang="ko-KR" sz="1400" dirty="0" err="1" smtClean="0">
+              <a:rPr lang="en-US" altLang="ko-KR" sz="1400" dirty="0">
+                <a:solidFill>
+                  <a:schemeClr val="tx1">
+                    <a:lumMod val="75000"/>
+                    <a:lumOff val="25000"/>
+                  </a:schemeClr>
+                </a:solidFill>
+                <a:cs typeface="Arial" pitchFamily="34" charset="0"/>
+              </a:rPr>
+              <a:t> </a:t>
+            </a:r>
+            <a:r>
+              <a:rPr lang="en-US" altLang="ko-KR" sz="1400" dirty="0" err="1">
                 <a:solidFill>
                   <a:schemeClr val="tx1">
                     <a:lumMod val="75000"/>
@@ -18361,19 +18318,19 @@
               <a:t>hiện</a:t>
             </a:r>
             <a:r>
-              <a:rPr lang="en-US" altLang="ko-KR" sz="1400" dirty="0" smtClean="0">
-                <a:solidFill>
-                  <a:schemeClr val="tx1">
-                    <a:lumMod val="75000"/>
-                    <a:lumOff val="25000"/>
-                  </a:schemeClr>
-                </a:solidFill>
-                <a:cs typeface="Arial" pitchFamily="34" charset="0"/>
-              </a:rPr>
-              <a:t> </a:t>
-            </a:r>
-            <a:r>
-              <a:rPr lang="en-US" altLang="ko-KR" sz="1400" dirty="0" err="1" smtClean="0">
+              <a:rPr lang="en-US" altLang="ko-KR" sz="1400" dirty="0">
+                <a:solidFill>
+                  <a:schemeClr val="tx1">
+                    <a:lumMod val="75000"/>
+                    <a:lumOff val="25000"/>
+                  </a:schemeClr>
+                </a:solidFill>
+                <a:cs typeface="Arial" pitchFamily="34" charset="0"/>
+              </a:rPr>
+              <a:t> </a:t>
+            </a:r>
+            <a:r>
+              <a:rPr lang="en-US" altLang="ko-KR" sz="1400" dirty="0" err="1">
                 <a:solidFill>
                   <a:schemeClr val="tx1">
                     <a:lumMod val="75000"/>
@@ -18385,19 +18342,19 @@
               <a:t>các</a:t>
             </a:r>
             <a:r>
-              <a:rPr lang="en-US" altLang="ko-KR" sz="1400" dirty="0" smtClean="0">
-                <a:solidFill>
-                  <a:schemeClr val="tx1">
-                    <a:lumMod val="75000"/>
-                    <a:lumOff val="25000"/>
-                  </a:schemeClr>
-                </a:solidFill>
-                <a:cs typeface="Arial" pitchFamily="34" charset="0"/>
-              </a:rPr>
-              <a:t> </a:t>
-            </a:r>
-            <a:r>
-              <a:rPr lang="en-US" altLang="ko-KR" sz="1400" dirty="0" err="1" smtClean="0">
+              <a:rPr lang="en-US" altLang="ko-KR" sz="1400" dirty="0">
+                <a:solidFill>
+                  <a:schemeClr val="tx1">
+                    <a:lumMod val="75000"/>
+                    <a:lumOff val="25000"/>
+                  </a:schemeClr>
+                </a:solidFill>
+                <a:cs typeface="Arial" pitchFamily="34" charset="0"/>
+              </a:rPr>
+              <a:t> </a:t>
+            </a:r>
+            <a:r>
+              <a:rPr lang="en-US" altLang="ko-KR" sz="1400" dirty="0" err="1">
                 <a:solidFill>
                   <a:schemeClr val="tx1">
                     <a:lumMod val="75000"/>
@@ -18409,19 +18366,19 @@
               <a:t>thao</a:t>
             </a:r>
             <a:r>
-              <a:rPr lang="en-US" altLang="ko-KR" sz="1400" dirty="0" smtClean="0">
-                <a:solidFill>
-                  <a:schemeClr val="tx1">
-                    <a:lumMod val="75000"/>
-                    <a:lumOff val="25000"/>
-                  </a:schemeClr>
-                </a:solidFill>
-                <a:cs typeface="Arial" pitchFamily="34" charset="0"/>
-              </a:rPr>
-              <a:t> </a:t>
-            </a:r>
-            <a:r>
-              <a:rPr lang="en-US" altLang="ko-KR" sz="1400" dirty="0" err="1" smtClean="0">
+              <a:rPr lang="en-US" altLang="ko-KR" sz="1400" dirty="0">
+                <a:solidFill>
+                  <a:schemeClr val="tx1">
+                    <a:lumMod val="75000"/>
+                    <a:lumOff val="25000"/>
+                  </a:schemeClr>
+                </a:solidFill>
+                <a:cs typeface="Arial" pitchFamily="34" charset="0"/>
+              </a:rPr>
+              <a:t> </a:t>
+            </a:r>
+            <a:r>
+              <a:rPr lang="en-US" altLang="ko-KR" sz="1400" dirty="0" err="1">
                 <a:solidFill>
                   <a:schemeClr val="tx1">
                     <a:lumMod val="75000"/>
@@ -18433,19 +18390,19 @@
               <a:t>tác</a:t>
             </a:r>
             <a:r>
-              <a:rPr lang="en-US" altLang="ko-KR" sz="1400" dirty="0" smtClean="0">
-                <a:solidFill>
-                  <a:schemeClr val="tx1">
-                    <a:lumMod val="75000"/>
-                    <a:lumOff val="25000"/>
-                  </a:schemeClr>
-                </a:solidFill>
-                <a:cs typeface="Arial" pitchFamily="34" charset="0"/>
-              </a:rPr>
-              <a:t> </a:t>
-            </a:r>
-            <a:r>
-              <a:rPr lang="en-US" altLang="ko-KR" sz="1400" dirty="0" err="1" smtClean="0">
+              <a:rPr lang="en-US" altLang="ko-KR" sz="1400" dirty="0">
+                <a:solidFill>
+                  <a:schemeClr val="tx1">
+                    <a:lumMod val="75000"/>
+                    <a:lumOff val="25000"/>
+                  </a:schemeClr>
+                </a:solidFill>
+                <a:cs typeface="Arial" pitchFamily="34" charset="0"/>
+              </a:rPr>
+              <a:t> </a:t>
+            </a:r>
+            <a:r>
+              <a:rPr lang="en-US" altLang="ko-KR" sz="1400" dirty="0" err="1">
                 <a:solidFill>
                   <a:schemeClr val="tx1">
                     <a:lumMod val="75000"/>
@@ -18457,19 +18414,19 @@
               <a:t>công</a:t>
             </a:r>
             <a:r>
-              <a:rPr lang="en-US" altLang="ko-KR" sz="1400" dirty="0" smtClean="0">
-                <a:solidFill>
-                  <a:schemeClr val="tx1">
-                    <a:lumMod val="75000"/>
-                    <a:lumOff val="25000"/>
-                  </a:schemeClr>
-                </a:solidFill>
-                <a:cs typeface="Arial" pitchFamily="34" charset="0"/>
-              </a:rPr>
-              <a:t> </a:t>
-            </a:r>
-            <a:r>
-              <a:rPr lang="en-US" altLang="ko-KR" sz="1400" dirty="0" err="1" smtClean="0">
+              <a:rPr lang="en-US" altLang="ko-KR" sz="1400" dirty="0">
+                <a:solidFill>
+                  <a:schemeClr val="tx1">
+                    <a:lumMod val="75000"/>
+                    <a:lumOff val="25000"/>
+                  </a:schemeClr>
+                </a:solidFill>
+                <a:cs typeface="Arial" pitchFamily="34" charset="0"/>
+              </a:rPr>
+              <a:t> </a:t>
+            </a:r>
+            <a:r>
+              <a:rPr lang="en-US" altLang="ko-KR" sz="1400" dirty="0" err="1">
                 <a:solidFill>
                   <a:schemeClr val="tx1">
                     <a:lumMod val="75000"/>
@@ -18481,19 +18438,19 @@
               <a:t>việc</a:t>
             </a:r>
             <a:r>
-              <a:rPr lang="en-US" altLang="ko-KR" sz="1400" dirty="0" smtClean="0">
-                <a:solidFill>
-                  <a:schemeClr val="tx1">
-                    <a:lumMod val="75000"/>
-                    <a:lumOff val="25000"/>
-                  </a:schemeClr>
-                </a:solidFill>
-                <a:cs typeface="Arial" pitchFamily="34" charset="0"/>
-              </a:rPr>
-              <a:t> </a:t>
-            </a:r>
-            <a:r>
-              <a:rPr lang="en-US" altLang="ko-KR" sz="1400" dirty="0" err="1" smtClean="0">
+              <a:rPr lang="en-US" altLang="ko-KR" sz="1400" dirty="0">
+                <a:solidFill>
+                  <a:schemeClr val="tx1">
+                    <a:lumMod val="75000"/>
+                    <a:lumOff val="25000"/>
+                  </a:schemeClr>
+                </a:solidFill>
+                <a:cs typeface="Arial" pitchFamily="34" charset="0"/>
+              </a:rPr>
+              <a:t> </a:t>
+            </a:r>
+            <a:r>
+              <a:rPr lang="en-US" altLang="ko-KR" sz="1400" dirty="0" err="1">
                 <a:solidFill>
                   <a:schemeClr val="tx1">
                     <a:lumMod val="75000"/>
@@ -18505,19 +18462,19 @@
               <a:t>trên</a:t>
             </a:r>
             <a:r>
-              <a:rPr lang="en-US" altLang="ko-KR" sz="1400" dirty="0" smtClean="0">
-                <a:solidFill>
-                  <a:schemeClr val="tx1">
-                    <a:lumMod val="75000"/>
-                    <a:lumOff val="25000"/>
-                  </a:schemeClr>
-                </a:solidFill>
-                <a:cs typeface="Arial" pitchFamily="34" charset="0"/>
-              </a:rPr>
-              <a:t> </a:t>
-            </a:r>
-            <a:r>
-              <a:rPr lang="en-US" altLang="ko-KR" sz="1400" dirty="0" err="1" smtClean="0">
+              <a:rPr lang="en-US" altLang="ko-KR" sz="1400" dirty="0">
+                <a:solidFill>
+                  <a:schemeClr val="tx1">
+                    <a:lumMod val="75000"/>
+                    <a:lumOff val="25000"/>
+                  </a:schemeClr>
+                </a:solidFill>
+                <a:cs typeface="Arial" pitchFamily="34" charset="0"/>
+              </a:rPr>
+              <a:t> </a:t>
+            </a:r>
+            <a:r>
+              <a:rPr lang="en-US" altLang="ko-KR" sz="1400" dirty="0" err="1">
                 <a:solidFill>
                   <a:schemeClr val="tx1">
                     <a:lumMod val="75000"/>
@@ -18529,19 +18486,19 @@
               <a:t>toàn</a:t>
             </a:r>
             <a:r>
-              <a:rPr lang="en-US" altLang="ko-KR" sz="1400" dirty="0" smtClean="0">
-                <a:solidFill>
-                  <a:schemeClr val="tx1">
-                    <a:lumMod val="75000"/>
-                    <a:lumOff val="25000"/>
-                  </a:schemeClr>
-                </a:solidFill>
-                <a:cs typeface="Arial" pitchFamily="34" charset="0"/>
-              </a:rPr>
-              <a:t> </a:t>
-            </a:r>
-            <a:r>
-              <a:rPr lang="en-US" altLang="ko-KR" sz="1400" dirty="0" err="1" smtClean="0">
+              <a:rPr lang="en-US" altLang="ko-KR" sz="1400" dirty="0">
+                <a:solidFill>
+                  <a:schemeClr val="tx1">
+                    <a:lumMod val="75000"/>
+                    <a:lumOff val="25000"/>
+                  </a:schemeClr>
+                </a:solidFill>
+                <a:cs typeface="Arial" pitchFamily="34" charset="0"/>
+              </a:rPr>
+              <a:t> </a:t>
+            </a:r>
+            <a:r>
+              <a:rPr lang="en-US" altLang="ko-KR" sz="1400" dirty="0" err="1">
                 <a:solidFill>
                   <a:schemeClr val="tx1">
                     <a:lumMod val="75000"/>
@@ -18553,19 +18510,19 @@
               <a:t>bộ</a:t>
             </a:r>
             <a:r>
-              <a:rPr lang="en-US" altLang="ko-KR" sz="1400" dirty="0" smtClean="0">
-                <a:solidFill>
-                  <a:schemeClr val="tx1">
-                    <a:lumMod val="75000"/>
-                    <a:lumOff val="25000"/>
-                  </a:schemeClr>
-                </a:solidFill>
-                <a:cs typeface="Arial" pitchFamily="34" charset="0"/>
-              </a:rPr>
-              <a:t> </a:t>
-            </a:r>
-            <a:r>
-              <a:rPr lang="en-US" altLang="ko-KR" sz="1400" dirty="0" err="1" smtClean="0">
+              <a:rPr lang="en-US" altLang="ko-KR" sz="1400" dirty="0">
+                <a:solidFill>
+                  <a:schemeClr val="tx1">
+                    <a:lumMod val="75000"/>
+                    <a:lumOff val="25000"/>
+                  </a:schemeClr>
+                </a:solidFill>
+                <a:cs typeface="Arial" pitchFamily="34" charset="0"/>
+              </a:rPr>
+              <a:t> </a:t>
+            </a:r>
+            <a:r>
+              <a:rPr lang="en-US" altLang="ko-KR" sz="1400" dirty="0" err="1">
                 <a:solidFill>
                   <a:schemeClr val="tx1">
                     <a:lumMod val="75000"/>
@@ -18577,19 +18534,19 @@
               <a:t>hệ</a:t>
             </a:r>
             <a:r>
-              <a:rPr lang="en-US" altLang="ko-KR" sz="1400" dirty="0" smtClean="0">
-                <a:solidFill>
-                  <a:schemeClr val="tx1">
-                    <a:lumMod val="75000"/>
-                    <a:lumOff val="25000"/>
-                  </a:schemeClr>
-                </a:solidFill>
-                <a:cs typeface="Arial" pitchFamily="34" charset="0"/>
-              </a:rPr>
-              <a:t> </a:t>
-            </a:r>
-            <a:r>
-              <a:rPr lang="en-US" altLang="ko-KR" sz="1400" dirty="0" err="1" smtClean="0">
+              <a:rPr lang="en-US" altLang="ko-KR" sz="1400" dirty="0">
+                <a:solidFill>
+                  <a:schemeClr val="tx1">
+                    <a:lumMod val="75000"/>
+                    <a:lumOff val="25000"/>
+                  </a:schemeClr>
+                </a:solidFill>
+                <a:cs typeface="Arial" pitchFamily="34" charset="0"/>
+              </a:rPr>
+              <a:t> </a:t>
+            </a:r>
+            <a:r>
+              <a:rPr lang="en-US" altLang="ko-KR" sz="1400" dirty="0" err="1">
                 <a:solidFill>
                   <a:schemeClr val="tx1">
                     <a:lumMod val="75000"/>
@@ -18601,7 +18558,7 @@
               <a:t>thống</a:t>
             </a:r>
             <a:r>
-              <a:rPr lang="en-US" altLang="ko-KR" sz="1400" dirty="0" smtClean="0">
+              <a:rPr lang="en-US" altLang="ko-KR" sz="1400" dirty="0">
                 <a:solidFill>
                   <a:schemeClr val="tx1">
                     <a:lumMod val="75000"/>
@@ -18614,7 +18571,7 @@
             </a:r>
           </a:p>
           <a:p>
-            <a:endParaRPr lang="en-US" altLang="ko-KR" sz="1400" dirty="0" smtClean="0">
+            <a:endParaRPr lang="en-US" altLang="ko-KR" sz="1400" dirty="0">
               <a:solidFill>
                 <a:schemeClr val="tx1">
                   <a:lumMod val="75000"/>
@@ -18630,7 +18587,7 @@
               <a:buChar char="•"/>
             </a:pPr>
             <a:r>
-              <a:rPr lang="en-US" altLang="ko-KR" sz="1400" dirty="0" err="1" smtClean="0">
+              <a:rPr lang="en-US" altLang="ko-KR" sz="1400" dirty="0" err="1">
                 <a:solidFill>
                   <a:schemeClr val="tx1">
                     <a:lumMod val="75000"/>
@@ -18642,19 +18599,19 @@
               <a:t>Phần</a:t>
             </a:r>
             <a:r>
-              <a:rPr lang="en-US" altLang="ko-KR" sz="1400" dirty="0" smtClean="0">
-                <a:solidFill>
-                  <a:schemeClr val="tx1">
-                    <a:lumMod val="75000"/>
-                    <a:lumOff val="25000"/>
-                  </a:schemeClr>
-                </a:solidFill>
-                <a:cs typeface="Arial" pitchFamily="34" charset="0"/>
-              </a:rPr>
-              <a:t> </a:t>
-            </a:r>
-            <a:r>
-              <a:rPr lang="en-US" altLang="ko-KR" sz="1400" dirty="0" err="1" smtClean="0">
+              <a:rPr lang="en-US" altLang="ko-KR" sz="1400" dirty="0">
+                <a:solidFill>
+                  <a:schemeClr val="tx1">
+                    <a:lumMod val="75000"/>
+                    <a:lumOff val="25000"/>
+                  </a:schemeClr>
+                </a:solidFill>
+                <a:cs typeface="Arial" pitchFamily="34" charset="0"/>
+              </a:rPr>
+              <a:t> </a:t>
+            </a:r>
+            <a:r>
+              <a:rPr lang="en-US" altLang="ko-KR" sz="1400" dirty="0" err="1">
                 <a:solidFill>
                   <a:schemeClr val="tx1">
                     <a:lumMod val="75000"/>
@@ -18666,19 +18623,19 @@
               <a:t>mềm</a:t>
             </a:r>
             <a:r>
-              <a:rPr lang="en-US" altLang="ko-KR" sz="1400" dirty="0" smtClean="0">
-                <a:solidFill>
-                  <a:schemeClr val="tx1">
-                    <a:lumMod val="75000"/>
-                    <a:lumOff val="25000"/>
-                  </a:schemeClr>
-                </a:solidFill>
-                <a:cs typeface="Arial" pitchFamily="34" charset="0"/>
-              </a:rPr>
-              <a:t> </a:t>
-            </a:r>
-            <a:r>
-              <a:rPr lang="en-US" altLang="ko-KR" sz="1400" dirty="0" err="1" smtClean="0">
+              <a:rPr lang="en-US" altLang="ko-KR" sz="1400" dirty="0">
+                <a:solidFill>
+                  <a:schemeClr val="tx1">
+                    <a:lumMod val="75000"/>
+                    <a:lumOff val="25000"/>
+                  </a:schemeClr>
+                </a:solidFill>
+                <a:cs typeface="Arial" pitchFamily="34" charset="0"/>
+              </a:rPr>
+              <a:t> </a:t>
+            </a:r>
+            <a:r>
+              <a:rPr lang="en-US" altLang="ko-KR" sz="1400" dirty="0" err="1">
                 <a:solidFill>
                   <a:schemeClr val="tx1">
                     <a:lumMod val="75000"/>
@@ -18690,19 +18647,19 @@
               <a:t>dễ</a:t>
             </a:r>
             <a:r>
-              <a:rPr lang="en-US" altLang="ko-KR" sz="1400" dirty="0" smtClean="0">
-                <a:solidFill>
-                  <a:schemeClr val="tx1">
-                    <a:lumMod val="75000"/>
-                    <a:lumOff val="25000"/>
-                  </a:schemeClr>
-                </a:solidFill>
-                <a:cs typeface="Arial" pitchFamily="34" charset="0"/>
-              </a:rPr>
-              <a:t> </a:t>
-            </a:r>
-            <a:r>
-              <a:rPr lang="en-US" altLang="ko-KR" sz="1400" dirty="0" err="1" smtClean="0">
+              <a:rPr lang="en-US" altLang="ko-KR" sz="1400" dirty="0">
+                <a:solidFill>
+                  <a:schemeClr val="tx1">
+                    <a:lumMod val="75000"/>
+                    <a:lumOff val="25000"/>
+                  </a:schemeClr>
+                </a:solidFill>
+                <a:cs typeface="Arial" pitchFamily="34" charset="0"/>
+              </a:rPr>
+              <a:t> </a:t>
+            </a:r>
+            <a:r>
+              <a:rPr lang="en-US" altLang="ko-KR" sz="1400" dirty="0" err="1">
                 <a:solidFill>
                   <a:schemeClr val="tx1">
                     <a:lumMod val="75000"/>
@@ -18714,19 +18671,19 @@
               <a:t>dàng</a:t>
             </a:r>
             <a:r>
-              <a:rPr lang="en-US" altLang="ko-KR" sz="1400" dirty="0" smtClean="0">
-                <a:solidFill>
-                  <a:schemeClr val="tx1">
-                    <a:lumMod val="75000"/>
-                    <a:lumOff val="25000"/>
-                  </a:schemeClr>
-                </a:solidFill>
-                <a:cs typeface="Arial" pitchFamily="34" charset="0"/>
-              </a:rPr>
-              <a:t> </a:t>
-            </a:r>
-            <a:r>
-              <a:rPr lang="en-US" altLang="ko-KR" sz="1400" dirty="0" err="1" smtClean="0">
+              <a:rPr lang="en-US" altLang="ko-KR" sz="1400" dirty="0">
+                <a:solidFill>
+                  <a:schemeClr val="tx1">
+                    <a:lumMod val="75000"/>
+                    <a:lumOff val="25000"/>
+                  </a:schemeClr>
+                </a:solidFill>
+                <a:cs typeface="Arial" pitchFamily="34" charset="0"/>
+              </a:rPr>
+              <a:t> </a:t>
+            </a:r>
+            <a:r>
+              <a:rPr lang="en-US" altLang="ko-KR" sz="1400" dirty="0" err="1">
                 <a:solidFill>
                   <a:schemeClr val="tx1">
                     <a:lumMod val="75000"/>
@@ -18738,19 +18695,19 @@
               <a:t>khắc</a:t>
             </a:r>
             <a:r>
-              <a:rPr lang="en-US" altLang="ko-KR" sz="1400" dirty="0" smtClean="0">
-                <a:solidFill>
-                  <a:schemeClr val="tx1">
-                    <a:lumMod val="75000"/>
-                    <a:lumOff val="25000"/>
-                  </a:schemeClr>
-                </a:solidFill>
-                <a:cs typeface="Arial" pitchFamily="34" charset="0"/>
-              </a:rPr>
-              <a:t> </a:t>
-            </a:r>
-            <a:r>
-              <a:rPr lang="en-US" altLang="ko-KR" sz="1400" dirty="0" err="1" smtClean="0">
+              <a:rPr lang="en-US" altLang="ko-KR" sz="1400" dirty="0">
+                <a:solidFill>
+                  <a:schemeClr val="tx1">
+                    <a:lumMod val="75000"/>
+                    <a:lumOff val="25000"/>
+                  </a:schemeClr>
+                </a:solidFill>
+                <a:cs typeface="Arial" pitchFamily="34" charset="0"/>
+              </a:rPr>
+              <a:t> </a:t>
+            </a:r>
+            <a:r>
+              <a:rPr lang="en-US" altLang="ko-KR" sz="1400" dirty="0" err="1">
                 <a:solidFill>
                   <a:schemeClr val="tx1">
                     <a:lumMod val="75000"/>
@@ -18762,19 +18719,19 @@
               <a:t>phục</a:t>
             </a:r>
             <a:r>
-              <a:rPr lang="en-US" altLang="ko-KR" sz="1400" dirty="0" smtClean="0">
-                <a:solidFill>
-                  <a:schemeClr val="tx1">
-                    <a:lumMod val="75000"/>
-                    <a:lumOff val="25000"/>
-                  </a:schemeClr>
-                </a:solidFill>
-                <a:cs typeface="Arial" pitchFamily="34" charset="0"/>
-              </a:rPr>
-              <a:t> </a:t>
-            </a:r>
-            <a:r>
-              <a:rPr lang="en-US" altLang="ko-KR" sz="1400" dirty="0" err="1" smtClean="0">
+              <a:rPr lang="en-US" altLang="ko-KR" sz="1400" dirty="0">
+                <a:solidFill>
+                  <a:schemeClr val="tx1">
+                    <a:lumMod val="75000"/>
+                    <a:lumOff val="25000"/>
+                  </a:schemeClr>
+                </a:solidFill>
+                <a:cs typeface="Arial" pitchFamily="34" charset="0"/>
+              </a:rPr>
+              <a:t> </a:t>
+            </a:r>
+            <a:r>
+              <a:rPr lang="en-US" altLang="ko-KR" sz="1400" dirty="0" err="1">
                 <a:solidFill>
                   <a:schemeClr val="tx1">
                     <a:lumMod val="75000"/>
@@ -18786,19 +18743,19 @@
               <a:t>những</a:t>
             </a:r>
             <a:r>
-              <a:rPr lang="en-US" altLang="ko-KR" sz="1400" dirty="0" smtClean="0">
-                <a:solidFill>
-                  <a:schemeClr val="tx1">
-                    <a:lumMod val="75000"/>
-                    <a:lumOff val="25000"/>
-                  </a:schemeClr>
-                </a:solidFill>
-                <a:cs typeface="Arial" pitchFamily="34" charset="0"/>
-              </a:rPr>
-              <a:t> </a:t>
-            </a:r>
-            <a:r>
-              <a:rPr lang="en-US" altLang="ko-KR" sz="1400" dirty="0" err="1" smtClean="0">
+              <a:rPr lang="en-US" altLang="ko-KR" sz="1400" dirty="0">
+                <a:solidFill>
+                  <a:schemeClr val="tx1">
+                    <a:lumMod val="75000"/>
+                    <a:lumOff val="25000"/>
+                  </a:schemeClr>
+                </a:solidFill>
+                <a:cs typeface="Arial" pitchFamily="34" charset="0"/>
+              </a:rPr>
+              <a:t> </a:t>
+            </a:r>
+            <a:r>
+              <a:rPr lang="en-US" altLang="ko-KR" sz="1400" dirty="0" err="1">
                 <a:solidFill>
                   <a:schemeClr val="tx1">
                     <a:lumMod val="75000"/>
@@ -18810,19 +18767,19 @@
               <a:t>lỗi</a:t>
             </a:r>
             <a:r>
-              <a:rPr lang="en-US" altLang="ko-KR" sz="1400" dirty="0" smtClean="0">
-                <a:solidFill>
-                  <a:schemeClr val="tx1">
-                    <a:lumMod val="75000"/>
-                    <a:lumOff val="25000"/>
-                  </a:schemeClr>
-                </a:solidFill>
-                <a:cs typeface="Arial" pitchFamily="34" charset="0"/>
-              </a:rPr>
-              <a:t> </a:t>
-            </a:r>
-            <a:r>
-              <a:rPr lang="en-US" altLang="ko-KR" sz="1400" dirty="0" err="1" smtClean="0">
+              <a:rPr lang="en-US" altLang="ko-KR" sz="1400" dirty="0">
+                <a:solidFill>
+                  <a:schemeClr val="tx1">
+                    <a:lumMod val="75000"/>
+                    <a:lumOff val="25000"/>
+                  </a:schemeClr>
+                </a:solidFill>
+                <a:cs typeface="Arial" pitchFamily="34" charset="0"/>
+              </a:rPr>
+              <a:t> </a:t>
+            </a:r>
+            <a:r>
+              <a:rPr lang="en-US" altLang="ko-KR" sz="1400" dirty="0" err="1">
                 <a:solidFill>
                   <a:schemeClr val="tx1">
                     <a:lumMod val="75000"/>
@@ -18834,19 +18791,19 @@
               <a:t>phát</a:t>
             </a:r>
             <a:r>
-              <a:rPr lang="en-US" altLang="ko-KR" sz="1400" dirty="0" smtClean="0">
-                <a:solidFill>
-                  <a:schemeClr val="tx1">
-                    <a:lumMod val="75000"/>
-                    <a:lumOff val="25000"/>
-                  </a:schemeClr>
-                </a:solidFill>
-                <a:cs typeface="Arial" pitchFamily="34" charset="0"/>
-              </a:rPr>
-              <a:t> </a:t>
-            </a:r>
-            <a:r>
-              <a:rPr lang="en-US" altLang="ko-KR" sz="1400" dirty="0" err="1" smtClean="0">
+              <a:rPr lang="en-US" altLang="ko-KR" sz="1400" dirty="0">
+                <a:solidFill>
+                  <a:schemeClr val="tx1">
+                    <a:lumMod val="75000"/>
+                    <a:lumOff val="25000"/>
+                  </a:schemeClr>
+                </a:solidFill>
+                <a:cs typeface="Arial" pitchFamily="34" charset="0"/>
+              </a:rPr>
+              <a:t> </a:t>
+            </a:r>
+            <a:r>
+              <a:rPr lang="en-US" altLang="ko-KR" sz="1400" dirty="0" err="1">
                 <a:solidFill>
                   <a:schemeClr val="tx1">
                     <a:lumMod val="75000"/>
@@ -18858,19 +18815,19 @@
               <a:t>sinh</a:t>
             </a:r>
             <a:r>
-              <a:rPr lang="en-US" altLang="ko-KR" sz="1400" dirty="0" smtClean="0">
-                <a:solidFill>
-                  <a:schemeClr val="tx1">
-                    <a:lumMod val="75000"/>
-                    <a:lumOff val="25000"/>
-                  </a:schemeClr>
-                </a:solidFill>
-                <a:cs typeface="Arial" pitchFamily="34" charset="0"/>
-              </a:rPr>
-              <a:t> </a:t>
-            </a:r>
-            <a:r>
-              <a:rPr lang="en-US" altLang="ko-KR" sz="1400" dirty="0" err="1" smtClean="0">
+              <a:rPr lang="en-US" altLang="ko-KR" sz="1400" dirty="0">
+                <a:solidFill>
+                  <a:schemeClr val="tx1">
+                    <a:lumMod val="75000"/>
+                    <a:lumOff val="25000"/>
+                  </a:schemeClr>
+                </a:solidFill>
+                <a:cs typeface="Arial" pitchFamily="34" charset="0"/>
+              </a:rPr>
+              <a:t> </a:t>
+            </a:r>
+            <a:r>
+              <a:rPr lang="en-US" altLang="ko-KR" sz="1400" dirty="0" err="1">
                 <a:solidFill>
                   <a:schemeClr val="tx1">
                     <a:lumMod val="75000"/>
@@ -18882,19 +18839,19 @@
               <a:t>tỏng</a:t>
             </a:r>
             <a:r>
-              <a:rPr lang="en-US" altLang="ko-KR" sz="1400" dirty="0" smtClean="0">
-                <a:solidFill>
-                  <a:schemeClr val="tx1">
-                    <a:lumMod val="75000"/>
-                    <a:lumOff val="25000"/>
-                  </a:schemeClr>
-                </a:solidFill>
-                <a:cs typeface="Arial" pitchFamily="34" charset="0"/>
-              </a:rPr>
-              <a:t> </a:t>
-            </a:r>
-            <a:r>
-              <a:rPr lang="en-US" altLang="ko-KR" sz="1400" dirty="0" err="1" smtClean="0">
+              <a:rPr lang="en-US" altLang="ko-KR" sz="1400" dirty="0">
+                <a:solidFill>
+                  <a:schemeClr val="tx1">
+                    <a:lumMod val="75000"/>
+                    <a:lumOff val="25000"/>
+                  </a:schemeClr>
+                </a:solidFill>
+                <a:cs typeface="Arial" pitchFamily="34" charset="0"/>
+              </a:rPr>
+              <a:t> </a:t>
+            </a:r>
+            <a:r>
+              <a:rPr lang="en-US" altLang="ko-KR" sz="1400" dirty="0" err="1">
                 <a:solidFill>
                   <a:schemeClr val="tx1">
                     <a:lumMod val="75000"/>
@@ -18906,19 +18863,19 @@
               <a:t>quá</a:t>
             </a:r>
             <a:r>
-              <a:rPr lang="en-US" altLang="ko-KR" sz="1400" dirty="0" smtClean="0">
-                <a:solidFill>
-                  <a:schemeClr val="tx1">
-                    <a:lumMod val="75000"/>
-                    <a:lumOff val="25000"/>
-                  </a:schemeClr>
-                </a:solidFill>
-                <a:cs typeface="Arial" pitchFamily="34" charset="0"/>
-              </a:rPr>
-              <a:t> </a:t>
-            </a:r>
-            <a:r>
-              <a:rPr lang="en-US" altLang="ko-KR" sz="1400" dirty="0" err="1" smtClean="0">
+              <a:rPr lang="en-US" altLang="ko-KR" sz="1400" dirty="0">
+                <a:solidFill>
+                  <a:schemeClr val="tx1">
+                    <a:lumMod val="75000"/>
+                    <a:lumOff val="25000"/>
+                  </a:schemeClr>
+                </a:solidFill>
+                <a:cs typeface="Arial" pitchFamily="34" charset="0"/>
+              </a:rPr>
+              <a:t> </a:t>
+            </a:r>
+            <a:r>
+              <a:rPr lang="en-US" altLang="ko-KR" sz="1400" dirty="0" err="1">
                 <a:solidFill>
                   <a:schemeClr val="tx1">
                     <a:lumMod val="75000"/>
@@ -18930,19 +18887,19 @@
               <a:t>trình</a:t>
             </a:r>
             <a:r>
-              <a:rPr lang="en-US" altLang="ko-KR" sz="1400" dirty="0" smtClean="0">
-                <a:solidFill>
-                  <a:schemeClr val="tx1">
-                    <a:lumMod val="75000"/>
-                    <a:lumOff val="25000"/>
-                  </a:schemeClr>
-                </a:solidFill>
-                <a:cs typeface="Arial" pitchFamily="34" charset="0"/>
-              </a:rPr>
-              <a:t> </a:t>
-            </a:r>
-            <a:r>
-              <a:rPr lang="en-US" altLang="ko-KR" sz="1400" dirty="0" err="1" smtClean="0">
+              <a:rPr lang="en-US" altLang="ko-KR" sz="1400" dirty="0">
+                <a:solidFill>
+                  <a:schemeClr val="tx1">
+                    <a:lumMod val="75000"/>
+                    <a:lumOff val="25000"/>
+                  </a:schemeClr>
+                </a:solidFill>
+                <a:cs typeface="Arial" pitchFamily="34" charset="0"/>
+              </a:rPr>
+              <a:t> </a:t>
+            </a:r>
+            <a:r>
+              <a:rPr lang="en-US" altLang="ko-KR" sz="1400" dirty="0" err="1">
                 <a:solidFill>
                   <a:schemeClr val="tx1">
                     <a:lumMod val="75000"/>
@@ -18954,19 +18911,19 @@
               <a:t>hoạt</a:t>
             </a:r>
             <a:r>
-              <a:rPr lang="en-US" altLang="ko-KR" sz="1400" dirty="0" smtClean="0">
-                <a:solidFill>
-                  <a:schemeClr val="tx1">
-                    <a:lumMod val="75000"/>
-                    <a:lumOff val="25000"/>
-                  </a:schemeClr>
-                </a:solidFill>
-                <a:cs typeface="Arial" pitchFamily="34" charset="0"/>
-              </a:rPr>
-              <a:t> </a:t>
-            </a:r>
-            <a:r>
-              <a:rPr lang="en-US" altLang="ko-KR" sz="1400" dirty="0" err="1" smtClean="0">
+              <a:rPr lang="en-US" altLang="ko-KR" sz="1400" dirty="0">
+                <a:solidFill>
+                  <a:schemeClr val="tx1">
+                    <a:lumMod val="75000"/>
+                    <a:lumOff val="25000"/>
+                  </a:schemeClr>
+                </a:solidFill>
+                <a:cs typeface="Arial" pitchFamily="34" charset="0"/>
+              </a:rPr>
+              <a:t> </a:t>
+            </a:r>
+            <a:r>
+              <a:rPr lang="en-US" altLang="ko-KR" sz="1400" dirty="0" err="1">
                 <a:solidFill>
                   <a:schemeClr val="tx1">
                     <a:lumMod val="75000"/>
@@ -18978,7 +18935,7 @@
               <a:t>động</a:t>
             </a:r>
             <a:r>
-              <a:rPr lang="en-US" altLang="ko-KR" sz="1400" dirty="0" smtClean="0">
+              <a:rPr lang="en-US" altLang="ko-KR" sz="1400" dirty="0">
                 <a:solidFill>
                   <a:schemeClr val="tx1">
                     <a:lumMod val="75000"/>
@@ -18990,7 +18947,7 @@
               <a:t>, </a:t>
             </a:r>
             <a:r>
-              <a:rPr lang="en-US" altLang="ko-KR" sz="1400" dirty="0" err="1" smtClean="0">
+              <a:rPr lang="en-US" altLang="ko-KR" sz="1400" dirty="0" err="1">
                 <a:solidFill>
                   <a:schemeClr val="tx1">
                     <a:lumMod val="75000"/>
@@ -19002,19 +18959,19 @@
               <a:t>dễ</a:t>
             </a:r>
             <a:r>
-              <a:rPr lang="en-US" altLang="ko-KR" sz="1400" dirty="0" smtClean="0">
-                <a:solidFill>
-                  <a:schemeClr val="tx1">
-                    <a:lumMod val="75000"/>
-                    <a:lumOff val="25000"/>
-                  </a:schemeClr>
-                </a:solidFill>
-                <a:cs typeface="Arial" pitchFamily="34" charset="0"/>
-              </a:rPr>
-              <a:t> </a:t>
-            </a:r>
-            <a:r>
-              <a:rPr lang="en-US" altLang="ko-KR" sz="1400" dirty="0" err="1" smtClean="0">
+              <a:rPr lang="en-US" altLang="ko-KR" sz="1400" dirty="0">
+                <a:solidFill>
+                  <a:schemeClr val="tx1">
+                    <a:lumMod val="75000"/>
+                    <a:lumOff val="25000"/>
+                  </a:schemeClr>
+                </a:solidFill>
+                <a:cs typeface="Arial" pitchFamily="34" charset="0"/>
+              </a:rPr>
+              <a:t> </a:t>
+            </a:r>
+            <a:r>
+              <a:rPr lang="en-US" altLang="ko-KR" sz="1400" dirty="0" err="1">
                 <a:solidFill>
                   <a:schemeClr val="tx1">
                     <a:lumMod val="75000"/>
@@ -19026,19 +18983,19 @@
               <a:t>dàng</a:t>
             </a:r>
             <a:r>
-              <a:rPr lang="en-US" altLang="ko-KR" sz="1400" dirty="0" smtClean="0">
-                <a:solidFill>
-                  <a:schemeClr val="tx1">
-                    <a:lumMod val="75000"/>
-                    <a:lumOff val="25000"/>
-                  </a:schemeClr>
-                </a:solidFill>
-                <a:cs typeface="Arial" pitchFamily="34" charset="0"/>
-              </a:rPr>
-              <a:t> </a:t>
-            </a:r>
-            <a:r>
-              <a:rPr lang="en-US" altLang="ko-KR" sz="1400" dirty="0" err="1" smtClean="0">
+              <a:rPr lang="en-US" altLang="ko-KR" sz="1400" dirty="0">
+                <a:solidFill>
+                  <a:schemeClr val="tx1">
+                    <a:lumMod val="75000"/>
+                    <a:lumOff val="25000"/>
+                  </a:schemeClr>
+                </a:solidFill>
+                <a:cs typeface="Arial" pitchFamily="34" charset="0"/>
+              </a:rPr>
+              <a:t> </a:t>
+            </a:r>
+            <a:r>
+              <a:rPr lang="en-US" altLang="ko-KR" sz="1400" dirty="0" err="1">
                 <a:solidFill>
                   <a:schemeClr val="tx1">
                     <a:lumMod val="75000"/>
@@ -19050,19 +19007,19 @@
               <a:t>nâng</a:t>
             </a:r>
             <a:r>
-              <a:rPr lang="en-US" altLang="ko-KR" sz="1400" dirty="0" smtClean="0">
-                <a:solidFill>
-                  <a:schemeClr val="tx1">
-                    <a:lumMod val="75000"/>
-                    <a:lumOff val="25000"/>
-                  </a:schemeClr>
-                </a:solidFill>
-                <a:cs typeface="Arial" pitchFamily="34" charset="0"/>
-              </a:rPr>
-              <a:t> </a:t>
-            </a:r>
-            <a:r>
-              <a:rPr lang="en-US" altLang="ko-KR" sz="1400" dirty="0" err="1" smtClean="0">
+              <a:rPr lang="en-US" altLang="ko-KR" sz="1400" dirty="0">
+                <a:solidFill>
+                  <a:schemeClr val="tx1">
+                    <a:lumMod val="75000"/>
+                    <a:lumOff val="25000"/>
+                  </a:schemeClr>
+                </a:solidFill>
+                <a:cs typeface="Arial" pitchFamily="34" charset="0"/>
+              </a:rPr>
+              <a:t> </a:t>
+            </a:r>
+            <a:r>
+              <a:rPr lang="en-US" altLang="ko-KR" sz="1400" dirty="0" err="1">
                 <a:solidFill>
                   <a:schemeClr val="tx1">
                     <a:lumMod val="75000"/>
@@ -19074,7 +19031,7 @@
               <a:t>cấp</a:t>
             </a:r>
             <a:r>
-              <a:rPr lang="en-US" altLang="ko-KR" sz="1400" dirty="0" smtClean="0">
+              <a:rPr lang="en-US" altLang="ko-KR" sz="1400" dirty="0">
                 <a:solidFill>
                   <a:schemeClr val="tx1">
                     <a:lumMod val="75000"/>
@@ -19086,7 +19043,7 @@
               <a:t>, </a:t>
             </a:r>
             <a:r>
-              <a:rPr lang="en-US" altLang="ko-KR" sz="1400" dirty="0" err="1" smtClean="0">
+              <a:rPr lang="en-US" altLang="ko-KR" sz="1400" dirty="0" err="1">
                 <a:solidFill>
                   <a:schemeClr val="tx1">
                     <a:lumMod val="75000"/>
@@ -19098,19 +19055,19 @@
               <a:t>cải</a:t>
             </a:r>
             <a:r>
-              <a:rPr lang="en-US" altLang="ko-KR" sz="1400" dirty="0" smtClean="0">
-                <a:solidFill>
-                  <a:schemeClr val="tx1">
-                    <a:lumMod val="75000"/>
-                    <a:lumOff val="25000"/>
-                  </a:schemeClr>
-                </a:solidFill>
-                <a:cs typeface="Arial" pitchFamily="34" charset="0"/>
-              </a:rPr>
-              <a:t> </a:t>
-            </a:r>
-            <a:r>
-              <a:rPr lang="en-US" altLang="ko-KR" sz="1400" dirty="0" err="1" smtClean="0">
+              <a:rPr lang="en-US" altLang="ko-KR" sz="1400" dirty="0">
+                <a:solidFill>
+                  <a:schemeClr val="tx1">
+                    <a:lumMod val="75000"/>
+                    <a:lumOff val="25000"/>
+                  </a:schemeClr>
+                </a:solidFill>
+                <a:cs typeface="Arial" pitchFamily="34" charset="0"/>
+              </a:rPr>
+              <a:t> </a:t>
+            </a:r>
+            <a:r>
+              <a:rPr lang="en-US" altLang="ko-KR" sz="1400" dirty="0" err="1">
                 <a:solidFill>
                   <a:schemeClr val="tx1">
                     <a:lumMod val="75000"/>
@@ -19122,19 +19079,19 @@
               <a:t>tiến</a:t>
             </a:r>
             <a:r>
-              <a:rPr lang="en-US" altLang="ko-KR" sz="1400" dirty="0" smtClean="0">
-                <a:solidFill>
-                  <a:schemeClr val="tx1">
-                    <a:lumMod val="75000"/>
-                    <a:lumOff val="25000"/>
-                  </a:schemeClr>
-                </a:solidFill>
-                <a:cs typeface="Arial" pitchFamily="34" charset="0"/>
-              </a:rPr>
-              <a:t> </a:t>
-            </a:r>
-            <a:r>
-              <a:rPr lang="en-US" altLang="ko-KR" sz="1400" dirty="0" err="1" smtClean="0">
+              <a:rPr lang="en-US" altLang="ko-KR" sz="1400" dirty="0">
+                <a:solidFill>
+                  <a:schemeClr val="tx1">
+                    <a:lumMod val="75000"/>
+                    <a:lumOff val="25000"/>
+                  </a:schemeClr>
+                </a:solidFill>
+                <a:cs typeface="Arial" pitchFamily="34" charset="0"/>
+              </a:rPr>
+              <a:t> </a:t>
+            </a:r>
+            <a:r>
+              <a:rPr lang="en-US" altLang="ko-KR" sz="1400" dirty="0" err="1">
                 <a:solidFill>
                   <a:schemeClr val="tx1">
                     <a:lumMod val="75000"/>
@@ -19146,19 +19103,19 @@
               <a:t>các</a:t>
             </a:r>
             <a:r>
-              <a:rPr lang="en-US" altLang="ko-KR" sz="1400" dirty="0" smtClean="0">
-                <a:solidFill>
-                  <a:schemeClr val="tx1">
-                    <a:lumMod val="75000"/>
-                    <a:lumOff val="25000"/>
-                  </a:schemeClr>
-                </a:solidFill>
-                <a:cs typeface="Arial" pitchFamily="34" charset="0"/>
-              </a:rPr>
-              <a:t> </a:t>
-            </a:r>
-            <a:r>
-              <a:rPr lang="en-US" altLang="ko-KR" sz="1400" dirty="0" err="1" smtClean="0">
+              <a:rPr lang="en-US" altLang="ko-KR" sz="1400" dirty="0">
+                <a:solidFill>
+                  <a:schemeClr val="tx1">
+                    <a:lumMod val="75000"/>
+                    <a:lumOff val="25000"/>
+                  </a:schemeClr>
+                </a:solidFill>
+                <a:cs typeface="Arial" pitchFamily="34" charset="0"/>
+              </a:rPr>
+              <a:t> </a:t>
+            </a:r>
+            <a:r>
+              <a:rPr lang="en-US" altLang="ko-KR" sz="1400" dirty="0" err="1">
                 <a:solidFill>
                   <a:schemeClr val="tx1">
                     <a:lumMod val="75000"/>
@@ -19170,19 +19127,19 @@
               <a:t>chức</a:t>
             </a:r>
             <a:r>
-              <a:rPr lang="en-US" altLang="ko-KR" sz="1400" dirty="0" smtClean="0">
-                <a:solidFill>
-                  <a:schemeClr val="tx1">
-                    <a:lumMod val="75000"/>
-                    <a:lumOff val="25000"/>
-                  </a:schemeClr>
-                </a:solidFill>
-                <a:cs typeface="Arial" pitchFamily="34" charset="0"/>
-              </a:rPr>
-              <a:t> </a:t>
-            </a:r>
-            <a:r>
-              <a:rPr lang="en-US" altLang="ko-KR" sz="1400" dirty="0" err="1" smtClean="0">
+              <a:rPr lang="en-US" altLang="ko-KR" sz="1400" dirty="0">
+                <a:solidFill>
+                  <a:schemeClr val="tx1">
+                    <a:lumMod val="75000"/>
+                    <a:lumOff val="25000"/>
+                  </a:schemeClr>
+                </a:solidFill>
+                <a:cs typeface="Arial" pitchFamily="34" charset="0"/>
+              </a:rPr>
+              <a:t> </a:t>
+            </a:r>
+            <a:r>
+              <a:rPr lang="en-US" altLang="ko-KR" sz="1400" dirty="0" err="1">
                 <a:solidFill>
                   <a:schemeClr val="tx1">
                     <a:lumMod val="75000"/>
@@ -19194,19 +19151,19 @@
               <a:t>năng</a:t>
             </a:r>
             <a:r>
-              <a:rPr lang="en-US" altLang="ko-KR" sz="1400" dirty="0" smtClean="0">
-                <a:solidFill>
-                  <a:schemeClr val="tx1">
-                    <a:lumMod val="75000"/>
-                    <a:lumOff val="25000"/>
-                  </a:schemeClr>
-                </a:solidFill>
-                <a:cs typeface="Arial" pitchFamily="34" charset="0"/>
-              </a:rPr>
-              <a:t> </a:t>
-            </a:r>
-            <a:r>
-              <a:rPr lang="en-US" altLang="ko-KR" sz="1400" dirty="0" err="1" smtClean="0">
+              <a:rPr lang="en-US" altLang="ko-KR" sz="1400" dirty="0">
+                <a:solidFill>
+                  <a:schemeClr val="tx1">
+                    <a:lumMod val="75000"/>
+                    <a:lumOff val="25000"/>
+                  </a:schemeClr>
+                </a:solidFill>
+                <a:cs typeface="Arial" pitchFamily="34" charset="0"/>
+              </a:rPr>
+              <a:t> </a:t>
+            </a:r>
+            <a:r>
+              <a:rPr lang="en-US" altLang="ko-KR" sz="1400" dirty="0" err="1">
                 <a:solidFill>
                   <a:schemeClr val="tx1">
                     <a:lumMod val="75000"/>
@@ -19218,19 +19175,19 @@
               <a:t>của</a:t>
             </a:r>
             <a:r>
-              <a:rPr lang="en-US" altLang="ko-KR" sz="1400" dirty="0" smtClean="0">
-                <a:solidFill>
-                  <a:schemeClr val="tx1">
-                    <a:lumMod val="75000"/>
-                    <a:lumOff val="25000"/>
-                  </a:schemeClr>
-                </a:solidFill>
-                <a:cs typeface="Arial" pitchFamily="34" charset="0"/>
-              </a:rPr>
-              <a:t> </a:t>
-            </a:r>
-            <a:r>
-              <a:rPr lang="en-US" altLang="ko-KR" sz="1400" dirty="0" err="1" smtClean="0">
+              <a:rPr lang="en-US" altLang="ko-KR" sz="1400" dirty="0">
+                <a:solidFill>
+                  <a:schemeClr val="tx1">
+                    <a:lumMod val="75000"/>
+                    <a:lumOff val="25000"/>
+                  </a:schemeClr>
+                </a:solidFill>
+                <a:cs typeface="Arial" pitchFamily="34" charset="0"/>
+              </a:rPr>
+              <a:t> </a:t>
+            </a:r>
+            <a:r>
+              <a:rPr lang="en-US" altLang="ko-KR" sz="1400" dirty="0" err="1">
                 <a:solidFill>
                   <a:schemeClr val="tx1">
                     <a:lumMod val="75000"/>
@@ -19242,19 +19199,19 @@
               <a:t>hệ</a:t>
             </a:r>
             <a:r>
-              <a:rPr lang="en-US" altLang="ko-KR" sz="1400" dirty="0" smtClean="0">
-                <a:solidFill>
-                  <a:schemeClr val="tx1">
-                    <a:lumMod val="75000"/>
-                    <a:lumOff val="25000"/>
-                  </a:schemeClr>
-                </a:solidFill>
-                <a:cs typeface="Arial" pitchFamily="34" charset="0"/>
-              </a:rPr>
-              <a:t> </a:t>
-            </a:r>
-            <a:r>
-              <a:rPr lang="en-US" altLang="ko-KR" sz="1400" dirty="0" err="1" smtClean="0">
+              <a:rPr lang="en-US" altLang="ko-KR" sz="1400" dirty="0">
+                <a:solidFill>
+                  <a:schemeClr val="tx1">
+                    <a:lumMod val="75000"/>
+                    <a:lumOff val="25000"/>
+                  </a:schemeClr>
+                </a:solidFill>
+                <a:cs typeface="Arial" pitchFamily="34" charset="0"/>
+              </a:rPr>
+              <a:t> </a:t>
+            </a:r>
+            <a:r>
+              <a:rPr lang="en-US" altLang="ko-KR" sz="1400" dirty="0" err="1">
                 <a:solidFill>
                   <a:schemeClr val="tx1">
                     <a:lumMod val="75000"/>
@@ -19266,7 +19223,7 @@
               <a:t>thống</a:t>
             </a:r>
             <a:r>
-              <a:rPr lang="en-US" altLang="ko-KR" sz="1400" dirty="0" smtClean="0">
+              <a:rPr lang="en-US" altLang="ko-KR" sz="1400" dirty="0">
                 <a:solidFill>
                   <a:schemeClr val="tx1">
                     <a:lumMod val="75000"/>
@@ -19301,13 +19258,6 @@
   <p:clrMapOvr>
     <a:masterClrMapping/>
   </p:clrMapOvr>
-  <p:timing>
-    <p:tnLst>
-      <p:par>
-        <p:cTn id="1" dur="indefinite" restart="never" nodeType="tmRoot"/>
-      </p:par>
-    </p:tnLst>
-  </p:timing>
 </p:sld>
 </file>
 
@@ -19344,31 +19294,31 @@
           <a:lstStyle/>
           <a:p>
             <a:r>
-              <a:rPr lang="en-US" sz="3200" b="1" dirty="0" err="1" smtClean="0"/>
+              <a:rPr lang="en-US" sz="3200" b="1" dirty="0" err="1"/>
               <a:t>Phạm</a:t>
             </a:r>
             <a:r>
-              <a:rPr lang="en-US" sz="3200" b="1" dirty="0" smtClean="0"/>
+              <a:rPr lang="en-US" sz="3200" b="1" dirty="0"/>
               <a:t> vi </a:t>
             </a:r>
             <a:r>
-              <a:rPr lang="en-US" sz="3200" b="1" dirty="0" err="1" smtClean="0"/>
+              <a:rPr lang="en-US" sz="3200" b="1" dirty="0" err="1"/>
               <a:t>của</a:t>
             </a:r>
             <a:r>
-              <a:rPr lang="en-US" sz="3200" b="1" dirty="0" smtClean="0"/>
-              <a:t> </a:t>
-            </a:r>
-            <a:r>
-              <a:rPr lang="en-US" sz="3200" b="1" dirty="0" err="1" smtClean="0"/>
+              <a:rPr lang="en-US" sz="3200" b="1" dirty="0"/>
+              <a:t> </a:t>
+            </a:r>
+            <a:r>
+              <a:rPr lang="en-US" sz="3200" b="1" dirty="0" err="1"/>
               <a:t>đề</a:t>
             </a:r>
             <a:r>
-              <a:rPr lang="en-US" sz="3200" b="1" dirty="0" smtClean="0"/>
-              <a:t> </a:t>
-            </a:r>
-            <a:r>
-              <a:rPr lang="en-US" sz="3200" b="1" dirty="0" err="1" smtClean="0"/>
+              <a:rPr lang="en-US" sz="3200" b="1" dirty="0"/>
+              <a:t> </a:t>
+            </a:r>
+            <a:r>
+              <a:rPr lang="en-US" sz="3200" b="1" dirty="0" err="1"/>
               <a:t>tài</a:t>
             </a:r>
             <a:endParaRPr lang="en-US" sz="3200" b="1" dirty="0"/>
@@ -19440,15 +19390,15 @@
           <a:p>
             <a:pPr marL="0" lvl="3"/>
             <a:r>
-              <a:rPr lang="en-US" sz="1500" dirty="0" smtClean="0"/>
+              <a:rPr lang="en-US" sz="1500" dirty="0"/>
               <a:t>- </a:t>
             </a:r>
             <a:r>
-              <a:rPr lang="en-US" sz="1500" dirty="0" err="1" smtClean="0"/>
+              <a:rPr lang="en-US" sz="1500" dirty="0" err="1"/>
               <a:t>Đề</a:t>
             </a:r>
             <a:r>
-              <a:rPr lang="en-US" sz="1500" dirty="0" smtClean="0"/>
+              <a:rPr lang="en-US" sz="1500" dirty="0"/>
               <a:t> </a:t>
             </a:r>
             <a:r>
@@ -19523,16 +19473,15 @@
               <a:rPr lang="en-US" sz="1500" dirty="0"/>
               <a:t> </a:t>
             </a:r>
-            <a:endParaRPr lang="en-US" sz="1500" dirty="0" smtClean="0"/>
           </a:p>
           <a:p>
             <a:pPr marL="0" lvl="3"/>
             <a:r>
-              <a:rPr lang="en-US" sz="1500" dirty="0" err="1" smtClean="0"/>
+              <a:rPr lang="en-US" sz="1500" dirty="0" err="1"/>
               <a:t>bán</a:t>
             </a:r>
             <a:r>
-              <a:rPr lang="en-US" sz="1500" dirty="0" smtClean="0"/>
+              <a:rPr lang="en-US" sz="1500" dirty="0"/>
               <a:t> </a:t>
             </a:r>
             <a:r>
@@ -19599,24 +19548,23 @@
               <a:rPr lang="en-US" sz="1500" dirty="0"/>
               <a:t> </a:t>
             </a:r>
-            <a:endParaRPr lang="en-US" sz="1500" dirty="0" smtClean="0"/>
           </a:p>
           <a:p>
             <a:pPr marL="0" lvl="3"/>
             <a:r>
-              <a:rPr lang="en-US" sz="1500" dirty="0" err="1" smtClean="0"/>
+              <a:rPr lang="en-US" sz="1500" dirty="0" err="1"/>
               <a:t>và</a:t>
             </a:r>
             <a:r>
-              <a:rPr lang="en-US" sz="1500" dirty="0" smtClean="0"/>
-              <a:t> </a:t>
-            </a:r>
-            <a:r>
-              <a:rPr lang="en-US" sz="1500" dirty="0" err="1" smtClean="0"/>
+              <a:rPr lang="en-US" sz="1500" dirty="0"/>
+              <a:t> </a:t>
+            </a:r>
+            <a:r>
+              <a:rPr lang="en-US" sz="1500" dirty="0" err="1"/>
               <a:t>nhập</a:t>
             </a:r>
             <a:r>
-              <a:rPr lang="en-US" sz="1500" dirty="0" smtClean="0"/>
+              <a:rPr lang="en-US" sz="1500" dirty="0"/>
               <a:t> </a:t>
             </a:r>
             <a:r>
@@ -19680,7 +19628,7 @@
               <a:t>hàng</a:t>
             </a:r>
             <a:r>
-              <a:rPr lang="en-US" sz="1500" dirty="0" smtClean="0"/>
+              <a:rPr lang="en-US" sz="1500" dirty="0"/>
               <a:t>.</a:t>
             </a:r>
           </a:p>
@@ -19699,41 +19647,37 @@
             </a:pPr>
             <a:r>
               <a:rPr lang="en-US" sz="1500" dirty="0"/>
-              <a:t> </a:t>
-            </a:r>
-            <a:r>
-              <a:rPr lang="en-US" sz="1500" dirty="0" smtClean="0"/>
-              <a:t>    * </a:t>
-            </a:r>
-            <a:r>
-              <a:rPr lang="en-US" sz="1500" dirty="0" err="1" smtClean="0"/>
+              <a:t>     * </a:t>
+            </a:r>
+            <a:r>
+              <a:rPr lang="en-US" sz="1500" dirty="0" err="1"/>
               <a:t>Về</a:t>
             </a:r>
             <a:r>
-              <a:rPr lang="en-US" sz="1500" dirty="0" smtClean="0"/>
-              <a:t> </a:t>
-            </a:r>
-            <a:r>
-              <a:rPr lang="en-US" sz="1500" dirty="0" err="1" smtClean="0"/>
+              <a:rPr lang="en-US" sz="1500" dirty="0"/>
+              <a:t> </a:t>
+            </a:r>
+            <a:r>
+              <a:rPr lang="en-US" sz="1500" dirty="0" err="1"/>
               <a:t>phần</a:t>
             </a:r>
             <a:r>
-              <a:rPr lang="en-US" sz="1500" dirty="0" smtClean="0"/>
-              <a:t> </a:t>
-            </a:r>
-            <a:r>
-              <a:rPr lang="en-US" sz="1500" dirty="0" err="1" smtClean="0"/>
+              <a:rPr lang="en-US" sz="1500" dirty="0"/>
+              <a:t> </a:t>
+            </a:r>
+            <a:r>
+              <a:rPr lang="en-US" sz="1500" dirty="0" err="1"/>
               <a:t>dữ</a:t>
             </a:r>
             <a:r>
-              <a:rPr lang="en-US" sz="1500" dirty="0" smtClean="0"/>
-              <a:t> </a:t>
-            </a:r>
-            <a:r>
-              <a:rPr lang="en-US" sz="1500" dirty="0" err="1" smtClean="0"/>
+              <a:rPr lang="en-US" sz="1500" dirty="0"/>
+              <a:t> </a:t>
+            </a:r>
+            <a:r>
+              <a:rPr lang="en-US" sz="1500" dirty="0" err="1"/>
               <a:t>liệu</a:t>
             </a:r>
-            <a:endParaRPr lang="en-US" sz="1500" dirty="0" smtClean="0"/>
+            <a:endParaRPr lang="en-US" sz="1500" dirty="0"/>
           </a:p>
           <a:p>
             <a:pPr marL="0" lvl="3">
@@ -19742,38 +19686,38 @@
               </a:lnSpc>
             </a:pPr>
             <a:r>
-              <a:rPr lang="en-US" sz="1500" dirty="0" smtClean="0"/>
+              <a:rPr lang="en-US" sz="1500" dirty="0"/>
               <a:t>     * </a:t>
             </a:r>
             <a:r>
-              <a:rPr lang="en-US" sz="1500" dirty="0" err="1" smtClean="0"/>
+              <a:rPr lang="en-US" sz="1500" dirty="0" err="1"/>
               <a:t>Về</a:t>
             </a:r>
             <a:r>
-              <a:rPr lang="en-US" sz="1500" dirty="0" smtClean="0"/>
-              <a:t> </a:t>
-            </a:r>
-            <a:r>
-              <a:rPr lang="en-US" sz="1500" dirty="0" err="1" smtClean="0"/>
+              <a:rPr lang="en-US" sz="1500" dirty="0"/>
+              <a:t> </a:t>
+            </a:r>
+            <a:r>
+              <a:rPr lang="en-US" sz="1500" dirty="0" err="1"/>
               <a:t>phần</a:t>
             </a:r>
             <a:r>
-              <a:rPr lang="en-US" sz="1500" dirty="0" smtClean="0"/>
-              <a:t> </a:t>
-            </a:r>
-            <a:r>
-              <a:rPr lang="en-US" sz="1500" dirty="0" err="1" smtClean="0"/>
+              <a:rPr lang="en-US" sz="1500" dirty="0"/>
+              <a:t> </a:t>
+            </a:r>
+            <a:r>
+              <a:rPr lang="en-US" sz="1500" dirty="0" err="1"/>
               <a:t>xử</a:t>
             </a:r>
             <a:r>
-              <a:rPr lang="en-US" sz="1500" dirty="0" smtClean="0"/>
-              <a:t> </a:t>
-            </a:r>
-            <a:r>
-              <a:rPr lang="en-US" sz="1500" dirty="0" err="1" smtClean="0"/>
+              <a:rPr lang="en-US" sz="1500" dirty="0"/>
+              <a:t> </a:t>
+            </a:r>
+            <a:r>
+              <a:rPr lang="en-US" sz="1500" dirty="0" err="1"/>
               <a:t>lý</a:t>
             </a:r>
-            <a:endParaRPr lang="en-US" sz="1500" dirty="0" smtClean="0"/>
+            <a:endParaRPr lang="en-US" sz="1500" dirty="0"/>
           </a:p>
           <a:p>
             <a:pPr marL="0" lvl="3">
@@ -19783,41 +19727,37 @@
             </a:pPr>
             <a:r>
               <a:rPr lang="en-US" sz="1500" dirty="0"/>
-              <a:t> </a:t>
-            </a:r>
-            <a:r>
-              <a:rPr lang="en-US" sz="1500" dirty="0" smtClean="0"/>
-              <a:t>    * </a:t>
-            </a:r>
-            <a:r>
-              <a:rPr lang="en-US" sz="1500" dirty="0" err="1" smtClean="0"/>
+              <a:t>     * </a:t>
+            </a:r>
+            <a:r>
+              <a:rPr lang="en-US" sz="1500" dirty="0" err="1"/>
               <a:t>Về</a:t>
             </a:r>
             <a:r>
-              <a:rPr lang="en-US" sz="1500" dirty="0" smtClean="0"/>
-              <a:t> </a:t>
-            </a:r>
-            <a:r>
-              <a:rPr lang="en-US" sz="1500" dirty="0" err="1" smtClean="0"/>
+              <a:rPr lang="en-US" sz="1500" dirty="0"/>
+              <a:t> </a:t>
+            </a:r>
+            <a:r>
+              <a:rPr lang="en-US" sz="1500" dirty="0" err="1"/>
               <a:t>phần</a:t>
             </a:r>
             <a:r>
-              <a:rPr lang="en-US" sz="1500" dirty="0" smtClean="0"/>
-              <a:t> </a:t>
-            </a:r>
-            <a:r>
-              <a:rPr lang="en-US" sz="1500" dirty="0" err="1" smtClean="0"/>
+              <a:rPr lang="en-US" sz="1500" dirty="0"/>
+              <a:t> </a:t>
+            </a:r>
+            <a:r>
+              <a:rPr lang="en-US" sz="1500" dirty="0" err="1"/>
               <a:t>giao</a:t>
             </a:r>
             <a:r>
-              <a:rPr lang="en-US" sz="1500" dirty="0" smtClean="0"/>
-              <a:t> </a:t>
-            </a:r>
-            <a:r>
-              <a:rPr lang="en-US" sz="1500" dirty="0" err="1" smtClean="0"/>
+              <a:rPr lang="en-US" sz="1500" dirty="0"/>
+              <a:t> </a:t>
+            </a:r>
+            <a:r>
+              <a:rPr lang="en-US" sz="1500" dirty="0" err="1"/>
               <a:t>diện</a:t>
             </a:r>
-            <a:endParaRPr lang="en-US" sz="1500" dirty="0" smtClean="0"/>
+            <a:endParaRPr lang="en-US" sz="1500" dirty="0"/>
           </a:p>
           <a:p>
             <a:pPr marL="0" lvl="3">
@@ -19827,22 +19767,18 @@
             </a:pPr>
             <a:r>
               <a:rPr lang="en-US" sz="1500" dirty="0"/>
-              <a:t> </a:t>
-            </a:r>
-            <a:r>
-              <a:rPr lang="en-US" sz="1500" dirty="0" smtClean="0"/>
-              <a:t>    * </a:t>
-            </a:r>
-            <a:r>
-              <a:rPr lang="en-US" sz="1500" dirty="0" err="1" smtClean="0"/>
+              <a:t>     * </a:t>
+            </a:r>
+            <a:r>
+              <a:rPr lang="en-US" sz="1500" dirty="0" err="1"/>
               <a:t>Về</a:t>
             </a:r>
             <a:r>
-              <a:rPr lang="en-US" sz="1500" dirty="0" smtClean="0"/>
-              <a:t> </a:t>
-            </a:r>
-            <a:r>
-              <a:rPr lang="en-US" sz="1500" dirty="0" err="1" smtClean="0"/>
+              <a:rPr lang="en-US" sz="1500" dirty="0"/>
+              <a:t> </a:t>
+            </a:r>
+            <a:r>
+              <a:rPr lang="en-US" sz="1500" dirty="0" err="1"/>
               <a:t>mạng</a:t>
             </a:r>
             <a:endParaRPr lang="en-US" sz="1500" dirty="0"/>
@@ -19898,55 +19834,55 @@
           <a:lstStyle/>
           <a:p>
             <a:r>
-              <a:rPr lang="en-US" sz="3200" b="1" dirty="0" err="1" smtClean="0"/>
+              <a:rPr lang="en-US" sz="3200" b="1" dirty="0" err="1"/>
               <a:t>Xác</a:t>
             </a:r>
             <a:r>
-              <a:rPr lang="en-US" sz="3200" b="1" dirty="0" smtClean="0"/>
-              <a:t> </a:t>
-            </a:r>
-            <a:r>
-              <a:rPr lang="en-US" sz="3200" b="1" dirty="0" err="1" smtClean="0"/>
+              <a:rPr lang="en-US" sz="3200" b="1" dirty="0"/>
+              <a:t> </a:t>
+            </a:r>
+            <a:r>
+              <a:rPr lang="en-US" sz="3200" b="1" dirty="0" err="1"/>
               <a:t>định</a:t>
             </a:r>
             <a:r>
-              <a:rPr lang="en-US" sz="3200" b="1" dirty="0" smtClean="0"/>
-              <a:t> </a:t>
-            </a:r>
-            <a:r>
-              <a:rPr lang="en-US" sz="3200" b="1" dirty="0" err="1" smtClean="0"/>
+              <a:rPr lang="en-US" sz="3200" b="1" dirty="0"/>
+              <a:t> </a:t>
+            </a:r>
+            <a:r>
+              <a:rPr lang="en-US" sz="3200" b="1" dirty="0" err="1"/>
               <a:t>và</a:t>
             </a:r>
             <a:r>
-              <a:rPr lang="en-US" sz="3200" b="1" dirty="0" smtClean="0"/>
-              <a:t> </a:t>
-            </a:r>
-            <a:r>
-              <a:rPr lang="en-US" sz="3200" b="1" dirty="0" err="1" smtClean="0"/>
+              <a:rPr lang="en-US" sz="3200" b="1" dirty="0"/>
+              <a:t> </a:t>
+            </a:r>
+            <a:r>
+              <a:rPr lang="en-US" sz="3200" b="1" dirty="0" err="1"/>
               <a:t>phân</a:t>
             </a:r>
             <a:r>
-              <a:rPr lang="en-US" sz="3200" b="1" dirty="0" smtClean="0"/>
-              <a:t> </a:t>
-            </a:r>
-            <a:r>
-              <a:rPr lang="en-US" sz="3200" b="1" dirty="0" err="1" smtClean="0"/>
+              <a:rPr lang="en-US" sz="3200" b="1" dirty="0"/>
+              <a:t> </a:t>
+            </a:r>
+            <a:r>
+              <a:rPr lang="en-US" sz="3200" b="1" dirty="0" err="1"/>
               <a:t>tích</a:t>
             </a:r>
             <a:r>
-              <a:rPr lang="en-US" sz="3200" b="1" dirty="0" smtClean="0"/>
-              <a:t> </a:t>
-            </a:r>
-            <a:r>
-              <a:rPr lang="en-US" sz="3200" b="1" dirty="0" err="1" smtClean="0"/>
+              <a:rPr lang="en-US" sz="3200" b="1" dirty="0"/>
+              <a:t> </a:t>
+            </a:r>
+            <a:r>
+              <a:rPr lang="en-US" sz="3200" b="1" dirty="0" err="1"/>
               <a:t>yêu</a:t>
             </a:r>
             <a:r>
-              <a:rPr lang="en-US" sz="3200" b="1" dirty="0" smtClean="0"/>
-              <a:t> </a:t>
-            </a:r>
-            <a:r>
-              <a:rPr lang="en-US" sz="3200" b="1" dirty="0" err="1" smtClean="0"/>
+              <a:rPr lang="en-US" sz="3200" b="1" dirty="0"/>
+              <a:t> </a:t>
+            </a:r>
+            <a:r>
+              <a:rPr lang="en-US" sz="3200" b="1" dirty="0" err="1"/>
               <a:t>cầu</a:t>
             </a:r>
             <a:endParaRPr lang="en-US" sz="3200" b="1" dirty="0"/>
@@ -20045,15 +19981,15 @@
               </a:lnSpc>
             </a:pPr>
             <a:r>
-              <a:rPr lang="en-US" sz="1200" dirty="0" smtClean="0"/>
+              <a:rPr lang="en-US" sz="1200" dirty="0"/>
               <a:t>       *</a:t>
             </a:r>
             <a:r>
-              <a:rPr lang="en-US" sz="1200" dirty="0" err="1" smtClean="0"/>
+              <a:rPr lang="en-US" sz="1200" dirty="0" err="1"/>
               <a:t>Quản</a:t>
             </a:r>
             <a:r>
-              <a:rPr lang="en-US" sz="1200" dirty="0" smtClean="0"/>
+              <a:rPr lang="en-US" sz="1200" dirty="0"/>
               <a:t> </a:t>
             </a:r>
             <a:r>
@@ -20200,15 +20136,15 @@
               </a:lnSpc>
             </a:pPr>
             <a:r>
-              <a:rPr lang="en-US" sz="1200" dirty="0" smtClean="0"/>
+              <a:rPr lang="en-US" sz="1200" dirty="0"/>
               <a:t>       *</a:t>
             </a:r>
             <a:r>
-              <a:rPr lang="en-US" sz="1200" dirty="0" err="1" smtClean="0"/>
+              <a:rPr lang="en-US" sz="1200" dirty="0" err="1"/>
               <a:t>Điều</a:t>
             </a:r>
             <a:r>
-              <a:rPr lang="en-US" sz="1200" dirty="0" smtClean="0"/>
+              <a:rPr lang="en-US" sz="1200" dirty="0"/>
               <a:t> </a:t>
             </a:r>
             <a:r>
@@ -20291,15 +20227,15 @@
               </a:lnSpc>
             </a:pPr>
             <a:r>
-              <a:rPr lang="en-US" sz="1200" dirty="0" smtClean="0"/>
+              <a:rPr lang="en-US" sz="1200" dirty="0"/>
               <a:t>       *</a:t>
             </a:r>
             <a:r>
-              <a:rPr lang="en-US" sz="1200" dirty="0" err="1" smtClean="0"/>
+              <a:rPr lang="en-US" sz="1200" dirty="0" err="1"/>
               <a:t>Nhận</a:t>
             </a:r>
             <a:r>
-              <a:rPr lang="en-US" sz="1200" dirty="0" smtClean="0"/>
+              <a:rPr lang="en-US" sz="1200" dirty="0"/>
               <a:t> </a:t>
             </a:r>
             <a:r>
@@ -20391,11 +20327,11 @@
               <a:t> </a:t>
             </a:r>
             <a:r>
-              <a:rPr lang="en-US" sz="1200" dirty="0" err="1" smtClean="0"/>
+              <a:rPr lang="en-US" sz="1200" dirty="0" err="1"/>
               <a:t>cửa</a:t>
             </a:r>
             <a:r>
-              <a:rPr lang="en-US" sz="1200" dirty="0" smtClean="0"/>
+              <a:rPr lang="en-US" sz="1200" dirty="0"/>
               <a:t> </a:t>
             </a:r>
             <a:r>
@@ -20479,22 +20415,21 @@
               <a:t> </a:t>
             </a:r>
             <a:r>
-              <a:rPr lang="en-US" sz="1400" b="1" dirty="0" err="1" smtClean="0"/>
+              <a:rPr lang="en-US" sz="1400" b="1" dirty="0" err="1"/>
               <a:t>nhân</a:t>
             </a:r>
             <a:r>
-              <a:rPr lang="en-US" sz="1400" b="1" dirty="0" smtClean="0"/>
-              <a:t> </a:t>
-            </a:r>
-            <a:r>
-              <a:rPr lang="en-US" sz="1400" b="1" dirty="0" err="1" smtClean="0"/>
+              <a:rPr lang="en-US" sz="1400" b="1" dirty="0"/>
+              <a:t> </a:t>
+            </a:r>
+            <a:r>
+              <a:rPr lang="en-US" sz="1400" b="1" dirty="0" err="1"/>
               <a:t>viên</a:t>
             </a:r>
             <a:r>
-              <a:rPr lang="en-US" sz="1400" b="1" dirty="0" smtClean="0"/>
+              <a:rPr lang="en-US" sz="1400" b="1" dirty="0"/>
               <a:t>:</a:t>
             </a:r>
-            <a:endParaRPr lang="en-US" sz="1400" b="1" dirty="0"/>
           </a:p>
           <a:p>
             <a:pPr lvl="0">
@@ -20503,47 +20438,47 @@
               </a:lnSpc>
             </a:pPr>
             <a:r>
-              <a:rPr lang="en-US" sz="1200" dirty="0" smtClean="0"/>
+              <a:rPr lang="en-US" sz="1200" dirty="0"/>
               <a:t>       *</a:t>
             </a:r>
             <a:r>
-              <a:rPr lang="en-US" sz="1200" dirty="0" err="1" smtClean="0"/>
+              <a:rPr lang="en-US" sz="1200" dirty="0" err="1"/>
               <a:t>Lập</a:t>
             </a:r>
             <a:r>
-              <a:rPr lang="en-US" sz="1200" dirty="0" smtClean="0"/>
-              <a:t> </a:t>
-            </a:r>
-            <a:r>
-              <a:rPr lang="en-US" sz="1200" dirty="0" err="1" smtClean="0"/>
+              <a:rPr lang="en-US" sz="1200" dirty="0"/>
+              <a:t> </a:t>
+            </a:r>
+            <a:r>
+              <a:rPr lang="en-US" sz="1200" dirty="0" err="1"/>
               <a:t>hóa</a:t>
             </a:r>
             <a:r>
-              <a:rPr lang="en-US" sz="1200" dirty="0" smtClean="0"/>
-              <a:t> </a:t>
-            </a:r>
-            <a:r>
-              <a:rPr lang="en-US" sz="1200" dirty="0" err="1" smtClean="0"/>
+              <a:rPr lang="en-US" sz="1200" dirty="0"/>
+              <a:t> </a:t>
+            </a:r>
+            <a:r>
+              <a:rPr lang="en-US" sz="1200" dirty="0" err="1"/>
               <a:t>đơn</a:t>
             </a:r>
             <a:r>
-              <a:rPr lang="en-US" sz="1200" dirty="0" smtClean="0"/>
-              <a:t> </a:t>
-            </a:r>
-            <a:r>
-              <a:rPr lang="en-US" sz="1200" dirty="0" err="1" smtClean="0"/>
+              <a:rPr lang="en-US" sz="1200" dirty="0"/>
+              <a:t> </a:t>
+            </a:r>
+            <a:r>
+              <a:rPr lang="en-US" sz="1200" dirty="0" err="1"/>
               <a:t>bán</a:t>
             </a:r>
             <a:r>
-              <a:rPr lang="en-US" sz="1200" dirty="0" smtClean="0"/>
-              <a:t> </a:t>
-            </a:r>
-            <a:r>
-              <a:rPr lang="en-US" sz="1200" dirty="0" err="1" smtClean="0"/>
+              <a:rPr lang="en-US" sz="1200" dirty="0"/>
+              <a:t> </a:t>
+            </a:r>
+            <a:r>
+              <a:rPr lang="en-US" sz="1200" dirty="0" err="1"/>
               <a:t>hàng</a:t>
             </a:r>
             <a:r>
-              <a:rPr lang="en-US" sz="1200" dirty="0" smtClean="0"/>
+              <a:rPr lang="en-US" sz="1200" dirty="0"/>
               <a:t>.</a:t>
             </a:r>
           </a:p>
@@ -20554,66 +20489,65 @@
               </a:lnSpc>
             </a:pPr>
             <a:r>
-              <a:rPr lang="en-US" sz="1200" dirty="0" smtClean="0"/>
+              <a:rPr lang="en-US" sz="1200" dirty="0"/>
               <a:t>       *</a:t>
             </a:r>
             <a:r>
-              <a:rPr lang="en-US" sz="1200" dirty="0" err="1" smtClean="0"/>
+              <a:rPr lang="en-US" sz="1200" dirty="0" err="1"/>
               <a:t>Có</a:t>
             </a:r>
             <a:r>
-              <a:rPr lang="en-US" sz="1200" dirty="0" smtClean="0"/>
-              <a:t> </a:t>
-            </a:r>
-            <a:r>
-              <a:rPr lang="en-US" sz="1200" dirty="0" err="1" smtClean="0"/>
+              <a:rPr lang="en-US" sz="1200" dirty="0"/>
+              <a:t> </a:t>
+            </a:r>
+            <a:r>
+              <a:rPr lang="en-US" sz="1200" dirty="0" err="1"/>
               <a:t>mặt</a:t>
             </a:r>
             <a:r>
-              <a:rPr lang="en-US" sz="1200" dirty="0" smtClean="0"/>
-              <a:t> </a:t>
-            </a:r>
-            <a:r>
-              <a:rPr lang="en-US" sz="1200" dirty="0" err="1" smtClean="0"/>
+              <a:rPr lang="en-US" sz="1200" dirty="0"/>
+              <a:t> </a:t>
+            </a:r>
+            <a:r>
+              <a:rPr lang="en-US" sz="1200" dirty="0" err="1"/>
               <a:t>để</a:t>
             </a:r>
             <a:r>
-              <a:rPr lang="en-US" sz="1200" dirty="0" smtClean="0"/>
-              <a:t> </a:t>
-            </a:r>
-            <a:r>
-              <a:rPr lang="en-US" sz="1200" dirty="0" err="1" smtClean="0"/>
+              <a:rPr lang="en-US" sz="1200" dirty="0"/>
+              <a:t> </a:t>
+            </a:r>
+            <a:r>
+              <a:rPr lang="en-US" sz="1200" dirty="0" err="1"/>
               <a:t>hổ</a:t>
             </a:r>
             <a:r>
-              <a:rPr lang="en-US" sz="1200" dirty="0" smtClean="0"/>
-              <a:t> </a:t>
-            </a:r>
-            <a:r>
-              <a:rPr lang="en-US" sz="1200" dirty="0" err="1" smtClean="0"/>
+              <a:rPr lang="en-US" sz="1200" dirty="0"/>
+              <a:t> </a:t>
+            </a:r>
+            <a:r>
+              <a:rPr lang="en-US" sz="1200" dirty="0" err="1"/>
               <a:t>trợ</a:t>
             </a:r>
             <a:r>
-              <a:rPr lang="en-US" sz="1200" dirty="0" smtClean="0"/>
-              <a:t> </a:t>
-            </a:r>
-            <a:r>
-              <a:rPr lang="en-US" sz="1200" dirty="0" err="1" smtClean="0"/>
+              <a:rPr lang="en-US" sz="1200" dirty="0"/>
+              <a:t> </a:t>
+            </a:r>
+            <a:r>
+              <a:rPr lang="en-US" sz="1200" dirty="0" err="1"/>
               <a:t>khách</a:t>
             </a:r>
             <a:r>
-              <a:rPr lang="en-US" sz="1200" dirty="0" smtClean="0"/>
-              <a:t> </a:t>
-            </a:r>
-            <a:r>
-              <a:rPr lang="en-US" sz="1200" dirty="0" err="1" smtClean="0"/>
+              <a:rPr lang="en-US" sz="1200" dirty="0"/>
+              <a:t> </a:t>
+            </a:r>
+            <a:r>
+              <a:rPr lang="en-US" sz="1200" dirty="0" err="1"/>
               <a:t>hàng</a:t>
             </a:r>
             <a:r>
-              <a:rPr lang="en-US" sz="1200" dirty="0" smtClean="0"/>
+              <a:rPr lang="en-US" sz="1200" dirty="0"/>
               <a:t>.</a:t>
             </a:r>
-            <a:endParaRPr lang="en-US" sz="1200" dirty="0"/>
           </a:p>
           <a:p>
             <a:pPr lvl="0">
@@ -20622,63 +20556,63 @@
               </a:lnSpc>
             </a:pPr>
             <a:r>
-              <a:rPr lang="en-US" sz="1200" dirty="0" smtClean="0"/>
+              <a:rPr lang="en-US" sz="1200" dirty="0"/>
               <a:t>       *</a:t>
             </a:r>
             <a:r>
-              <a:rPr lang="en-US" sz="1200" dirty="0" err="1" smtClean="0"/>
+              <a:rPr lang="en-US" sz="1200" dirty="0" err="1"/>
               <a:t>Báo</a:t>
             </a:r>
             <a:r>
-              <a:rPr lang="en-US" sz="1200" dirty="0" smtClean="0"/>
-              <a:t> </a:t>
-            </a:r>
-            <a:r>
-              <a:rPr lang="en-US" sz="1200" dirty="0" err="1" smtClean="0"/>
+              <a:rPr lang="en-US" sz="1200" dirty="0"/>
+              <a:t> </a:t>
+            </a:r>
+            <a:r>
+              <a:rPr lang="en-US" sz="1200" dirty="0" err="1"/>
               <a:t>cáo</a:t>
             </a:r>
             <a:r>
-              <a:rPr lang="en-US" sz="1200" dirty="0" smtClean="0"/>
-              <a:t> </a:t>
-            </a:r>
-            <a:r>
-              <a:rPr lang="en-US" sz="1200" dirty="0" err="1" smtClean="0"/>
+              <a:rPr lang="en-US" sz="1200" dirty="0"/>
+              <a:t> </a:t>
+            </a:r>
+            <a:r>
+              <a:rPr lang="en-US" sz="1200" dirty="0" err="1"/>
               <a:t>tình</a:t>
             </a:r>
             <a:r>
-              <a:rPr lang="en-US" sz="1200" dirty="0" smtClean="0"/>
-              <a:t> </a:t>
-            </a:r>
-            <a:r>
-              <a:rPr lang="en-US" sz="1200" dirty="0" err="1" smtClean="0"/>
+              <a:rPr lang="en-US" sz="1200" dirty="0"/>
+              <a:t> </a:t>
+            </a:r>
+            <a:r>
+              <a:rPr lang="en-US" sz="1200" dirty="0" err="1"/>
               <a:t>hình</a:t>
             </a:r>
             <a:r>
-              <a:rPr lang="en-US" sz="1200" dirty="0" smtClean="0"/>
-              <a:t> </a:t>
-            </a:r>
-            <a:r>
-              <a:rPr lang="en-US" sz="1200" dirty="0" err="1" smtClean="0"/>
+              <a:rPr lang="en-US" sz="1200" dirty="0"/>
+              <a:t> </a:t>
+            </a:r>
+            <a:r>
+              <a:rPr lang="en-US" sz="1200" dirty="0" err="1"/>
               <a:t>cho</a:t>
             </a:r>
             <a:r>
-              <a:rPr lang="en-US" sz="1200" dirty="0" smtClean="0"/>
-              <a:t> </a:t>
-            </a:r>
-            <a:r>
-              <a:rPr lang="en-US" sz="1200" dirty="0" err="1" smtClean="0"/>
+              <a:rPr lang="en-US" sz="1200" dirty="0"/>
+              <a:t> </a:t>
+            </a:r>
+            <a:r>
+              <a:rPr lang="en-US" sz="1200" dirty="0" err="1"/>
               <a:t>quản</a:t>
             </a:r>
             <a:r>
-              <a:rPr lang="en-US" sz="1200" dirty="0" smtClean="0"/>
-              <a:t> </a:t>
-            </a:r>
-            <a:r>
-              <a:rPr lang="en-US" sz="1200" dirty="0" err="1" smtClean="0"/>
+              <a:rPr lang="en-US" sz="1200" dirty="0"/>
+              <a:t> </a:t>
+            </a:r>
+            <a:r>
+              <a:rPr lang="en-US" sz="1200" dirty="0" err="1"/>
               <a:t>lý</a:t>
             </a:r>
             <a:r>
-              <a:rPr lang="en-US" sz="1200" dirty="0" smtClean="0"/>
+              <a:rPr lang="en-US" sz="1200" dirty="0"/>
               <a:t>.</a:t>
             </a:r>
           </a:p>
@@ -20690,77 +20624,72 @@
             </a:pPr>
             <a:r>
               <a:rPr lang="en-US" sz="1200" dirty="0"/>
-              <a:t> </a:t>
-            </a:r>
-            <a:r>
-              <a:rPr lang="en-US" sz="1200" dirty="0" smtClean="0"/>
-              <a:t>      *</a:t>
-            </a:r>
-            <a:r>
-              <a:rPr lang="en-US" sz="1200" dirty="0" err="1" smtClean="0"/>
+              <a:t>       *</a:t>
+            </a:r>
+            <a:r>
+              <a:rPr lang="en-US" sz="1200" dirty="0" err="1"/>
               <a:t>Bảo</a:t>
             </a:r>
             <a:r>
-              <a:rPr lang="en-US" sz="1200" dirty="0" smtClean="0"/>
-              <a:t> </a:t>
-            </a:r>
-            <a:r>
-              <a:rPr lang="en-US" sz="1200" dirty="0" err="1" smtClean="0"/>
+              <a:rPr lang="en-US" sz="1200" dirty="0"/>
+              <a:t> </a:t>
+            </a:r>
+            <a:r>
+              <a:rPr lang="en-US" sz="1200" dirty="0" err="1"/>
               <a:t>quản</a:t>
             </a:r>
             <a:r>
-              <a:rPr lang="en-US" sz="1200" dirty="0" smtClean="0"/>
-              <a:t> </a:t>
-            </a:r>
-            <a:r>
-              <a:rPr lang="en-US" sz="1200" dirty="0" err="1" smtClean="0"/>
+              <a:rPr lang="en-US" sz="1200" dirty="0"/>
+              <a:t> </a:t>
+            </a:r>
+            <a:r>
+              <a:rPr lang="en-US" sz="1200" dirty="0" err="1"/>
               <a:t>hàng</a:t>
             </a:r>
             <a:r>
-              <a:rPr lang="en-US" sz="1200" dirty="0" smtClean="0"/>
-              <a:t> </a:t>
-            </a:r>
-            <a:r>
-              <a:rPr lang="en-US" sz="1200" dirty="0" err="1" smtClean="0"/>
+              <a:rPr lang="en-US" sz="1200" dirty="0"/>
+              <a:t> </a:t>
+            </a:r>
+            <a:r>
+              <a:rPr lang="en-US" sz="1200" dirty="0" err="1"/>
               <a:t>hóa</a:t>
             </a:r>
             <a:r>
-              <a:rPr lang="en-US" sz="1200" dirty="0" smtClean="0"/>
+              <a:rPr lang="en-US" sz="1200" dirty="0"/>
               <a:t>, </a:t>
             </a:r>
             <a:r>
-              <a:rPr lang="en-US" sz="1200" dirty="0" err="1" smtClean="0"/>
+              <a:rPr lang="en-US" sz="1200" dirty="0" err="1"/>
               <a:t>kiểm</a:t>
             </a:r>
             <a:r>
-              <a:rPr lang="en-US" sz="1200" dirty="0" smtClean="0"/>
-              <a:t> </a:t>
-            </a:r>
-            <a:r>
-              <a:rPr lang="en-US" sz="1200" dirty="0" err="1" smtClean="0"/>
+              <a:rPr lang="en-US" sz="1200" dirty="0"/>
+              <a:t> </a:t>
+            </a:r>
+            <a:r>
+              <a:rPr lang="en-US" sz="1200" dirty="0" err="1"/>
               <a:t>tra</a:t>
             </a:r>
             <a:r>
-              <a:rPr lang="en-US" sz="1200" dirty="0" smtClean="0"/>
-              <a:t> </a:t>
-            </a:r>
-            <a:r>
-              <a:rPr lang="en-US" sz="1200" dirty="0" err="1" smtClean="0"/>
+              <a:rPr lang="en-US" sz="1200" dirty="0"/>
+              <a:t> </a:t>
+            </a:r>
+            <a:r>
+              <a:rPr lang="en-US" sz="1200" dirty="0" err="1"/>
               <a:t>hàng</a:t>
             </a:r>
             <a:r>
-              <a:rPr lang="en-US" sz="1200" dirty="0" smtClean="0"/>
-              <a:t> </a:t>
-            </a:r>
-            <a:r>
-              <a:rPr lang="en-US" sz="1200" dirty="0" err="1" smtClean="0"/>
+              <a:rPr lang="en-US" sz="1200" dirty="0"/>
+              <a:t> </a:t>
+            </a:r>
+            <a:r>
+              <a:rPr lang="en-US" sz="1200" dirty="0" err="1"/>
               <a:t>hóa</a:t>
             </a:r>
             <a:r>
-              <a:rPr lang="en-US" sz="1200" dirty="0" smtClean="0"/>
+              <a:rPr lang="en-US" sz="1200" dirty="0"/>
               <a:t>…</a:t>
             </a:r>
-            <a:endParaRPr lang="en-US" sz="1200" dirty="0"/>
           </a:p>
           <a:p>
             <a:endParaRPr lang="en-US" sz="1200" dirty="0"/>
@@ -20821,22 +20750,21 @@
           <a:lstStyle/>
           <a:p>
             <a:r>
-              <a:rPr lang="en-US" sz="3200" b="1" dirty="0" err="1" smtClean="0"/>
+              <a:rPr lang="en-US" sz="3200" b="1" dirty="0" err="1"/>
               <a:t>Sơ</a:t>
             </a:r>
             <a:r>
-              <a:rPr lang="en-US" sz="3200" b="1" dirty="0" smtClean="0"/>
-              <a:t> </a:t>
-            </a:r>
-            <a:r>
-              <a:rPr lang="en-US" sz="3200" b="1" dirty="0" err="1" smtClean="0"/>
+              <a:rPr lang="en-US" sz="3200" b="1" dirty="0"/>
+              <a:t> </a:t>
+            </a:r>
+            <a:r>
+              <a:rPr lang="en-US" sz="3200" b="1" dirty="0" err="1"/>
               <a:t>đồ</a:t>
             </a:r>
             <a:r>
-              <a:rPr lang="en-US" sz="3200" b="1" dirty="0" smtClean="0"/>
+              <a:rPr lang="en-US" sz="3200" b="1" dirty="0"/>
               <a:t> ERD</a:t>
             </a:r>
-            <a:endParaRPr lang="en-US" sz="3200" b="1" dirty="0"/>
           </a:p>
         </p:txBody>
       </p:sp>
@@ -20878,13 +20806,6 @@
   <p:clrMapOvr>
     <a:masterClrMapping/>
   </p:clrMapOvr>
-  <p:timing>
-    <p:tnLst>
-      <p:par>
-        <p:cTn id="1" dur="indefinite" restart="never" nodeType="tmRoot"/>
-      </p:par>
-    </p:tnLst>
-  </p:timing>
 </p:sld>
 </file>
 
@@ -20921,22 +20842,21 @@
           <a:lstStyle/>
           <a:p>
             <a:r>
-              <a:rPr lang="en-US" sz="3200" b="1" dirty="0" err="1" smtClean="0"/>
+              <a:rPr lang="en-US" sz="3200" b="1" dirty="0" err="1"/>
               <a:t>Sơ</a:t>
             </a:r>
             <a:r>
-              <a:rPr lang="en-US" sz="3200" b="1" dirty="0" smtClean="0"/>
-              <a:t> </a:t>
-            </a:r>
-            <a:r>
-              <a:rPr lang="en-US" sz="3200" b="1" dirty="0" err="1" smtClean="0"/>
+              <a:rPr lang="en-US" sz="3200" b="1" dirty="0"/>
+              <a:t> </a:t>
+            </a:r>
+            <a:r>
+              <a:rPr lang="en-US" sz="3200" b="1" dirty="0" err="1"/>
               <a:t>đồ</a:t>
             </a:r>
             <a:r>
-              <a:rPr lang="en-US" sz="3200" b="1" dirty="0" smtClean="0"/>
+              <a:rPr lang="en-US" sz="3200" b="1" dirty="0"/>
               <a:t> Use case</a:t>
             </a:r>
-            <a:endParaRPr lang="en-US" sz="3200" b="1" dirty="0"/>
           </a:p>
         </p:txBody>
       </p:sp>
@@ -20976,13 +20896,6 @@
   <p:clrMapOvr>
     <a:masterClrMapping/>
   </p:clrMapOvr>
-  <p:timing>
-    <p:tnLst>
-      <p:par>
-        <p:cTn id="1" dur="indefinite" restart="never" nodeType="tmRoot"/>
-      </p:par>
-    </p:tnLst>
-  </p:timing>
 </p:sld>
 </file>
 
@@ -21019,27 +20932,27 @@
           <a:lstStyle/>
           <a:p>
             <a:r>
-              <a:rPr lang="en-US" altLang="ko-KR" sz="3200" b="1" dirty="0" err="1" smtClean="0"/>
+              <a:rPr lang="en-US" altLang="ko-KR" sz="3200" b="1" dirty="0" err="1"/>
               <a:t>Sơ</a:t>
             </a:r>
             <a:r>
-              <a:rPr lang="en-US" altLang="ko-KR" sz="3200" b="1" dirty="0" smtClean="0"/>
-              <a:t> </a:t>
-            </a:r>
-            <a:r>
-              <a:rPr lang="en-US" altLang="ko-KR" sz="3200" b="1" dirty="0" err="1" smtClean="0"/>
+              <a:rPr lang="en-US" altLang="ko-KR" sz="3200" b="1" dirty="0"/>
+              <a:t> </a:t>
+            </a:r>
+            <a:r>
+              <a:rPr lang="en-US" altLang="ko-KR" sz="3200" b="1" dirty="0" err="1"/>
               <a:t>đồ</a:t>
             </a:r>
             <a:r>
-              <a:rPr lang="en-US" altLang="ko-KR" sz="3200" b="1" dirty="0" smtClean="0"/>
+              <a:rPr lang="en-US" altLang="ko-KR" sz="3200" b="1" dirty="0"/>
               <a:t> DFD </a:t>
             </a:r>
             <a:r>
-              <a:rPr lang="en-US" altLang="ko-KR" sz="3200" b="1" dirty="0" err="1" smtClean="0"/>
+              <a:rPr lang="en-US" altLang="ko-KR" sz="3200" b="1" dirty="0" err="1"/>
               <a:t>mức</a:t>
             </a:r>
             <a:r>
-              <a:rPr lang="en-US" altLang="ko-KR" sz="3200" b="1" dirty="0" smtClean="0"/>
+              <a:rPr lang="en-US" altLang="ko-KR" sz="3200" b="1" dirty="0"/>
               <a:t> 0</a:t>
             </a:r>
             <a:endParaRPr lang="ko-KR" altLang="en-US" sz="3200" b="1" dirty="0"/>
@@ -21084,13 +20997,6 @@
   <p:clrMapOvr>
     <a:masterClrMapping/>
   </p:clrMapOvr>
-  <p:timing>
-    <p:tnLst>
-      <p:par>
-        <p:cTn id="1" dur="indefinite" restart="never" nodeType="tmRoot"/>
-      </p:par>
-    </p:tnLst>
-  </p:timing>
 </p:sld>
 </file>
 

--- a/Slide-Nhom8.pptx
+++ b/Slide-Nhom8.pptx
@@ -166,7 +166,7 @@
   <pc:docChgLst>
     <pc:chgData name="Vo Vien" userId="90f2c54e3fb38020" providerId="LiveId" clId="{8F48C2DB-B435-4695-BCE8-773FD52F8068}"/>
     <pc:docChg chg="modSld">
-      <pc:chgData name="Vo Vien" userId="90f2c54e3fb38020" providerId="LiveId" clId="{8F48C2DB-B435-4695-BCE8-773FD52F8068}" dt="2020-12-10T17:54:37.239" v="1" actId="113"/>
+      <pc:chgData name="Vo Vien" userId="90f2c54e3fb38020" providerId="LiveId" clId="{8F48C2DB-B435-4695-BCE8-773FD52F8068}" dt="2020-12-11T05:27:25.087" v="5" actId="1076"/>
       <pc:docMkLst>
         <pc:docMk/>
       </pc:docMkLst>
@@ -184,6 +184,21 @@
             <ac:spMk id="2" creationId="{00000000-0000-0000-0000-000000000000}"/>
           </ac:spMkLst>
         </pc:spChg>
+      </pc:sldChg>
+      <pc:sldChg chg="modSp mod">
+        <pc:chgData name="Vo Vien" userId="90f2c54e3fb38020" providerId="LiveId" clId="{8F48C2DB-B435-4695-BCE8-773FD52F8068}" dt="2020-12-11T05:27:25.087" v="5" actId="1076"/>
+        <pc:sldMkLst>
+          <pc:docMk/>
+          <pc:sldMk cId="2508370441" sldId="312"/>
+        </pc:sldMkLst>
+        <pc:picChg chg="mod">
+          <ac:chgData name="Vo Vien" userId="90f2c54e3fb38020" providerId="LiveId" clId="{8F48C2DB-B435-4695-BCE8-773FD52F8068}" dt="2020-12-11T05:27:25.087" v="5" actId="1076"/>
+          <ac:picMkLst>
+            <pc:docMk/>
+            <pc:sldMk cId="2508370441" sldId="312"/>
+            <ac:picMk id="4" creationId="{00000000-0000-0000-0000-000000000000}"/>
+          </ac:picMkLst>
+        </pc:picChg>
       </pc:sldChg>
     </pc:docChg>
   </pc:docChgLst>
@@ -12999,7 +13014,7 @@
         </p:blipFill>
         <p:spPr>
           <a:xfrm>
-            <a:off x="251520" y="771550"/>
+            <a:off x="1511660" y="699542"/>
             <a:ext cx="6120680" cy="4176464"/>
           </a:xfrm>
           <a:prstGeom prst="rect">

--- a/Slide-Nhom8.pptx
+++ b/Slide-Nhom8.pptx
@@ -166,7 +166,7 @@
   <pc:docChgLst>
     <pc:chgData name="Vo Vien" userId="90f2c54e3fb38020" providerId="LiveId" clId="{8F48C2DB-B435-4695-BCE8-773FD52F8068}"/>
     <pc:docChg chg="modSld">
-      <pc:chgData name="Vo Vien" userId="90f2c54e3fb38020" providerId="LiveId" clId="{8F48C2DB-B435-4695-BCE8-773FD52F8068}" dt="2020-12-11T05:27:25.087" v="5" actId="1076"/>
+      <pc:chgData name="Vo Vien" userId="90f2c54e3fb38020" providerId="LiveId" clId="{8F48C2DB-B435-4695-BCE8-773FD52F8068}" dt="2020-12-10T17:54:37.239" v="1" actId="113"/>
       <pc:docMkLst>
         <pc:docMk/>
       </pc:docMkLst>
@@ -184,21 +184,6 @@
             <ac:spMk id="2" creationId="{00000000-0000-0000-0000-000000000000}"/>
           </ac:spMkLst>
         </pc:spChg>
-      </pc:sldChg>
-      <pc:sldChg chg="modSp mod">
-        <pc:chgData name="Vo Vien" userId="90f2c54e3fb38020" providerId="LiveId" clId="{8F48C2DB-B435-4695-BCE8-773FD52F8068}" dt="2020-12-11T05:27:25.087" v="5" actId="1076"/>
-        <pc:sldMkLst>
-          <pc:docMk/>
-          <pc:sldMk cId="2508370441" sldId="312"/>
-        </pc:sldMkLst>
-        <pc:picChg chg="mod">
-          <ac:chgData name="Vo Vien" userId="90f2c54e3fb38020" providerId="LiveId" clId="{8F48C2DB-B435-4695-BCE8-773FD52F8068}" dt="2020-12-11T05:27:25.087" v="5" actId="1076"/>
-          <ac:picMkLst>
-            <pc:docMk/>
-            <pc:sldMk cId="2508370441" sldId="312"/>
-            <ac:picMk id="4" creationId="{00000000-0000-0000-0000-000000000000}"/>
-          </ac:picMkLst>
-        </pc:picChg>
       </pc:sldChg>
     </pc:docChg>
   </pc:docChgLst>
@@ -13014,7 +12999,7 @@
         </p:blipFill>
         <p:spPr>
           <a:xfrm>
-            <a:off x="1511660" y="699542"/>
+            <a:off x="251520" y="771550"/>
             <a:ext cx="6120680" cy="4176464"/>
           </a:xfrm>
           <a:prstGeom prst="rect">

--- a/Slide-Nhom8.pptx
+++ b/Slide-Nhom8.pptx
@@ -159,35 +159,6 @@
     </p:ext>
   </p:extLst>
 </p:presentation>
-</file>
-
-<file path=ppt/changesInfos/changesInfo1.xml><?xml version="1.0" encoding="utf-8"?>
-<pc:chgInfo xmlns:a="http://schemas.openxmlformats.org/drawingml/2006/main" xmlns:r="http://schemas.openxmlformats.org/officeDocument/2006/relationships" xmlns:ac="http://schemas.microsoft.com/office/drawing/2013/main/command" xmlns:pc="http://schemas.microsoft.com/office/powerpoint/2013/main/command">
-  <pc:docChgLst>
-    <pc:chgData name="Vo Vien" userId="90f2c54e3fb38020" providerId="LiveId" clId="{8F48C2DB-B435-4695-BCE8-773FD52F8068}"/>
-    <pc:docChg chg="modSld">
-      <pc:chgData name="Vo Vien" userId="90f2c54e3fb38020" providerId="LiveId" clId="{8F48C2DB-B435-4695-BCE8-773FD52F8068}" dt="2020-12-10T17:54:37.239" v="1" actId="113"/>
-      <pc:docMkLst>
-        <pc:docMk/>
-      </pc:docMkLst>
-      <pc:sldChg chg="modSp mod">
-        <pc:chgData name="Vo Vien" userId="90f2c54e3fb38020" providerId="LiveId" clId="{8F48C2DB-B435-4695-BCE8-773FD52F8068}" dt="2020-12-10T17:54:37.239" v="1" actId="113"/>
-        <pc:sldMkLst>
-          <pc:docMk/>
-          <pc:sldMk cId="3239406661" sldId="265"/>
-        </pc:sldMkLst>
-        <pc:spChg chg="mod">
-          <ac:chgData name="Vo Vien" userId="90f2c54e3fb38020" providerId="LiveId" clId="{8F48C2DB-B435-4695-BCE8-773FD52F8068}" dt="2020-12-10T17:54:37.239" v="1" actId="113"/>
-          <ac:spMkLst>
-            <pc:docMk/>
-            <pc:sldMk cId="3239406661" sldId="265"/>
-            <ac:spMk id="2" creationId="{00000000-0000-0000-0000-000000000000}"/>
-          </ac:spMkLst>
-        </pc:spChg>
-      </pc:sldChg>
-    </pc:docChg>
-  </pc:docChgLst>
-</pc:chgInfo>
 </file>
 
 <file path=ppt/slideLayouts/slideLayout1.xml><?xml version="1.0" encoding="utf-8"?>
@@ -12999,7 +12970,7 @@
         </p:blipFill>
         <p:spPr>
           <a:xfrm>
-            <a:off x="251520" y="771550"/>
+            <a:off x="1511660" y="699542"/>
             <a:ext cx="6120680" cy="4176464"/>
           </a:xfrm>
           <a:prstGeom prst="rect">
@@ -13425,8 +13396,16 @@
       </p:sp>
       <p:pic>
         <p:nvPicPr>
-          <p:cNvPr id="4" name="Picture 3"/>
-          <p:cNvPicPr/>
+          <p:cNvPr id="5" name="Picture 4" descr="Diagram, schematic&#10;&#10;Description automatically generated">
+            <a:extLst>
+              <a:ext uri="{FF2B5EF4-FFF2-40B4-BE49-F238E27FC236}">
+                <a16:creationId xmlns:a16="http://schemas.microsoft.com/office/drawing/2014/main" id="{8D7BC098-6EFD-4C19-996E-603B5BDF08F8}"/>
+              </a:ext>
+            </a:extLst>
+          </p:cNvPr>
+          <p:cNvPicPr>
+            <a:picLocks noChangeAspect="1"/>
+          </p:cNvPicPr>
           <p:nvPr/>
         </p:nvPicPr>
         <p:blipFill>
@@ -13443,8 +13422,8 @@
         </p:blipFill>
         <p:spPr>
           <a:xfrm>
-            <a:off x="1787001" y="843558"/>
-            <a:ext cx="5328592" cy="4008787"/>
+            <a:off x="1979712" y="699542"/>
+            <a:ext cx="5407708" cy="4248472"/>
           </a:xfrm>
           <a:prstGeom prst="rect">
             <a:avLst/>

--- a/Slide-Nhom8.pptx
+++ b/Slide-Nhom8.pptx
@@ -13525,8 +13525,16 @@
       </p:sp>
       <p:pic>
         <p:nvPicPr>
-          <p:cNvPr id="4" name="Picture 3"/>
-          <p:cNvPicPr/>
+          <p:cNvPr id="5" name="Picture 4" descr="Diagram, engineering drawing&#10;&#10;Description automatically generated">
+            <a:extLst>
+              <a:ext uri="{FF2B5EF4-FFF2-40B4-BE49-F238E27FC236}">
+                <a16:creationId xmlns:a16="http://schemas.microsoft.com/office/drawing/2014/main" id="{8CB382EE-626C-4EEE-A6E0-58B4E2A8A4CE}"/>
+              </a:ext>
+            </a:extLst>
+          </p:cNvPr>
+          <p:cNvPicPr>
+            <a:picLocks noChangeAspect="1"/>
+          </p:cNvPicPr>
           <p:nvPr/>
         </p:nvPicPr>
         <p:blipFill>
@@ -13543,8 +13551,8 @@
         </p:blipFill>
         <p:spPr>
           <a:xfrm>
-            <a:off x="1403648" y="693737"/>
-            <a:ext cx="6264695" cy="4254277"/>
+            <a:off x="2051720" y="771550"/>
+            <a:ext cx="5544616" cy="4176464"/>
           </a:xfrm>
           <a:prstGeom prst="rect">
             <a:avLst/>

--- a/Slide-Nhom8.pptx
+++ b/Slide-Nhom8.pptx
@@ -13525,10 +13525,10 @@
       </p:sp>
       <p:pic>
         <p:nvPicPr>
-          <p:cNvPr id="5" name="Picture 4" descr="Diagram, engineering drawing&#10;&#10;Description automatically generated">
+          <p:cNvPr id="7" name="Picture 6" descr="Diagram&#10;&#10;Description automatically generated">
             <a:extLst>
               <a:ext uri="{FF2B5EF4-FFF2-40B4-BE49-F238E27FC236}">
-                <a16:creationId xmlns:a16="http://schemas.microsoft.com/office/drawing/2014/main" id="{8CB382EE-626C-4EEE-A6E0-58B4E2A8A4CE}"/>
+                <a16:creationId xmlns:a16="http://schemas.microsoft.com/office/drawing/2014/main" id="{B2A1BFFE-5D84-4F1E-A386-6AE27747B9F5}"/>
               </a:ext>
             </a:extLst>
           </p:cNvPr>
@@ -13551,8 +13551,8 @@
         </p:blipFill>
         <p:spPr>
           <a:xfrm>
-            <a:off x="2051720" y="771550"/>
-            <a:ext cx="5544616" cy="4176464"/>
+            <a:off x="1979712" y="771550"/>
+            <a:ext cx="5040560" cy="4104456"/>
           </a:xfrm>
           <a:prstGeom prst="rect">
             <a:avLst/>
